--- a/PPT/110061638_lab_b.pptx
+++ b/PPT/110061638_lab_b.pptx
@@ -5,7 +5,7 @@
     <p:sldMasterId id="2147483648" r:id="rId1"/>
   </p:sldMasterIdLst>
   <p:notesMasterIdLst>
-    <p:notesMasterId r:id="rId31"/>
+    <p:notesMasterId r:id="rId32"/>
   </p:notesMasterIdLst>
   <p:sldIdLst>
     <p:sldId id="256" r:id="rId2"/>
@@ -24,19 +24,20 @@
     <p:sldId id="295" r:id="rId15"/>
     <p:sldId id="290" r:id="rId16"/>
     <p:sldId id="275" r:id="rId17"/>
-    <p:sldId id="296" r:id="rId18"/>
-    <p:sldId id="297" r:id="rId19"/>
-    <p:sldId id="291" r:id="rId20"/>
-    <p:sldId id="298" r:id="rId21"/>
-    <p:sldId id="301" r:id="rId22"/>
-    <p:sldId id="299" r:id="rId23"/>
-    <p:sldId id="292" r:id="rId24"/>
-    <p:sldId id="300" r:id="rId25"/>
-    <p:sldId id="302" r:id="rId26"/>
-    <p:sldId id="303" r:id="rId27"/>
-    <p:sldId id="304" r:id="rId28"/>
-    <p:sldId id="305" r:id="rId29"/>
-    <p:sldId id="261" r:id="rId30"/>
+    <p:sldId id="306" r:id="rId18"/>
+    <p:sldId id="296" r:id="rId19"/>
+    <p:sldId id="297" r:id="rId20"/>
+    <p:sldId id="291" r:id="rId21"/>
+    <p:sldId id="298" r:id="rId22"/>
+    <p:sldId id="301" r:id="rId23"/>
+    <p:sldId id="299" r:id="rId24"/>
+    <p:sldId id="292" r:id="rId25"/>
+    <p:sldId id="300" r:id="rId26"/>
+    <p:sldId id="302" r:id="rId27"/>
+    <p:sldId id="303" r:id="rId28"/>
+    <p:sldId id="304" r:id="rId29"/>
+    <p:sldId id="305" r:id="rId30"/>
+    <p:sldId id="261" r:id="rId31"/>
   </p:sldIdLst>
   <p:sldSz cx="12192000" cy="6858000"/>
   <p:notesSz cx="6858000" cy="9144000"/>
@@ -1649,7 +1650,7 @@
             <a:fld id="{50CAC5CB-6390-4061-8DE8-0C81ED3F3D36}" type="datetimeFigureOut">
               <a:rPr lang="zh-CN" altLang="en-US" smtClean="0"/>
               <a:pPr/>
-              <a:t>2022/3/28</a:t>
+              <a:t>2022/3/29</a:t>
             </a:fld>
             <a:endParaRPr lang="zh-CN" altLang="en-US"/>
           </a:p>
@@ -2097,7 +2098,7 @@
             <a:fld id="{530820CF-B880-4189-942D-D702A7CBA730}" type="datetimeFigureOut">
               <a:rPr lang="zh-CN" altLang="en-US" smtClean="0"/>
               <a:pPr/>
-              <a:t>2022/3/28</a:t>
+              <a:t>2022/3/29</a:t>
             </a:fld>
             <a:endParaRPr lang="zh-CN" altLang="en-US"/>
           </a:p>
@@ -2274,7 +2275,7 @@
             <a:fld id="{530820CF-B880-4189-942D-D702A7CBA730}" type="datetimeFigureOut">
               <a:rPr lang="zh-CN" altLang="en-US" smtClean="0"/>
               <a:pPr/>
-              <a:t>2022/3/28</a:t>
+              <a:t>2022/3/29</a:t>
             </a:fld>
             <a:endParaRPr lang="zh-CN" altLang="en-US"/>
           </a:p>
@@ -2461,7 +2462,7 @@
             <a:fld id="{530820CF-B880-4189-942D-D702A7CBA730}" type="datetimeFigureOut">
               <a:rPr lang="zh-CN" altLang="en-US" smtClean="0"/>
               <a:pPr/>
-              <a:t>2022/3/28</a:t>
+              <a:t>2022/3/29</a:t>
             </a:fld>
             <a:endParaRPr lang="zh-CN" altLang="en-US"/>
           </a:p>
@@ -2638,7 +2639,7 @@
             <a:fld id="{530820CF-B880-4189-942D-D702A7CBA730}" type="datetimeFigureOut">
               <a:rPr lang="zh-CN" altLang="en-US" smtClean="0"/>
               <a:pPr/>
-              <a:t>2022/3/28</a:t>
+              <a:t>2022/3/29</a:t>
             </a:fld>
             <a:endParaRPr lang="zh-CN" altLang="en-US"/>
           </a:p>
@@ -2892,7 +2893,7 @@
             <a:fld id="{530820CF-B880-4189-942D-D702A7CBA730}" type="datetimeFigureOut">
               <a:rPr lang="zh-CN" altLang="en-US" smtClean="0"/>
               <a:pPr/>
-              <a:t>2022/3/28</a:t>
+              <a:t>2022/3/29</a:t>
             </a:fld>
             <a:endParaRPr lang="zh-CN" altLang="en-US"/>
           </a:p>
@@ -3186,7 +3187,7 @@
             <a:fld id="{530820CF-B880-4189-942D-D702A7CBA730}" type="datetimeFigureOut">
               <a:rPr lang="zh-CN" altLang="en-US" smtClean="0"/>
               <a:pPr/>
-              <a:t>2022/3/28</a:t>
+              <a:t>2022/3/29</a:t>
             </a:fld>
             <a:endParaRPr lang="zh-CN" altLang="en-US"/>
           </a:p>
@@ -3614,7 +3615,7 @@
             <a:fld id="{530820CF-B880-4189-942D-D702A7CBA730}" type="datetimeFigureOut">
               <a:rPr lang="zh-CN" altLang="en-US" smtClean="0"/>
               <a:pPr/>
-              <a:t>2022/3/28</a:t>
+              <a:t>2022/3/29</a:t>
             </a:fld>
             <a:endParaRPr lang="zh-CN" altLang="en-US"/>
           </a:p>
@@ -3740,7 +3741,7 @@
             <a:fld id="{530820CF-B880-4189-942D-D702A7CBA730}" type="datetimeFigureOut">
               <a:rPr lang="zh-CN" altLang="en-US" smtClean="0"/>
               <a:pPr/>
-              <a:t>2022/3/28</a:t>
+              <a:t>2022/3/29</a:t>
             </a:fld>
             <a:endParaRPr lang="zh-CN" altLang="en-US"/>
           </a:p>
@@ -3844,7 +3845,7 @@
             <a:fld id="{530820CF-B880-4189-942D-D702A7CBA730}" type="datetimeFigureOut">
               <a:rPr lang="zh-CN" altLang="en-US" smtClean="0"/>
               <a:pPr/>
-              <a:t>2022/3/28</a:t>
+              <a:t>2022/3/29</a:t>
             </a:fld>
             <a:endParaRPr lang="zh-CN" altLang="en-US"/>
           </a:p>
@@ -4128,7 +4129,7 @@
             <a:fld id="{530820CF-B880-4189-942D-D702A7CBA730}" type="datetimeFigureOut">
               <a:rPr lang="zh-CN" altLang="en-US" smtClean="0"/>
               <a:pPr/>
-              <a:t>2022/3/28</a:t>
+              <a:t>2022/3/29</a:t>
             </a:fld>
             <a:endParaRPr lang="zh-CN" altLang="en-US"/>
           </a:p>
@@ -4389,7 +4390,7 @@
             <a:fld id="{530820CF-B880-4189-942D-D702A7CBA730}" type="datetimeFigureOut">
               <a:rPr lang="zh-CN" altLang="en-US" smtClean="0"/>
               <a:pPr/>
-              <a:t>2022/3/28</a:t>
+              <a:t>2022/3/29</a:t>
             </a:fld>
             <a:endParaRPr lang="zh-CN" altLang="en-US"/>
           </a:p>
@@ -4609,7 +4610,7 @@
             <a:fld id="{530820CF-B880-4189-942D-D702A7CBA730}" type="datetimeFigureOut">
               <a:rPr lang="zh-CN" altLang="en-US" smtClean="0"/>
               <a:pPr/>
-              <a:t>2022/3/28</a:t>
+              <a:t>2022/3/29</a:t>
             </a:fld>
             <a:endParaRPr lang="zh-CN" altLang="en-US"/>
           </a:p>
@@ -12848,6 +12849,371 @@
       </p:grpSpPr>
       <p:sp>
         <p:nvSpPr>
+          <p:cNvPr id="13" name="矩形 12"/>
+          <p:cNvSpPr/>
+          <p:nvPr/>
+        </p:nvSpPr>
+        <p:spPr>
+          <a:xfrm>
+            <a:off x="6095998" y="2943411"/>
+            <a:ext cx="1739579" cy="400110"/>
+          </a:xfrm>
+          <a:prstGeom prst="rect">
+            <a:avLst/>
+          </a:prstGeom>
+        </p:spPr>
+        <p:txBody>
+          <a:bodyPr wrap="none">
+            <a:spAutoFit/>
+          </a:bodyPr>
+          <a:lstStyle/>
+          <a:p>
+            <a:pPr algn="ctr"/>
+            <a:r>
+              <a:rPr lang="en-US" altLang="zh-CN" sz="2000" dirty="0">
+                <a:solidFill>
+                  <a:schemeClr val="bg1"/>
+                </a:solidFill>
+                <a:latin typeface="Arial" panose="020B0604020202020204" pitchFamily="34" charset="0"/>
+                <a:ea typeface="微软雅黑 Light" panose="020B0502040204020203" pitchFamily="34" charset="-122"/>
+                <a:cs typeface="Arial" panose="020B0604020202020204" pitchFamily="34" charset="0"/>
+              </a:rPr>
+              <a:t>TITLE HERE </a:t>
+            </a:r>
+            <a:endParaRPr lang="zh-CN" altLang="en-US" sz="2000" dirty="0">
+              <a:solidFill>
+                <a:schemeClr val="bg1"/>
+              </a:solidFill>
+            </a:endParaRPr>
+          </a:p>
+        </p:txBody>
+      </p:sp>
+      <p:sp>
+        <p:nvSpPr>
+          <p:cNvPr id="22" name="文本框 18">
+            <a:extLst>
+              <a:ext uri="{FF2B5EF4-FFF2-40B4-BE49-F238E27FC236}">
+                <a16:creationId xmlns:a16="http://schemas.microsoft.com/office/drawing/2014/main" id="{92DD4C14-5939-4918-83FA-86A7CA48FA2F}"/>
+              </a:ext>
+            </a:extLst>
+          </p:cNvPr>
+          <p:cNvSpPr txBox="1"/>
+          <p:nvPr/>
+        </p:nvSpPr>
+        <p:spPr>
+          <a:xfrm>
+            <a:off x="4662753" y="61463"/>
+            <a:ext cx="2866490" cy="707886"/>
+          </a:xfrm>
+          <a:prstGeom prst="rect">
+            <a:avLst/>
+          </a:prstGeom>
+          <a:noFill/>
+        </p:spPr>
+        <p:txBody>
+          <a:bodyPr wrap="none" rtlCol="0">
+            <a:spAutoFit/>
+          </a:bodyPr>
+          <a:lstStyle/>
+          <a:p>
+            <a:r>
+              <a:rPr lang="en-US" altLang="zh-CN" sz="4000" dirty="0">
+                <a:solidFill>
+                  <a:schemeClr val="accent6">
+                    <a:lumMod val="75000"/>
+                  </a:schemeClr>
+                </a:solidFill>
+                <a:latin typeface="Arial" panose="020B0604020202020204" pitchFamily="34" charset="0"/>
+                <a:ea typeface="微软雅黑 Light" panose="020B0502040204020203" pitchFamily="34" charset="-122"/>
+                <a:cs typeface="Arial" panose="020B0604020202020204" pitchFamily="34" charset="0"/>
+              </a:rPr>
+              <a:t>Introduction</a:t>
+            </a:r>
+          </a:p>
+        </p:txBody>
+      </p:sp>
+      <p:sp>
+        <p:nvSpPr>
+          <p:cNvPr id="23" name="矩形 22">
+            <a:extLst>
+              <a:ext uri="{FF2B5EF4-FFF2-40B4-BE49-F238E27FC236}">
+                <a16:creationId xmlns:a16="http://schemas.microsoft.com/office/drawing/2014/main" id="{39EF4496-EEDF-4E2B-A057-33A4ECECE947}"/>
+              </a:ext>
+            </a:extLst>
+          </p:cNvPr>
+          <p:cNvSpPr/>
+          <p:nvPr/>
+        </p:nvSpPr>
+        <p:spPr>
+          <a:xfrm>
+            <a:off x="5558980" y="817677"/>
+            <a:ext cx="1074037" cy="83706"/>
+          </a:xfrm>
+          <a:prstGeom prst="rect">
+            <a:avLst/>
+          </a:prstGeom>
+          <a:solidFill>
+            <a:srgbClr val="53575A"/>
+          </a:solidFill>
+          <a:ln>
+            <a:noFill/>
+          </a:ln>
+        </p:spPr>
+        <p:style>
+          <a:lnRef idx="2">
+            <a:schemeClr val="accent1">
+              <a:shade val="50000"/>
+            </a:schemeClr>
+          </a:lnRef>
+          <a:fillRef idx="1">
+            <a:schemeClr val="accent1"/>
+          </a:fillRef>
+          <a:effectRef idx="0">
+            <a:schemeClr val="accent1"/>
+          </a:effectRef>
+          <a:fontRef idx="minor">
+            <a:schemeClr val="lt1"/>
+          </a:fontRef>
+        </p:style>
+        <p:txBody>
+          <a:bodyPr rtlCol="0" anchor="ctr"/>
+          <a:lstStyle/>
+          <a:p>
+            <a:pPr algn="ctr"/>
+            <a:endParaRPr lang="zh-CN" altLang="en-US" dirty="0"/>
+          </a:p>
+        </p:txBody>
+      </p:sp>
+      <p:pic>
+        <p:nvPicPr>
+          <p:cNvPr id="3" name="圖片 2">
+            <a:extLst>
+              <a:ext uri="{FF2B5EF4-FFF2-40B4-BE49-F238E27FC236}">
+                <a16:creationId xmlns:a16="http://schemas.microsoft.com/office/drawing/2014/main" id="{765752E9-BF70-4838-A4A9-4AA257B17522}"/>
+              </a:ext>
+            </a:extLst>
+          </p:cNvPr>
+          <p:cNvPicPr>
+            <a:picLocks noChangeAspect="1"/>
+          </p:cNvPicPr>
+          <p:nvPr/>
+        </p:nvPicPr>
+        <p:blipFill>
+          <a:blip r:embed="rId2"/>
+          <a:stretch>
+            <a:fillRect/>
+          </a:stretch>
+        </p:blipFill>
+        <p:spPr>
+          <a:xfrm>
+            <a:off x="3904165" y="972376"/>
+            <a:ext cx="4320480" cy="5531741"/>
+          </a:xfrm>
+          <a:prstGeom prst="rect">
+            <a:avLst/>
+          </a:prstGeom>
+        </p:spPr>
+      </p:pic>
+      <p:sp>
+        <p:nvSpPr>
+          <p:cNvPr id="4" name="橢圓 3">
+            <a:extLst>
+              <a:ext uri="{FF2B5EF4-FFF2-40B4-BE49-F238E27FC236}">
+                <a16:creationId xmlns:a16="http://schemas.microsoft.com/office/drawing/2014/main" id="{04B815AA-381C-4080-9D2E-C764D9AA9C72}"/>
+              </a:ext>
+            </a:extLst>
+          </p:cNvPr>
+          <p:cNvSpPr/>
+          <p:nvPr/>
+        </p:nvSpPr>
+        <p:spPr>
+          <a:xfrm>
+            <a:off x="3904165" y="1422275"/>
+            <a:ext cx="1656184" cy="360040"/>
+          </a:xfrm>
+          <a:prstGeom prst="ellipse">
+            <a:avLst/>
+          </a:prstGeom>
+          <a:noFill/>
+          <a:ln w="38100">
+            <a:solidFill>
+              <a:srgbClr val="FF0000"/>
+            </a:solidFill>
+          </a:ln>
+        </p:spPr>
+        <p:style>
+          <a:lnRef idx="2">
+            <a:schemeClr val="accent1">
+              <a:shade val="50000"/>
+            </a:schemeClr>
+          </a:lnRef>
+          <a:fillRef idx="1">
+            <a:schemeClr val="accent1"/>
+          </a:fillRef>
+          <a:effectRef idx="0">
+            <a:schemeClr val="accent1"/>
+          </a:effectRef>
+          <a:fontRef idx="minor">
+            <a:schemeClr val="lt1"/>
+          </a:fontRef>
+        </p:style>
+        <p:txBody>
+          <a:bodyPr rtlCol="0" anchor="ctr"/>
+          <a:lstStyle/>
+          <a:p>
+            <a:pPr algn="ctr"/>
+            <a:endParaRPr lang="zh-TW" altLang="en-US"/>
+          </a:p>
+        </p:txBody>
+      </p:sp>
+      <p:sp>
+        <p:nvSpPr>
+          <p:cNvPr id="12" name="橢圓 11">
+            <a:extLst>
+              <a:ext uri="{FF2B5EF4-FFF2-40B4-BE49-F238E27FC236}">
+                <a16:creationId xmlns:a16="http://schemas.microsoft.com/office/drawing/2014/main" id="{B8D6E5F8-4FFD-4A7B-968B-EADE8C9FDE35}"/>
+              </a:ext>
+            </a:extLst>
+          </p:cNvPr>
+          <p:cNvSpPr/>
+          <p:nvPr/>
+        </p:nvSpPr>
+        <p:spPr>
+          <a:xfrm>
+            <a:off x="4171990" y="3258479"/>
+            <a:ext cx="1656184" cy="360040"/>
+          </a:xfrm>
+          <a:prstGeom prst="ellipse">
+            <a:avLst/>
+          </a:prstGeom>
+          <a:noFill/>
+          <a:ln w="38100">
+            <a:solidFill>
+              <a:srgbClr val="FF0000"/>
+            </a:solidFill>
+          </a:ln>
+        </p:spPr>
+        <p:style>
+          <a:lnRef idx="2">
+            <a:schemeClr val="accent1">
+              <a:shade val="50000"/>
+            </a:schemeClr>
+          </a:lnRef>
+          <a:fillRef idx="1">
+            <a:schemeClr val="accent1"/>
+          </a:fillRef>
+          <a:effectRef idx="0">
+            <a:schemeClr val="accent1"/>
+          </a:effectRef>
+          <a:fontRef idx="minor">
+            <a:schemeClr val="lt1"/>
+          </a:fontRef>
+        </p:style>
+        <p:txBody>
+          <a:bodyPr rtlCol="0" anchor="ctr"/>
+          <a:lstStyle/>
+          <a:p>
+            <a:pPr algn="ctr"/>
+            <a:endParaRPr lang="zh-TW" altLang="en-US"/>
+          </a:p>
+        </p:txBody>
+      </p:sp>
+      <p:sp>
+        <p:nvSpPr>
+          <p:cNvPr id="14" name="橢圓 13">
+            <a:extLst>
+              <a:ext uri="{FF2B5EF4-FFF2-40B4-BE49-F238E27FC236}">
+                <a16:creationId xmlns:a16="http://schemas.microsoft.com/office/drawing/2014/main" id="{5539994F-3D95-4490-89CA-36559199AB49}"/>
+              </a:ext>
+            </a:extLst>
+          </p:cNvPr>
+          <p:cNvSpPr/>
+          <p:nvPr/>
+        </p:nvSpPr>
+        <p:spPr>
+          <a:xfrm>
+            <a:off x="4552237" y="5094683"/>
+            <a:ext cx="1656184" cy="360040"/>
+          </a:xfrm>
+          <a:prstGeom prst="ellipse">
+            <a:avLst/>
+          </a:prstGeom>
+          <a:noFill/>
+          <a:ln w="38100">
+            <a:solidFill>
+              <a:srgbClr val="FF0000"/>
+            </a:solidFill>
+          </a:ln>
+        </p:spPr>
+        <p:style>
+          <a:lnRef idx="2">
+            <a:schemeClr val="accent1">
+              <a:shade val="50000"/>
+            </a:schemeClr>
+          </a:lnRef>
+          <a:fillRef idx="1">
+            <a:schemeClr val="accent1"/>
+          </a:fillRef>
+          <a:effectRef idx="0">
+            <a:schemeClr val="accent1"/>
+          </a:effectRef>
+          <a:fontRef idx="minor">
+            <a:schemeClr val="lt1"/>
+          </a:fontRef>
+        </p:style>
+        <p:txBody>
+          <a:bodyPr rtlCol="0" anchor="ctr"/>
+          <a:lstStyle/>
+          <a:p>
+            <a:pPr algn="ctr"/>
+            <a:endParaRPr lang="zh-TW" altLang="en-US"/>
+          </a:p>
+        </p:txBody>
+      </p:sp>
+    </p:spTree>
+    <p:extLst>
+      <p:ext uri="{BB962C8B-B14F-4D97-AF65-F5344CB8AC3E}">
+        <p14:creationId xmlns:p14="http://schemas.microsoft.com/office/powerpoint/2010/main" val="308980763"/>
+      </p:ext>
+    </p:extLst>
+  </p:cSld>
+  <p:clrMapOvr>
+    <a:masterClrMapping/>
+  </p:clrMapOvr>
+  <mc:AlternateContent xmlns:mc="http://schemas.openxmlformats.org/markup-compatibility/2006" xmlns:p14="http://schemas.microsoft.com/office/powerpoint/2010/main">
+    <mc:Choice Requires="p14">
+      <p:transition spd="slow" p14:dur="3400">
+        <p14:reveal/>
+      </p:transition>
+    </mc:Choice>
+    <mc:Fallback xmlns="">
+      <p:transition spd="slow">
+        <p:fade/>
+      </p:transition>
+    </mc:Fallback>
+  </mc:AlternateContent>
+</p:sld>
+</file>
+
+<file path=ppt/slides/slide18.xml><?xml version="1.0" encoding="utf-8"?>
+<p:sld xmlns:a="http://schemas.openxmlformats.org/drawingml/2006/main" xmlns:r="http://schemas.openxmlformats.org/officeDocument/2006/relationships" xmlns:p="http://schemas.openxmlformats.org/presentationml/2006/main">
+  <p:cSld>
+    <p:spTree>
+      <p:nvGrpSpPr>
+        <p:cNvPr id="1" name=""/>
+        <p:cNvGrpSpPr/>
+        <p:nvPr/>
+      </p:nvGrpSpPr>
+      <p:grpSpPr>
+        <a:xfrm>
+          <a:off x="0" y="0"/>
+          <a:ext cx="0" cy="0"/>
+          <a:chOff x="0" y="0"/>
+          <a:chExt cx="0" cy="0"/>
+        </a:xfrm>
+      </p:grpSpPr>
+      <p:sp>
+        <p:nvSpPr>
           <p:cNvPr id="7" name="椭圆 6"/>
           <p:cNvSpPr/>
           <p:nvPr/>
@@ -13766,7 +14132,7 @@
 </p:sld>
 </file>
 
-<file path=ppt/slides/slide18.xml><?xml version="1.0" encoding="utf-8"?>
+<file path=ppt/slides/slide19.xml><?xml version="1.0" encoding="utf-8"?>
 <p:sld xmlns:a="http://schemas.openxmlformats.org/drawingml/2006/main" xmlns:r="http://schemas.openxmlformats.org/officeDocument/2006/relationships" xmlns:p="http://schemas.openxmlformats.org/presentationml/2006/main">
   <p:cSld>
     <p:spTree>
@@ -14272,1451 +14638,6 @@
   <p:transition spd="slow">
     <p:cover/>
   </p:transition>
-</p:sld>
-</file>
-
-<file path=ppt/slides/slide19.xml><?xml version="1.0" encoding="utf-8"?>
-<p:sld xmlns:a="http://schemas.openxmlformats.org/drawingml/2006/main" xmlns:r="http://schemas.openxmlformats.org/officeDocument/2006/relationships" xmlns:p="http://schemas.openxmlformats.org/presentationml/2006/main">
-  <p:cSld>
-    <p:spTree>
-      <p:nvGrpSpPr>
-        <p:cNvPr id="1" name=""/>
-        <p:cNvGrpSpPr/>
-        <p:nvPr/>
-      </p:nvGrpSpPr>
-      <p:grpSpPr>
-        <a:xfrm>
-          <a:off x="0" y="0"/>
-          <a:ext cx="0" cy="0"/>
-          <a:chOff x="0" y="0"/>
-          <a:chExt cx="0" cy="0"/>
-        </a:xfrm>
-      </p:grpSpPr>
-      <p:pic>
-        <p:nvPicPr>
-          <p:cNvPr id="5" name="图片 4"/>
-          <p:cNvPicPr>
-            <a:picLocks noChangeAspect="1"/>
-          </p:cNvPicPr>
-          <p:nvPr/>
-        </p:nvPicPr>
-        <p:blipFill rotWithShape="1">
-          <a:blip r:embed="rId2" cstate="print">
-            <a:extLst>
-              <a:ext uri="{28A0092B-C50C-407E-A947-70E740481C1C}">
-                <a14:useLocalDpi xmlns:a14="http://schemas.microsoft.com/office/drawing/2010/main" val="0"/>
-              </a:ext>
-            </a:extLst>
-          </a:blip>
-          <a:srcRect t="7817" b="7817"/>
-          <a:stretch/>
-        </p:blipFill>
-        <p:spPr>
-          <a:xfrm>
-            <a:off x="0" y="0"/>
-            <a:ext cx="12192000" cy="6858000"/>
-          </a:xfrm>
-          <a:prstGeom prst="rect">
-            <a:avLst/>
-          </a:prstGeom>
-        </p:spPr>
-      </p:pic>
-      <p:sp>
-        <p:nvSpPr>
-          <p:cNvPr id="6" name="矩形 5"/>
-          <p:cNvSpPr/>
-          <p:nvPr/>
-        </p:nvSpPr>
-        <p:spPr>
-          <a:xfrm>
-            <a:off x="0" y="0"/>
-            <a:ext cx="12192000" cy="6858000"/>
-          </a:xfrm>
-          <a:prstGeom prst="rect">
-            <a:avLst/>
-          </a:prstGeom>
-          <a:solidFill>
-            <a:schemeClr val="bg1">
-              <a:lumMod val="95000"/>
-              <a:alpha val="60000"/>
-            </a:schemeClr>
-          </a:solidFill>
-          <a:ln>
-            <a:noFill/>
-          </a:ln>
-        </p:spPr>
-        <p:style>
-          <a:lnRef idx="2">
-            <a:schemeClr val="accent1">
-              <a:shade val="50000"/>
-            </a:schemeClr>
-          </a:lnRef>
-          <a:fillRef idx="1">
-            <a:schemeClr val="accent1"/>
-          </a:fillRef>
-          <a:effectRef idx="0">
-            <a:schemeClr val="accent1"/>
-          </a:effectRef>
-          <a:fontRef idx="minor">
-            <a:schemeClr val="lt1"/>
-          </a:fontRef>
-        </p:style>
-        <p:txBody>
-          <a:bodyPr rtlCol="0" anchor="ctr"/>
-          <a:lstStyle/>
-          <a:p>
-            <a:pPr algn="ctr"/>
-            <a:endParaRPr lang="zh-CN" altLang="en-US"/>
-          </a:p>
-        </p:txBody>
-      </p:sp>
-      <p:sp>
-        <p:nvSpPr>
-          <p:cNvPr id="7" name="文本框 6"/>
-          <p:cNvSpPr txBox="1"/>
-          <p:nvPr/>
-        </p:nvSpPr>
-        <p:spPr>
-          <a:xfrm>
-            <a:off x="3935760" y="954881"/>
-            <a:ext cx="1476164" cy="3770263"/>
-          </a:xfrm>
-          <a:prstGeom prst="rect">
-            <a:avLst/>
-          </a:prstGeom>
-          <a:noFill/>
-        </p:spPr>
-        <p:txBody>
-          <a:bodyPr wrap="square" rtlCol="0">
-            <a:spAutoFit/>
-          </a:bodyPr>
-          <a:lstStyle/>
-          <a:p>
-            <a:pPr algn="ctr"/>
-            <a:r>
-              <a:rPr lang="en-US" altLang="zh-CN" sz="23900" dirty="0">
-                <a:solidFill>
-                  <a:srgbClr val="F17F42"/>
-                </a:solidFill>
-                <a:latin typeface="Arial" panose="020B0604020202020204" pitchFamily="34" charset="0"/>
-                <a:cs typeface="Arial" panose="020B0604020202020204" pitchFamily="34" charset="0"/>
-              </a:rPr>
-              <a:t>5</a:t>
-            </a:r>
-            <a:endParaRPr lang="zh-CN" altLang="en-US" sz="23900" dirty="0">
-              <a:solidFill>
-                <a:srgbClr val="F17F42"/>
-              </a:solidFill>
-              <a:latin typeface="Arial" panose="020B0604020202020204" pitchFamily="34" charset="0"/>
-              <a:cs typeface="Arial" panose="020B0604020202020204" pitchFamily="34" charset="0"/>
-            </a:endParaRPr>
-          </a:p>
-        </p:txBody>
-      </p:sp>
-      <p:sp>
-        <p:nvSpPr>
-          <p:cNvPr id="16" name="文本框 15"/>
-          <p:cNvSpPr txBox="1"/>
-          <p:nvPr/>
-        </p:nvSpPr>
-        <p:spPr>
-          <a:xfrm>
-            <a:off x="5643632" y="3188100"/>
-            <a:ext cx="699230" cy="830997"/>
-          </a:xfrm>
-          <a:prstGeom prst="rect">
-            <a:avLst/>
-          </a:prstGeom>
-          <a:noFill/>
-        </p:spPr>
-        <p:txBody>
-          <a:bodyPr wrap="none" rtlCol="0">
-            <a:spAutoFit/>
-          </a:bodyPr>
-          <a:lstStyle/>
-          <a:p>
-            <a:r>
-              <a:rPr lang="en-US" altLang="zh-CN" sz="4800" dirty="0" err="1">
-                <a:solidFill>
-                  <a:srgbClr val="F17F42"/>
-                </a:solidFill>
-                <a:latin typeface="Arial" panose="020B0604020202020204" pitchFamily="34" charset="0"/>
-                <a:cs typeface="Arial" panose="020B0604020202020204" pitchFamily="34" charset="0"/>
-              </a:rPr>
-              <a:t>th</a:t>
-            </a:r>
-            <a:endParaRPr lang="zh-CN" altLang="en-US" sz="4800" dirty="0">
-              <a:solidFill>
-                <a:srgbClr val="F17F42"/>
-              </a:solidFill>
-              <a:latin typeface="Arial" panose="020B0604020202020204" pitchFamily="34" charset="0"/>
-              <a:cs typeface="Arial" panose="020B0604020202020204" pitchFamily="34" charset="0"/>
-            </a:endParaRPr>
-          </a:p>
-        </p:txBody>
-      </p:sp>
-      <p:sp>
-        <p:nvSpPr>
-          <p:cNvPr id="17" name="椭圆 16"/>
-          <p:cNvSpPr/>
-          <p:nvPr/>
-        </p:nvSpPr>
-        <p:spPr>
-          <a:xfrm>
-            <a:off x="5519697" y="3804259"/>
-            <a:ext cx="123935" cy="123935"/>
-          </a:xfrm>
-          <a:prstGeom prst="ellipse">
-            <a:avLst/>
-          </a:prstGeom>
-          <a:solidFill>
-            <a:srgbClr val="F17F42"/>
-          </a:solidFill>
-          <a:ln>
-            <a:solidFill>
-              <a:schemeClr val="bg1"/>
-            </a:solidFill>
-          </a:ln>
-        </p:spPr>
-        <p:style>
-          <a:lnRef idx="2">
-            <a:schemeClr val="accent1">
-              <a:shade val="50000"/>
-            </a:schemeClr>
-          </a:lnRef>
-          <a:fillRef idx="1">
-            <a:schemeClr val="accent1"/>
-          </a:fillRef>
-          <a:effectRef idx="0">
-            <a:schemeClr val="accent1"/>
-          </a:effectRef>
-          <a:fontRef idx="minor">
-            <a:schemeClr val="lt1"/>
-          </a:fontRef>
-        </p:style>
-        <p:txBody>
-          <a:bodyPr rtlCol="0" anchor="ctr"/>
-          <a:lstStyle/>
-          <a:p>
-            <a:pPr algn="ctr"/>
-            <a:endParaRPr lang="zh-CN" altLang="en-US"/>
-          </a:p>
-        </p:txBody>
-      </p:sp>
-      <p:sp>
-        <p:nvSpPr>
-          <p:cNvPr id="18" name="矩形 17"/>
-          <p:cNvSpPr/>
-          <p:nvPr/>
-        </p:nvSpPr>
-        <p:spPr>
-          <a:xfrm>
-            <a:off x="6529511" y="2345937"/>
-            <a:ext cx="5663952" cy="576064"/>
-          </a:xfrm>
-          <a:prstGeom prst="rect">
-            <a:avLst/>
-          </a:prstGeom>
-          <a:solidFill>
-            <a:srgbClr val="F17F42"/>
-          </a:solidFill>
-          <a:ln>
-            <a:noFill/>
-          </a:ln>
-        </p:spPr>
-        <p:style>
-          <a:lnRef idx="2">
-            <a:schemeClr val="accent1">
-              <a:shade val="50000"/>
-            </a:schemeClr>
-          </a:lnRef>
-          <a:fillRef idx="1">
-            <a:schemeClr val="accent1"/>
-          </a:fillRef>
-          <a:effectRef idx="0">
-            <a:schemeClr val="accent1"/>
-          </a:effectRef>
-          <a:fontRef idx="minor">
-            <a:schemeClr val="lt1"/>
-          </a:fontRef>
-        </p:style>
-        <p:txBody>
-          <a:bodyPr rtlCol="0" anchor="ctr"/>
-          <a:lstStyle/>
-          <a:p>
-            <a:pPr algn="ctr"/>
-            <a:endParaRPr lang="zh-CN" altLang="en-US" dirty="0"/>
-          </a:p>
-        </p:txBody>
-      </p:sp>
-      <p:sp>
-        <p:nvSpPr>
-          <p:cNvPr id="20" name="矩形 19"/>
-          <p:cNvSpPr/>
-          <p:nvPr/>
-        </p:nvSpPr>
-        <p:spPr>
-          <a:xfrm>
-            <a:off x="6540240" y="3353405"/>
-            <a:ext cx="5663952" cy="576064"/>
-          </a:xfrm>
-          <a:prstGeom prst="rect">
-            <a:avLst/>
-          </a:prstGeom>
-          <a:solidFill>
-            <a:schemeClr val="bg1">
-              <a:lumMod val="50000"/>
-              <a:alpha val="70000"/>
-            </a:schemeClr>
-          </a:solidFill>
-          <a:ln>
-            <a:noFill/>
-          </a:ln>
-        </p:spPr>
-        <p:style>
-          <a:lnRef idx="2">
-            <a:schemeClr val="accent1">
-              <a:shade val="50000"/>
-            </a:schemeClr>
-          </a:lnRef>
-          <a:fillRef idx="1">
-            <a:schemeClr val="accent1"/>
-          </a:fillRef>
-          <a:effectRef idx="0">
-            <a:schemeClr val="accent1"/>
-          </a:effectRef>
-          <a:fontRef idx="minor">
-            <a:schemeClr val="lt1"/>
-          </a:fontRef>
-        </p:style>
-        <p:txBody>
-          <a:bodyPr rtlCol="0" anchor="ctr"/>
-          <a:lstStyle/>
-          <a:p>
-            <a:pPr algn="ctr"/>
-            <a:endParaRPr lang="zh-CN" altLang="en-US" dirty="0"/>
-          </a:p>
-        </p:txBody>
-      </p:sp>
-      <p:sp>
-        <p:nvSpPr>
-          <p:cNvPr id="19" name="文本框 18"/>
-          <p:cNvSpPr txBox="1"/>
-          <p:nvPr/>
-        </p:nvSpPr>
-        <p:spPr>
-          <a:xfrm>
-            <a:off x="6816079" y="3404561"/>
-            <a:ext cx="1794081" cy="461665"/>
-          </a:xfrm>
-          <a:prstGeom prst="rect">
-            <a:avLst/>
-          </a:prstGeom>
-          <a:noFill/>
-        </p:spPr>
-        <p:txBody>
-          <a:bodyPr wrap="none" rtlCol="0">
-            <a:spAutoFit/>
-          </a:bodyPr>
-          <a:lstStyle/>
-          <a:p>
-            <a:r>
-              <a:rPr lang="en-US" altLang="zh-CN" sz="2400" dirty="0">
-                <a:solidFill>
-                  <a:schemeClr val="bg1"/>
-                </a:solidFill>
-                <a:latin typeface="Arial" panose="020B0604020202020204" pitchFamily="34" charset="0"/>
-                <a:ea typeface="微软雅黑 Light" panose="020B0502040204020203" pitchFamily="34" charset="-122"/>
-                <a:cs typeface="Arial" panose="020B0604020202020204" pitchFamily="34" charset="0"/>
-              </a:rPr>
-              <a:t>Introduction</a:t>
-            </a:r>
-          </a:p>
-        </p:txBody>
-      </p:sp>
-      <p:sp>
-        <p:nvSpPr>
-          <p:cNvPr id="21" name="文本框 20"/>
-          <p:cNvSpPr txBox="1"/>
-          <p:nvPr/>
-        </p:nvSpPr>
-        <p:spPr>
-          <a:xfrm>
-            <a:off x="6816080" y="2403137"/>
-            <a:ext cx="2719014" cy="461665"/>
-          </a:xfrm>
-          <a:prstGeom prst="rect">
-            <a:avLst/>
-          </a:prstGeom>
-          <a:noFill/>
-        </p:spPr>
-        <p:txBody>
-          <a:bodyPr wrap="none" rtlCol="0">
-            <a:spAutoFit/>
-          </a:bodyPr>
-          <a:lstStyle/>
-          <a:p>
-            <a:r>
-              <a:rPr lang="en-US" altLang="zh-TW" sz="2400" dirty="0">
-                <a:solidFill>
-                  <a:schemeClr val="bg1"/>
-                </a:solidFill>
-                <a:latin typeface="Arial" panose="020B0604020202020204" pitchFamily="34" charset="0"/>
-                <a:ea typeface="微软雅黑 Light" panose="020B0502040204020203" pitchFamily="34" charset="-122"/>
-                <a:cs typeface="Arial" panose="020B0604020202020204" pitchFamily="34" charset="0"/>
-              </a:rPr>
-              <a:t>Module 3 datatype</a:t>
-            </a:r>
-            <a:endParaRPr lang="en-US" altLang="zh-CN" sz="2400" dirty="0">
-              <a:solidFill>
-                <a:schemeClr val="bg1"/>
-              </a:solidFill>
-              <a:latin typeface="Arial" panose="020B0604020202020204" pitchFamily="34" charset="0"/>
-              <a:ea typeface="微软雅黑 Light" panose="020B0502040204020203" pitchFamily="34" charset="-122"/>
-              <a:cs typeface="Arial" panose="020B0604020202020204" pitchFamily="34" charset="0"/>
-            </a:endParaRPr>
-          </a:p>
-        </p:txBody>
-      </p:sp>
-      <p:sp>
-        <p:nvSpPr>
-          <p:cNvPr id="22" name="矩形 21"/>
-          <p:cNvSpPr/>
-          <p:nvPr/>
-        </p:nvSpPr>
-        <p:spPr>
-          <a:xfrm>
-            <a:off x="6528048" y="4327003"/>
-            <a:ext cx="5663952" cy="576064"/>
-          </a:xfrm>
-          <a:prstGeom prst="rect">
-            <a:avLst/>
-          </a:prstGeom>
-          <a:solidFill>
-            <a:schemeClr val="bg1">
-              <a:lumMod val="50000"/>
-              <a:alpha val="70000"/>
-            </a:schemeClr>
-          </a:solidFill>
-          <a:ln>
-            <a:noFill/>
-          </a:ln>
-        </p:spPr>
-        <p:style>
-          <a:lnRef idx="2">
-            <a:schemeClr val="accent1">
-              <a:shade val="50000"/>
-            </a:schemeClr>
-          </a:lnRef>
-          <a:fillRef idx="1">
-            <a:schemeClr val="accent1"/>
-          </a:fillRef>
-          <a:effectRef idx="0">
-            <a:schemeClr val="accent1"/>
-          </a:effectRef>
-          <a:fontRef idx="minor">
-            <a:schemeClr val="lt1"/>
-          </a:fontRef>
-        </p:style>
-        <p:txBody>
-          <a:bodyPr rtlCol="0" anchor="ctr"/>
-          <a:lstStyle/>
-          <a:p>
-            <a:pPr algn="ctr"/>
-            <a:endParaRPr lang="zh-CN" altLang="en-US"/>
-          </a:p>
-        </p:txBody>
-      </p:sp>
-      <p:sp>
-        <p:nvSpPr>
-          <p:cNvPr id="23" name="文本框 22"/>
-          <p:cNvSpPr txBox="1"/>
-          <p:nvPr/>
-        </p:nvSpPr>
-        <p:spPr>
-          <a:xfrm>
-            <a:off x="6816080" y="4376880"/>
-            <a:ext cx="1338636" cy="461665"/>
-          </a:xfrm>
-          <a:prstGeom prst="rect">
-            <a:avLst/>
-          </a:prstGeom>
-          <a:noFill/>
-        </p:spPr>
-        <p:txBody>
-          <a:bodyPr wrap="none" rtlCol="0">
-            <a:spAutoFit/>
-          </a:bodyPr>
-          <a:lstStyle/>
-          <a:p>
-            <a:r>
-              <a:rPr lang="en-US" altLang="zh-CN" sz="2400" dirty="0">
-                <a:solidFill>
-                  <a:schemeClr val="bg1"/>
-                </a:solidFill>
-                <a:latin typeface="Arial" panose="020B0604020202020204" pitchFamily="34" charset="0"/>
-                <a:ea typeface="微软雅黑 Light" panose="020B0502040204020203" pitchFamily="34" charset="-122"/>
-                <a:cs typeface="Arial" panose="020B0604020202020204" pitchFamily="34" charset="0"/>
-              </a:rPr>
-              <a:t>Timeline</a:t>
-            </a:r>
-          </a:p>
-        </p:txBody>
-      </p:sp>
-      <p:sp>
-        <p:nvSpPr>
-          <p:cNvPr id="24" name="矩形 23"/>
-          <p:cNvSpPr/>
-          <p:nvPr/>
-        </p:nvSpPr>
-        <p:spPr>
-          <a:xfrm>
-            <a:off x="6528048" y="5316064"/>
-            <a:ext cx="5663952" cy="576064"/>
-          </a:xfrm>
-          <a:prstGeom prst="rect">
-            <a:avLst/>
-          </a:prstGeom>
-          <a:solidFill>
-            <a:schemeClr val="bg1">
-              <a:lumMod val="50000"/>
-              <a:alpha val="70000"/>
-            </a:schemeClr>
-          </a:solidFill>
-          <a:ln>
-            <a:noFill/>
-          </a:ln>
-        </p:spPr>
-        <p:style>
-          <a:lnRef idx="2">
-            <a:schemeClr val="accent1">
-              <a:shade val="50000"/>
-            </a:schemeClr>
-          </a:lnRef>
-          <a:fillRef idx="1">
-            <a:schemeClr val="accent1"/>
-          </a:fillRef>
-          <a:effectRef idx="0">
-            <a:schemeClr val="accent1"/>
-          </a:effectRef>
-          <a:fontRef idx="minor">
-            <a:schemeClr val="lt1"/>
-          </a:fontRef>
-        </p:style>
-        <p:txBody>
-          <a:bodyPr rtlCol="0" anchor="ctr"/>
-          <a:lstStyle/>
-          <a:p>
-            <a:pPr algn="ctr"/>
-            <a:endParaRPr lang="zh-CN" altLang="en-US"/>
-          </a:p>
-        </p:txBody>
-      </p:sp>
-      <p:sp>
-        <p:nvSpPr>
-          <p:cNvPr id="25" name="文本框 24"/>
-          <p:cNvSpPr txBox="1"/>
-          <p:nvPr/>
-        </p:nvSpPr>
-        <p:spPr>
-          <a:xfrm>
-            <a:off x="6816080" y="5365941"/>
-            <a:ext cx="2460930" cy="461665"/>
-          </a:xfrm>
-          <a:prstGeom prst="rect">
-            <a:avLst/>
-          </a:prstGeom>
-          <a:noFill/>
-        </p:spPr>
-        <p:txBody>
-          <a:bodyPr wrap="none" rtlCol="0">
-            <a:spAutoFit/>
-          </a:bodyPr>
-          <a:lstStyle/>
-          <a:p>
-            <a:r>
-              <a:rPr lang="en-US" altLang="zh-CN" sz="2400" dirty="0">
-                <a:solidFill>
-                  <a:schemeClr val="bg1"/>
-                </a:solidFill>
-                <a:latin typeface="Arial" panose="020B0604020202020204" pitchFamily="34" charset="0"/>
-                <a:ea typeface="微软雅黑 Light" panose="020B0502040204020203" pitchFamily="34" charset="-122"/>
-                <a:cs typeface="Arial" panose="020B0604020202020204" pitchFamily="34" charset="0"/>
-              </a:rPr>
-              <a:t>Profile Summary</a:t>
-            </a:r>
-          </a:p>
-        </p:txBody>
-      </p:sp>
-    </p:spTree>
-    <p:extLst>
-      <p:ext uri="{BB962C8B-B14F-4D97-AF65-F5344CB8AC3E}">
-        <p14:creationId xmlns:p14="http://schemas.microsoft.com/office/powerpoint/2010/main" val="2412591749"/>
-      </p:ext>
-    </p:extLst>
-  </p:cSld>
-  <p:clrMapOvr>
-    <a:masterClrMapping/>
-  </p:clrMapOvr>
-  <mc:AlternateContent xmlns:mc="http://schemas.openxmlformats.org/markup-compatibility/2006" xmlns:p14="http://schemas.microsoft.com/office/powerpoint/2010/main">
-    <mc:Choice Requires="p14">
-      <p:transition spd="slow" p14:dur="1250">
-        <p14:switch dir="r"/>
-      </p:transition>
-    </mc:Choice>
-    <mc:Fallback xmlns="">
-      <p:transition spd="slow">
-        <p:fade/>
-      </p:transition>
-    </mc:Fallback>
-  </mc:AlternateContent>
-  <p:timing>
-    <p:tnLst>
-      <p:par>
-        <p:cTn id="1" dur="indefinite" restart="never" nodeType="tmRoot">
-          <p:childTnLst>
-            <p:seq concurrent="1" nextAc="seek">
-              <p:cTn id="2" dur="indefinite" nodeType="mainSeq">
-                <p:childTnLst>
-                  <p:par>
-                    <p:cTn id="3" fill="hold">
-                      <p:stCondLst>
-                        <p:cond delay="indefinite"/>
-                        <p:cond evt="onBegin" delay="0">
-                          <p:tn val="2"/>
-                        </p:cond>
-                      </p:stCondLst>
-                      <p:childTnLst>
-                        <p:par>
-                          <p:cTn id="4" fill="hold">
-                            <p:stCondLst>
-                              <p:cond delay="0"/>
-                            </p:stCondLst>
-                            <p:childTnLst>
-                              <p:par>
-                                <p:cTn id="5" presetID="10" presetClass="entr" presetSubtype="0" fill="hold" nodeType="withEffect">
-                                  <p:stCondLst>
-                                    <p:cond delay="0"/>
-                                  </p:stCondLst>
-                                  <p:childTnLst>
-                                    <p:set>
-                                      <p:cBhvr>
-                                        <p:cTn id="6" dur="1" fill="hold">
-                                          <p:stCondLst>
-                                            <p:cond delay="0"/>
-                                          </p:stCondLst>
-                                        </p:cTn>
-                                        <p:tgtEl>
-                                          <p:spTgt spid="5"/>
-                                        </p:tgtEl>
-                                        <p:attrNameLst>
-                                          <p:attrName>style.visibility</p:attrName>
-                                        </p:attrNameLst>
-                                      </p:cBhvr>
-                                      <p:to>
-                                        <p:strVal val="visible"/>
-                                      </p:to>
-                                    </p:set>
-                                    <p:animEffect transition="in" filter="fade">
-                                      <p:cBhvr>
-                                        <p:cTn id="7" dur="1000"/>
-                                        <p:tgtEl>
-                                          <p:spTgt spid="5"/>
-                                        </p:tgtEl>
-                                      </p:cBhvr>
-                                    </p:animEffect>
-                                  </p:childTnLst>
-                                </p:cTn>
-                              </p:par>
-                            </p:childTnLst>
-                          </p:cTn>
-                        </p:par>
-                        <p:par>
-                          <p:cTn id="8" fill="hold">
-                            <p:stCondLst>
-                              <p:cond delay="1000"/>
-                            </p:stCondLst>
-                            <p:childTnLst>
-                              <p:par>
-                                <p:cTn id="9" presetID="6" presetClass="emph" presetSubtype="0" decel="100000" fill="hold" nodeType="afterEffect">
-                                  <p:stCondLst>
-                                    <p:cond delay="0"/>
-                                  </p:stCondLst>
-                                  <p:childTnLst>
-                                    <p:animScale>
-                                      <p:cBhvr>
-                                        <p:cTn id="10" dur="5000" fill="hold"/>
-                                        <p:tgtEl>
-                                          <p:spTgt spid="5"/>
-                                        </p:tgtEl>
-                                      </p:cBhvr>
-                                      <p:by x="115000" y="115000"/>
-                                    </p:animScale>
-                                  </p:childTnLst>
-                                </p:cTn>
-                              </p:par>
-                              <p:par>
-                                <p:cTn id="11" presetID="10" presetClass="entr" presetSubtype="0" fill="hold" grpId="0" nodeType="withEffect">
-                                  <p:stCondLst>
-                                    <p:cond delay="500"/>
-                                  </p:stCondLst>
-                                  <p:childTnLst>
-                                    <p:set>
-                                      <p:cBhvr>
-                                        <p:cTn id="12" dur="1" fill="hold">
-                                          <p:stCondLst>
-                                            <p:cond delay="0"/>
-                                          </p:stCondLst>
-                                        </p:cTn>
-                                        <p:tgtEl>
-                                          <p:spTgt spid="7"/>
-                                        </p:tgtEl>
-                                        <p:attrNameLst>
-                                          <p:attrName>style.visibility</p:attrName>
-                                        </p:attrNameLst>
-                                      </p:cBhvr>
-                                      <p:to>
-                                        <p:strVal val="visible"/>
-                                      </p:to>
-                                    </p:set>
-                                    <p:animEffect transition="in" filter="fade">
-                                      <p:cBhvr>
-                                        <p:cTn id="13" dur="5000"/>
-                                        <p:tgtEl>
-                                          <p:spTgt spid="7"/>
-                                        </p:tgtEl>
-                                      </p:cBhvr>
-                                    </p:animEffect>
-                                  </p:childTnLst>
-                                </p:cTn>
-                              </p:par>
-                              <p:par>
-                                <p:cTn id="14" presetID="10" presetClass="entr" presetSubtype="0" fill="hold" grpId="0" nodeType="withEffect">
-                                  <p:stCondLst>
-                                    <p:cond delay="1500"/>
-                                  </p:stCondLst>
-                                  <p:childTnLst>
-                                    <p:set>
-                                      <p:cBhvr>
-                                        <p:cTn id="15" dur="1" fill="hold">
-                                          <p:stCondLst>
-                                            <p:cond delay="0"/>
-                                          </p:stCondLst>
-                                        </p:cTn>
-                                        <p:tgtEl>
-                                          <p:spTgt spid="17"/>
-                                        </p:tgtEl>
-                                        <p:attrNameLst>
-                                          <p:attrName>style.visibility</p:attrName>
-                                        </p:attrNameLst>
-                                      </p:cBhvr>
-                                      <p:to>
-                                        <p:strVal val="visible"/>
-                                      </p:to>
-                                    </p:set>
-                                    <p:animEffect transition="in" filter="fade">
-                                      <p:cBhvr>
-                                        <p:cTn id="16" dur="5000"/>
-                                        <p:tgtEl>
-                                          <p:spTgt spid="17"/>
-                                        </p:tgtEl>
-                                      </p:cBhvr>
-                                    </p:animEffect>
-                                  </p:childTnLst>
-                                </p:cTn>
-                              </p:par>
-                              <p:par>
-                                <p:cTn id="17" presetID="10" presetClass="entr" presetSubtype="0" fill="hold" grpId="0" nodeType="withEffect">
-                                  <p:stCondLst>
-                                    <p:cond delay="2000"/>
-                                  </p:stCondLst>
-                                  <p:childTnLst>
-                                    <p:set>
-                                      <p:cBhvr>
-                                        <p:cTn id="18" dur="1" fill="hold">
-                                          <p:stCondLst>
-                                            <p:cond delay="0"/>
-                                          </p:stCondLst>
-                                        </p:cTn>
-                                        <p:tgtEl>
-                                          <p:spTgt spid="16"/>
-                                        </p:tgtEl>
-                                        <p:attrNameLst>
-                                          <p:attrName>style.visibility</p:attrName>
-                                        </p:attrNameLst>
-                                      </p:cBhvr>
-                                      <p:to>
-                                        <p:strVal val="visible"/>
-                                      </p:to>
-                                    </p:set>
-                                    <p:animEffect transition="in" filter="fade">
-                                      <p:cBhvr>
-                                        <p:cTn id="19" dur="5000"/>
-                                        <p:tgtEl>
-                                          <p:spTgt spid="16"/>
-                                        </p:tgtEl>
-                                      </p:cBhvr>
-                                    </p:animEffect>
-                                  </p:childTnLst>
-                                </p:cTn>
-                              </p:par>
-                              <p:par>
-                                <p:cTn id="20" presetID="17" presetClass="entr" presetSubtype="2" fill="hold" grpId="0" nodeType="withEffect">
-                                  <p:stCondLst>
-                                    <p:cond delay="2000"/>
-                                  </p:stCondLst>
-                                  <p:childTnLst>
-                                    <p:set>
-                                      <p:cBhvr>
-                                        <p:cTn id="21" dur="1" fill="hold">
-                                          <p:stCondLst>
-                                            <p:cond delay="0"/>
-                                          </p:stCondLst>
-                                        </p:cTn>
-                                        <p:tgtEl>
-                                          <p:spTgt spid="18"/>
-                                        </p:tgtEl>
-                                        <p:attrNameLst>
-                                          <p:attrName>style.visibility</p:attrName>
-                                        </p:attrNameLst>
-                                      </p:cBhvr>
-                                      <p:to>
-                                        <p:strVal val="visible"/>
-                                      </p:to>
-                                    </p:set>
-                                    <p:anim calcmode="lin" valueType="num">
-                                      <p:cBhvr>
-                                        <p:cTn id="22" dur="500" fill="hold"/>
-                                        <p:tgtEl>
-                                          <p:spTgt spid="18"/>
-                                        </p:tgtEl>
-                                        <p:attrNameLst>
-                                          <p:attrName>ppt_x</p:attrName>
-                                        </p:attrNameLst>
-                                      </p:cBhvr>
-                                      <p:tavLst>
-                                        <p:tav tm="0">
-                                          <p:val>
-                                            <p:strVal val="#ppt_x+#ppt_w/2"/>
-                                          </p:val>
-                                        </p:tav>
-                                        <p:tav tm="100000">
-                                          <p:val>
-                                            <p:strVal val="#ppt_x"/>
-                                          </p:val>
-                                        </p:tav>
-                                      </p:tavLst>
-                                    </p:anim>
-                                    <p:anim calcmode="lin" valueType="num">
-                                      <p:cBhvr>
-                                        <p:cTn id="23" dur="500" fill="hold"/>
-                                        <p:tgtEl>
-                                          <p:spTgt spid="18"/>
-                                        </p:tgtEl>
-                                        <p:attrNameLst>
-                                          <p:attrName>ppt_y</p:attrName>
-                                        </p:attrNameLst>
-                                      </p:cBhvr>
-                                      <p:tavLst>
-                                        <p:tav tm="0">
-                                          <p:val>
-                                            <p:strVal val="#ppt_y"/>
-                                          </p:val>
-                                        </p:tav>
-                                        <p:tav tm="100000">
-                                          <p:val>
-                                            <p:strVal val="#ppt_y"/>
-                                          </p:val>
-                                        </p:tav>
-                                      </p:tavLst>
-                                    </p:anim>
-                                    <p:anim calcmode="lin" valueType="num">
-                                      <p:cBhvr>
-                                        <p:cTn id="24" dur="500" fill="hold"/>
-                                        <p:tgtEl>
-                                          <p:spTgt spid="18"/>
-                                        </p:tgtEl>
-                                        <p:attrNameLst>
-                                          <p:attrName>ppt_w</p:attrName>
-                                        </p:attrNameLst>
-                                      </p:cBhvr>
-                                      <p:tavLst>
-                                        <p:tav tm="0">
-                                          <p:val>
-                                            <p:fltVal val="0"/>
-                                          </p:val>
-                                        </p:tav>
-                                        <p:tav tm="100000">
-                                          <p:val>
-                                            <p:strVal val="#ppt_w"/>
-                                          </p:val>
-                                        </p:tav>
-                                      </p:tavLst>
-                                    </p:anim>
-                                    <p:anim calcmode="lin" valueType="num">
-                                      <p:cBhvr>
-                                        <p:cTn id="25" dur="500" fill="hold"/>
-                                        <p:tgtEl>
-                                          <p:spTgt spid="18"/>
-                                        </p:tgtEl>
-                                        <p:attrNameLst>
-                                          <p:attrName>ppt_h</p:attrName>
-                                        </p:attrNameLst>
-                                      </p:cBhvr>
-                                      <p:tavLst>
-                                        <p:tav tm="0">
-                                          <p:val>
-                                            <p:strVal val="#ppt_h"/>
-                                          </p:val>
-                                        </p:tav>
-                                        <p:tav tm="100000">
-                                          <p:val>
-                                            <p:strVal val="#ppt_h"/>
-                                          </p:val>
-                                        </p:tav>
-                                      </p:tavLst>
-                                    </p:anim>
-                                  </p:childTnLst>
-                                </p:cTn>
-                              </p:par>
-                              <p:par>
-                                <p:cTn id="26" presetID="10" presetClass="entr" presetSubtype="0" fill="hold" grpId="0" nodeType="withEffect">
-                                  <p:stCondLst>
-                                    <p:cond delay="2500"/>
-                                  </p:stCondLst>
-                                  <p:childTnLst>
-                                    <p:set>
-                                      <p:cBhvr>
-                                        <p:cTn id="27" dur="1" fill="hold">
-                                          <p:stCondLst>
-                                            <p:cond delay="0"/>
-                                          </p:stCondLst>
-                                        </p:cTn>
-                                        <p:tgtEl>
-                                          <p:spTgt spid="19"/>
-                                        </p:tgtEl>
-                                        <p:attrNameLst>
-                                          <p:attrName>style.visibility</p:attrName>
-                                        </p:attrNameLst>
-                                      </p:cBhvr>
-                                      <p:to>
-                                        <p:strVal val="visible"/>
-                                      </p:to>
-                                    </p:set>
-                                    <p:animEffect transition="in" filter="fade">
-                                      <p:cBhvr>
-                                        <p:cTn id="28" dur="3000"/>
-                                        <p:tgtEl>
-                                          <p:spTgt spid="19"/>
-                                        </p:tgtEl>
-                                      </p:cBhvr>
-                                    </p:animEffect>
-                                  </p:childTnLst>
-                                </p:cTn>
-                              </p:par>
-                              <p:par>
-                                <p:cTn id="29" presetID="17" presetClass="entr" presetSubtype="2" fill="hold" grpId="0" nodeType="withEffect">
-                                  <p:stCondLst>
-                                    <p:cond delay="2500"/>
-                                  </p:stCondLst>
-                                  <p:childTnLst>
-                                    <p:set>
-                                      <p:cBhvr>
-                                        <p:cTn id="30" dur="1" fill="hold">
-                                          <p:stCondLst>
-                                            <p:cond delay="0"/>
-                                          </p:stCondLst>
-                                        </p:cTn>
-                                        <p:tgtEl>
-                                          <p:spTgt spid="20"/>
-                                        </p:tgtEl>
-                                        <p:attrNameLst>
-                                          <p:attrName>style.visibility</p:attrName>
-                                        </p:attrNameLst>
-                                      </p:cBhvr>
-                                      <p:to>
-                                        <p:strVal val="visible"/>
-                                      </p:to>
-                                    </p:set>
-                                    <p:anim calcmode="lin" valueType="num">
-                                      <p:cBhvr>
-                                        <p:cTn id="31" dur="500" fill="hold"/>
-                                        <p:tgtEl>
-                                          <p:spTgt spid="20"/>
-                                        </p:tgtEl>
-                                        <p:attrNameLst>
-                                          <p:attrName>ppt_x</p:attrName>
-                                        </p:attrNameLst>
-                                      </p:cBhvr>
-                                      <p:tavLst>
-                                        <p:tav tm="0">
-                                          <p:val>
-                                            <p:strVal val="#ppt_x+#ppt_w/2"/>
-                                          </p:val>
-                                        </p:tav>
-                                        <p:tav tm="100000">
-                                          <p:val>
-                                            <p:strVal val="#ppt_x"/>
-                                          </p:val>
-                                        </p:tav>
-                                      </p:tavLst>
-                                    </p:anim>
-                                    <p:anim calcmode="lin" valueType="num">
-                                      <p:cBhvr>
-                                        <p:cTn id="32" dur="500" fill="hold"/>
-                                        <p:tgtEl>
-                                          <p:spTgt spid="20"/>
-                                        </p:tgtEl>
-                                        <p:attrNameLst>
-                                          <p:attrName>ppt_y</p:attrName>
-                                        </p:attrNameLst>
-                                      </p:cBhvr>
-                                      <p:tavLst>
-                                        <p:tav tm="0">
-                                          <p:val>
-                                            <p:strVal val="#ppt_y"/>
-                                          </p:val>
-                                        </p:tav>
-                                        <p:tav tm="100000">
-                                          <p:val>
-                                            <p:strVal val="#ppt_y"/>
-                                          </p:val>
-                                        </p:tav>
-                                      </p:tavLst>
-                                    </p:anim>
-                                    <p:anim calcmode="lin" valueType="num">
-                                      <p:cBhvr>
-                                        <p:cTn id="33" dur="500" fill="hold"/>
-                                        <p:tgtEl>
-                                          <p:spTgt spid="20"/>
-                                        </p:tgtEl>
-                                        <p:attrNameLst>
-                                          <p:attrName>ppt_w</p:attrName>
-                                        </p:attrNameLst>
-                                      </p:cBhvr>
-                                      <p:tavLst>
-                                        <p:tav tm="0">
-                                          <p:val>
-                                            <p:fltVal val="0"/>
-                                          </p:val>
-                                        </p:tav>
-                                        <p:tav tm="100000">
-                                          <p:val>
-                                            <p:strVal val="#ppt_w"/>
-                                          </p:val>
-                                        </p:tav>
-                                      </p:tavLst>
-                                    </p:anim>
-                                    <p:anim calcmode="lin" valueType="num">
-                                      <p:cBhvr>
-                                        <p:cTn id="34" dur="500" fill="hold"/>
-                                        <p:tgtEl>
-                                          <p:spTgt spid="20"/>
-                                        </p:tgtEl>
-                                        <p:attrNameLst>
-                                          <p:attrName>ppt_h</p:attrName>
-                                        </p:attrNameLst>
-                                      </p:cBhvr>
-                                      <p:tavLst>
-                                        <p:tav tm="0">
-                                          <p:val>
-                                            <p:strVal val="#ppt_h"/>
-                                          </p:val>
-                                        </p:tav>
-                                        <p:tav tm="100000">
-                                          <p:val>
-                                            <p:strVal val="#ppt_h"/>
-                                          </p:val>
-                                        </p:tav>
-                                      </p:tavLst>
-                                    </p:anim>
-                                  </p:childTnLst>
-                                </p:cTn>
-                              </p:par>
-                              <p:par>
-                                <p:cTn id="35" presetID="10" presetClass="entr" presetSubtype="0" fill="hold" grpId="0" nodeType="withEffect">
-                                  <p:stCondLst>
-                                    <p:cond delay="3000"/>
-                                  </p:stCondLst>
-                                  <p:childTnLst>
-                                    <p:set>
-                                      <p:cBhvr>
-                                        <p:cTn id="36" dur="1" fill="hold">
-                                          <p:stCondLst>
-                                            <p:cond delay="0"/>
-                                          </p:stCondLst>
-                                        </p:cTn>
-                                        <p:tgtEl>
-                                          <p:spTgt spid="21"/>
-                                        </p:tgtEl>
-                                        <p:attrNameLst>
-                                          <p:attrName>style.visibility</p:attrName>
-                                        </p:attrNameLst>
-                                      </p:cBhvr>
-                                      <p:to>
-                                        <p:strVal val="visible"/>
-                                      </p:to>
-                                    </p:set>
-                                    <p:animEffect transition="in" filter="fade">
-                                      <p:cBhvr>
-                                        <p:cTn id="37" dur="3000"/>
-                                        <p:tgtEl>
-                                          <p:spTgt spid="21"/>
-                                        </p:tgtEl>
-                                      </p:cBhvr>
-                                    </p:animEffect>
-                                  </p:childTnLst>
-                                </p:cTn>
-                              </p:par>
-                              <p:par>
-                                <p:cTn id="38" presetID="17" presetClass="entr" presetSubtype="2" fill="hold" grpId="0" nodeType="withEffect">
-                                  <p:stCondLst>
-                                    <p:cond delay="3000"/>
-                                  </p:stCondLst>
-                                  <p:childTnLst>
-                                    <p:set>
-                                      <p:cBhvr>
-                                        <p:cTn id="39" dur="1" fill="hold">
-                                          <p:stCondLst>
-                                            <p:cond delay="0"/>
-                                          </p:stCondLst>
-                                        </p:cTn>
-                                        <p:tgtEl>
-                                          <p:spTgt spid="22"/>
-                                        </p:tgtEl>
-                                        <p:attrNameLst>
-                                          <p:attrName>style.visibility</p:attrName>
-                                        </p:attrNameLst>
-                                      </p:cBhvr>
-                                      <p:to>
-                                        <p:strVal val="visible"/>
-                                      </p:to>
-                                    </p:set>
-                                    <p:anim calcmode="lin" valueType="num">
-                                      <p:cBhvr>
-                                        <p:cTn id="40" dur="500" fill="hold"/>
-                                        <p:tgtEl>
-                                          <p:spTgt spid="22"/>
-                                        </p:tgtEl>
-                                        <p:attrNameLst>
-                                          <p:attrName>ppt_x</p:attrName>
-                                        </p:attrNameLst>
-                                      </p:cBhvr>
-                                      <p:tavLst>
-                                        <p:tav tm="0">
-                                          <p:val>
-                                            <p:strVal val="#ppt_x+#ppt_w/2"/>
-                                          </p:val>
-                                        </p:tav>
-                                        <p:tav tm="100000">
-                                          <p:val>
-                                            <p:strVal val="#ppt_x"/>
-                                          </p:val>
-                                        </p:tav>
-                                      </p:tavLst>
-                                    </p:anim>
-                                    <p:anim calcmode="lin" valueType="num">
-                                      <p:cBhvr>
-                                        <p:cTn id="41" dur="500" fill="hold"/>
-                                        <p:tgtEl>
-                                          <p:spTgt spid="22"/>
-                                        </p:tgtEl>
-                                        <p:attrNameLst>
-                                          <p:attrName>ppt_y</p:attrName>
-                                        </p:attrNameLst>
-                                      </p:cBhvr>
-                                      <p:tavLst>
-                                        <p:tav tm="0">
-                                          <p:val>
-                                            <p:strVal val="#ppt_y"/>
-                                          </p:val>
-                                        </p:tav>
-                                        <p:tav tm="100000">
-                                          <p:val>
-                                            <p:strVal val="#ppt_y"/>
-                                          </p:val>
-                                        </p:tav>
-                                      </p:tavLst>
-                                    </p:anim>
-                                    <p:anim calcmode="lin" valueType="num">
-                                      <p:cBhvr>
-                                        <p:cTn id="42" dur="500" fill="hold"/>
-                                        <p:tgtEl>
-                                          <p:spTgt spid="22"/>
-                                        </p:tgtEl>
-                                        <p:attrNameLst>
-                                          <p:attrName>ppt_w</p:attrName>
-                                        </p:attrNameLst>
-                                      </p:cBhvr>
-                                      <p:tavLst>
-                                        <p:tav tm="0">
-                                          <p:val>
-                                            <p:fltVal val="0"/>
-                                          </p:val>
-                                        </p:tav>
-                                        <p:tav tm="100000">
-                                          <p:val>
-                                            <p:strVal val="#ppt_w"/>
-                                          </p:val>
-                                        </p:tav>
-                                      </p:tavLst>
-                                    </p:anim>
-                                    <p:anim calcmode="lin" valueType="num">
-                                      <p:cBhvr>
-                                        <p:cTn id="43" dur="500" fill="hold"/>
-                                        <p:tgtEl>
-                                          <p:spTgt spid="22"/>
-                                        </p:tgtEl>
-                                        <p:attrNameLst>
-                                          <p:attrName>ppt_h</p:attrName>
-                                        </p:attrNameLst>
-                                      </p:cBhvr>
-                                      <p:tavLst>
-                                        <p:tav tm="0">
-                                          <p:val>
-                                            <p:strVal val="#ppt_h"/>
-                                          </p:val>
-                                        </p:tav>
-                                        <p:tav tm="100000">
-                                          <p:val>
-                                            <p:strVal val="#ppt_h"/>
-                                          </p:val>
-                                        </p:tav>
-                                      </p:tavLst>
-                                    </p:anim>
-                                  </p:childTnLst>
-                                </p:cTn>
-                              </p:par>
-                              <p:par>
-                                <p:cTn id="44" presetID="10" presetClass="entr" presetSubtype="0" fill="hold" grpId="0" nodeType="withEffect">
-                                  <p:stCondLst>
-                                    <p:cond delay="3500"/>
-                                  </p:stCondLst>
-                                  <p:childTnLst>
-                                    <p:set>
-                                      <p:cBhvr>
-                                        <p:cTn id="45" dur="1" fill="hold">
-                                          <p:stCondLst>
-                                            <p:cond delay="0"/>
-                                          </p:stCondLst>
-                                        </p:cTn>
-                                        <p:tgtEl>
-                                          <p:spTgt spid="23"/>
-                                        </p:tgtEl>
-                                        <p:attrNameLst>
-                                          <p:attrName>style.visibility</p:attrName>
-                                        </p:attrNameLst>
-                                      </p:cBhvr>
-                                      <p:to>
-                                        <p:strVal val="visible"/>
-                                      </p:to>
-                                    </p:set>
-                                    <p:animEffect transition="in" filter="fade">
-                                      <p:cBhvr>
-                                        <p:cTn id="46" dur="3000"/>
-                                        <p:tgtEl>
-                                          <p:spTgt spid="23"/>
-                                        </p:tgtEl>
-                                      </p:cBhvr>
-                                    </p:animEffect>
-                                  </p:childTnLst>
-                                </p:cTn>
-                              </p:par>
-                              <p:par>
-                                <p:cTn id="47" presetID="17" presetClass="entr" presetSubtype="2" fill="hold" grpId="0" nodeType="withEffect">
-                                  <p:stCondLst>
-                                    <p:cond delay="3500"/>
-                                  </p:stCondLst>
-                                  <p:childTnLst>
-                                    <p:set>
-                                      <p:cBhvr>
-                                        <p:cTn id="48" dur="1" fill="hold">
-                                          <p:stCondLst>
-                                            <p:cond delay="0"/>
-                                          </p:stCondLst>
-                                        </p:cTn>
-                                        <p:tgtEl>
-                                          <p:spTgt spid="24"/>
-                                        </p:tgtEl>
-                                        <p:attrNameLst>
-                                          <p:attrName>style.visibility</p:attrName>
-                                        </p:attrNameLst>
-                                      </p:cBhvr>
-                                      <p:to>
-                                        <p:strVal val="visible"/>
-                                      </p:to>
-                                    </p:set>
-                                    <p:anim calcmode="lin" valueType="num">
-                                      <p:cBhvr>
-                                        <p:cTn id="49" dur="500" fill="hold"/>
-                                        <p:tgtEl>
-                                          <p:spTgt spid="24"/>
-                                        </p:tgtEl>
-                                        <p:attrNameLst>
-                                          <p:attrName>ppt_x</p:attrName>
-                                        </p:attrNameLst>
-                                      </p:cBhvr>
-                                      <p:tavLst>
-                                        <p:tav tm="0">
-                                          <p:val>
-                                            <p:strVal val="#ppt_x+#ppt_w/2"/>
-                                          </p:val>
-                                        </p:tav>
-                                        <p:tav tm="100000">
-                                          <p:val>
-                                            <p:strVal val="#ppt_x"/>
-                                          </p:val>
-                                        </p:tav>
-                                      </p:tavLst>
-                                    </p:anim>
-                                    <p:anim calcmode="lin" valueType="num">
-                                      <p:cBhvr>
-                                        <p:cTn id="50" dur="500" fill="hold"/>
-                                        <p:tgtEl>
-                                          <p:spTgt spid="24"/>
-                                        </p:tgtEl>
-                                        <p:attrNameLst>
-                                          <p:attrName>ppt_y</p:attrName>
-                                        </p:attrNameLst>
-                                      </p:cBhvr>
-                                      <p:tavLst>
-                                        <p:tav tm="0">
-                                          <p:val>
-                                            <p:strVal val="#ppt_y"/>
-                                          </p:val>
-                                        </p:tav>
-                                        <p:tav tm="100000">
-                                          <p:val>
-                                            <p:strVal val="#ppt_y"/>
-                                          </p:val>
-                                        </p:tav>
-                                      </p:tavLst>
-                                    </p:anim>
-                                    <p:anim calcmode="lin" valueType="num">
-                                      <p:cBhvr>
-                                        <p:cTn id="51" dur="500" fill="hold"/>
-                                        <p:tgtEl>
-                                          <p:spTgt spid="24"/>
-                                        </p:tgtEl>
-                                        <p:attrNameLst>
-                                          <p:attrName>ppt_w</p:attrName>
-                                        </p:attrNameLst>
-                                      </p:cBhvr>
-                                      <p:tavLst>
-                                        <p:tav tm="0">
-                                          <p:val>
-                                            <p:fltVal val="0"/>
-                                          </p:val>
-                                        </p:tav>
-                                        <p:tav tm="100000">
-                                          <p:val>
-                                            <p:strVal val="#ppt_w"/>
-                                          </p:val>
-                                        </p:tav>
-                                      </p:tavLst>
-                                    </p:anim>
-                                    <p:anim calcmode="lin" valueType="num">
-                                      <p:cBhvr>
-                                        <p:cTn id="52" dur="500" fill="hold"/>
-                                        <p:tgtEl>
-                                          <p:spTgt spid="24"/>
-                                        </p:tgtEl>
-                                        <p:attrNameLst>
-                                          <p:attrName>ppt_h</p:attrName>
-                                        </p:attrNameLst>
-                                      </p:cBhvr>
-                                      <p:tavLst>
-                                        <p:tav tm="0">
-                                          <p:val>
-                                            <p:strVal val="#ppt_h"/>
-                                          </p:val>
-                                        </p:tav>
-                                        <p:tav tm="100000">
-                                          <p:val>
-                                            <p:strVal val="#ppt_h"/>
-                                          </p:val>
-                                        </p:tav>
-                                      </p:tavLst>
-                                    </p:anim>
-                                  </p:childTnLst>
-                                </p:cTn>
-                              </p:par>
-                              <p:par>
-                                <p:cTn id="53" presetID="10" presetClass="entr" presetSubtype="0" fill="hold" grpId="0" nodeType="withEffect">
-                                  <p:stCondLst>
-                                    <p:cond delay="4000"/>
-                                  </p:stCondLst>
-                                  <p:childTnLst>
-                                    <p:set>
-                                      <p:cBhvr>
-                                        <p:cTn id="54" dur="1" fill="hold">
-                                          <p:stCondLst>
-                                            <p:cond delay="0"/>
-                                          </p:stCondLst>
-                                        </p:cTn>
-                                        <p:tgtEl>
-                                          <p:spTgt spid="25"/>
-                                        </p:tgtEl>
-                                        <p:attrNameLst>
-                                          <p:attrName>style.visibility</p:attrName>
-                                        </p:attrNameLst>
-                                      </p:cBhvr>
-                                      <p:to>
-                                        <p:strVal val="visible"/>
-                                      </p:to>
-                                    </p:set>
-                                    <p:animEffect transition="in" filter="fade">
-                                      <p:cBhvr>
-                                        <p:cTn id="55" dur="3000"/>
-                                        <p:tgtEl>
-                                          <p:spTgt spid="25"/>
-                                        </p:tgtEl>
-                                      </p:cBhvr>
-                                    </p:animEffect>
-                                  </p:childTnLst>
-                                </p:cTn>
-                              </p:par>
-                            </p:childTnLst>
-                          </p:cTn>
-                        </p:par>
-                      </p:childTnLst>
-                    </p:cTn>
-                  </p:par>
-                </p:childTnLst>
-              </p:cTn>
-              <p:prevCondLst>
-                <p:cond evt="onPrev" delay="0">
-                  <p:tgtEl>
-                    <p:sldTgt/>
-                  </p:tgtEl>
-                </p:cond>
-              </p:prevCondLst>
-              <p:nextCondLst>
-                <p:cond evt="onNext" delay="0">
-                  <p:tgtEl>
-                    <p:sldTgt/>
-                  </p:tgtEl>
-                </p:cond>
-              </p:nextCondLst>
-            </p:seq>
-          </p:childTnLst>
-        </p:cTn>
-      </p:par>
-    </p:tnLst>
-    <p:bldLst>
-      <p:bldP spid="7" grpId="0"/>
-      <p:bldP spid="16" grpId="0"/>
-      <p:bldP spid="17" grpId="0" animBg="1"/>
-      <p:bldP spid="18" grpId="0" animBg="1"/>
-      <p:bldP spid="20" grpId="0" animBg="1"/>
-      <p:bldP spid="19" grpId="0"/>
-      <p:bldP spid="21" grpId="0"/>
-      <p:bldP spid="22" grpId="0" animBg="1"/>
-      <p:bldP spid="23" grpId="0"/>
-      <p:bldP spid="24" grpId="0" animBg="1"/>
-      <p:bldP spid="25" grpId="0"/>
-    </p:bldLst>
-  </p:timing>
 </p:sld>
 </file>
 
@@ -17050,68 +15971,7 @@
                             </p:stCondLst>
                             <p:childTnLst>
                               <p:par>
-                                <p:cTn id="5" presetID="12" presetClass="entr" presetSubtype="2" fill="hold" grpId="0" nodeType="withEffect">
-                                  <p:stCondLst>
-                                    <p:cond delay="3000"/>
-                                  </p:stCondLst>
-                                  <p:iterate type="lt">
-                                    <p:tmPct val="10000"/>
-                                  </p:iterate>
-                                  <p:childTnLst>
-                                    <p:set>
-                                      <p:cBhvr>
-                                        <p:cTn id="6" dur="1" fill="hold">
-                                          <p:stCondLst>
-                                            <p:cond delay="0"/>
-                                          </p:stCondLst>
-                                        </p:cTn>
-                                        <p:tgtEl>
-                                          <p:spTgt spid="23"/>
-                                        </p:tgtEl>
-                                        <p:attrNameLst>
-                                          <p:attrName>style.visibility</p:attrName>
-                                        </p:attrNameLst>
-                                      </p:cBhvr>
-                                      <p:to>
-                                        <p:strVal val="visible"/>
-                                      </p:to>
-                                    </p:set>
-                                    <p:anim calcmode="lin" valueType="num">
-                                      <p:cBhvr additive="base">
-                                        <p:cTn id="7" dur="500"/>
-                                        <p:tgtEl>
-                                          <p:spTgt spid="23"/>
-                                        </p:tgtEl>
-                                        <p:attrNameLst>
-                                          <p:attrName>ppt_x</p:attrName>
-                                        </p:attrNameLst>
-                                      </p:cBhvr>
-                                      <p:tavLst>
-                                        <p:tav tm="0">
-                                          <p:val>
-                                            <p:strVal val="#ppt_x+#ppt_w*1.125000"/>
-                                          </p:val>
-                                        </p:tav>
-                                        <p:tav tm="100000">
-                                          <p:val>
-                                            <p:strVal val="#ppt_x"/>
-                                          </p:val>
-                                        </p:tav>
-                                      </p:tavLst>
-                                    </p:anim>
-                                    <p:animEffect transition="in" filter="wipe(left)">
-                                      <p:cBhvr>
-                                        <p:cTn id="8" dur="500"/>
-                                        <p:tgtEl>
-                                          <p:spTgt spid="23"/>
-                                        </p:tgtEl>
-                                      </p:cBhvr>
-                                    </p:animEffect>
-                                  </p:childTnLst>
-                                </p:cTn>
-                              </p:par>
-                              <p:par>
-                                <p:cTn id="9" presetID="12" presetClass="entr" presetSubtype="8" fill="hold" grpId="0" nodeType="withEffect">
+                                <p:cTn id="5" presetID="12" presetClass="entr" presetSubtype="8" fill="hold" grpId="0" nodeType="withEffect">
                                   <p:stCondLst>
                                     <p:cond delay="7500"/>
                                   </p:stCondLst>
@@ -17121,7 +15981,7 @@
                                   <p:childTnLst>
                                     <p:set>
                                       <p:cBhvr>
-                                        <p:cTn id="10" dur="1" fill="hold">
+                                        <p:cTn id="6" dur="1" fill="hold">
                                           <p:stCondLst>
                                             <p:cond delay="0"/>
                                           </p:stCondLst>
@@ -17139,7 +15999,7 @@
                                     </p:set>
                                     <p:anim calcmode="lin" valueType="num">
                                       <p:cBhvr additive="base">
-                                        <p:cTn id="11" dur="500"/>
+                                        <p:cTn id="7" dur="500"/>
                                         <p:tgtEl>
                                           <p:spTgt spid="44"/>
                                         </p:tgtEl>
@@ -17162,7 +16022,7 @@
                                     </p:anim>
                                     <p:animEffect transition="in" filter="wipe(right)">
                                       <p:cBhvr>
-                                        <p:cTn id="12" dur="500"/>
+                                        <p:cTn id="8" dur="500"/>
                                         <p:tgtEl>
                                           <p:spTgt spid="44"/>
                                         </p:tgtEl>
@@ -17199,7 +16059,6 @@
       </p:par>
     </p:tnLst>
     <p:bldLst>
-      <p:bldP spid="23" grpId="0"/>
       <p:bldP spid="44" grpId="0"/>
     </p:bldLst>
   </p:timing>
@@ -17207,6 +16066,1451 @@
 </file>
 
 <file path=ppt/slides/slide20.xml><?xml version="1.0" encoding="utf-8"?>
+<p:sld xmlns:a="http://schemas.openxmlformats.org/drawingml/2006/main" xmlns:r="http://schemas.openxmlformats.org/officeDocument/2006/relationships" xmlns:p="http://schemas.openxmlformats.org/presentationml/2006/main">
+  <p:cSld>
+    <p:spTree>
+      <p:nvGrpSpPr>
+        <p:cNvPr id="1" name=""/>
+        <p:cNvGrpSpPr/>
+        <p:nvPr/>
+      </p:nvGrpSpPr>
+      <p:grpSpPr>
+        <a:xfrm>
+          <a:off x="0" y="0"/>
+          <a:ext cx="0" cy="0"/>
+          <a:chOff x="0" y="0"/>
+          <a:chExt cx="0" cy="0"/>
+        </a:xfrm>
+      </p:grpSpPr>
+      <p:pic>
+        <p:nvPicPr>
+          <p:cNvPr id="5" name="图片 4"/>
+          <p:cNvPicPr>
+            <a:picLocks noChangeAspect="1"/>
+          </p:cNvPicPr>
+          <p:nvPr/>
+        </p:nvPicPr>
+        <p:blipFill rotWithShape="1">
+          <a:blip r:embed="rId2" cstate="print">
+            <a:extLst>
+              <a:ext uri="{28A0092B-C50C-407E-A947-70E740481C1C}">
+                <a14:useLocalDpi xmlns:a14="http://schemas.microsoft.com/office/drawing/2010/main" val="0"/>
+              </a:ext>
+            </a:extLst>
+          </a:blip>
+          <a:srcRect t="7817" b="7817"/>
+          <a:stretch/>
+        </p:blipFill>
+        <p:spPr>
+          <a:xfrm>
+            <a:off x="0" y="0"/>
+            <a:ext cx="12192000" cy="6858000"/>
+          </a:xfrm>
+          <a:prstGeom prst="rect">
+            <a:avLst/>
+          </a:prstGeom>
+        </p:spPr>
+      </p:pic>
+      <p:sp>
+        <p:nvSpPr>
+          <p:cNvPr id="6" name="矩形 5"/>
+          <p:cNvSpPr/>
+          <p:nvPr/>
+        </p:nvSpPr>
+        <p:spPr>
+          <a:xfrm>
+            <a:off x="0" y="0"/>
+            <a:ext cx="12192000" cy="6858000"/>
+          </a:xfrm>
+          <a:prstGeom prst="rect">
+            <a:avLst/>
+          </a:prstGeom>
+          <a:solidFill>
+            <a:schemeClr val="bg1">
+              <a:lumMod val="95000"/>
+              <a:alpha val="60000"/>
+            </a:schemeClr>
+          </a:solidFill>
+          <a:ln>
+            <a:noFill/>
+          </a:ln>
+        </p:spPr>
+        <p:style>
+          <a:lnRef idx="2">
+            <a:schemeClr val="accent1">
+              <a:shade val="50000"/>
+            </a:schemeClr>
+          </a:lnRef>
+          <a:fillRef idx="1">
+            <a:schemeClr val="accent1"/>
+          </a:fillRef>
+          <a:effectRef idx="0">
+            <a:schemeClr val="accent1"/>
+          </a:effectRef>
+          <a:fontRef idx="minor">
+            <a:schemeClr val="lt1"/>
+          </a:fontRef>
+        </p:style>
+        <p:txBody>
+          <a:bodyPr rtlCol="0" anchor="ctr"/>
+          <a:lstStyle/>
+          <a:p>
+            <a:pPr algn="ctr"/>
+            <a:endParaRPr lang="zh-CN" altLang="en-US"/>
+          </a:p>
+        </p:txBody>
+      </p:sp>
+      <p:sp>
+        <p:nvSpPr>
+          <p:cNvPr id="7" name="文本框 6"/>
+          <p:cNvSpPr txBox="1"/>
+          <p:nvPr/>
+        </p:nvSpPr>
+        <p:spPr>
+          <a:xfrm>
+            <a:off x="3935760" y="954881"/>
+            <a:ext cx="1476164" cy="3770263"/>
+          </a:xfrm>
+          <a:prstGeom prst="rect">
+            <a:avLst/>
+          </a:prstGeom>
+          <a:noFill/>
+        </p:spPr>
+        <p:txBody>
+          <a:bodyPr wrap="square" rtlCol="0">
+            <a:spAutoFit/>
+          </a:bodyPr>
+          <a:lstStyle/>
+          <a:p>
+            <a:pPr algn="ctr"/>
+            <a:r>
+              <a:rPr lang="en-US" altLang="zh-CN" sz="23900" dirty="0">
+                <a:solidFill>
+                  <a:srgbClr val="F17F42"/>
+                </a:solidFill>
+                <a:latin typeface="Arial" panose="020B0604020202020204" pitchFamily="34" charset="0"/>
+                <a:cs typeface="Arial" panose="020B0604020202020204" pitchFamily="34" charset="0"/>
+              </a:rPr>
+              <a:t>5</a:t>
+            </a:r>
+            <a:endParaRPr lang="zh-CN" altLang="en-US" sz="23900" dirty="0">
+              <a:solidFill>
+                <a:srgbClr val="F17F42"/>
+              </a:solidFill>
+              <a:latin typeface="Arial" panose="020B0604020202020204" pitchFamily="34" charset="0"/>
+              <a:cs typeface="Arial" panose="020B0604020202020204" pitchFamily="34" charset="0"/>
+            </a:endParaRPr>
+          </a:p>
+        </p:txBody>
+      </p:sp>
+      <p:sp>
+        <p:nvSpPr>
+          <p:cNvPr id="16" name="文本框 15"/>
+          <p:cNvSpPr txBox="1"/>
+          <p:nvPr/>
+        </p:nvSpPr>
+        <p:spPr>
+          <a:xfrm>
+            <a:off x="5643632" y="3188100"/>
+            <a:ext cx="699230" cy="830997"/>
+          </a:xfrm>
+          <a:prstGeom prst="rect">
+            <a:avLst/>
+          </a:prstGeom>
+          <a:noFill/>
+        </p:spPr>
+        <p:txBody>
+          <a:bodyPr wrap="none" rtlCol="0">
+            <a:spAutoFit/>
+          </a:bodyPr>
+          <a:lstStyle/>
+          <a:p>
+            <a:r>
+              <a:rPr lang="en-US" altLang="zh-CN" sz="4800" dirty="0" err="1">
+                <a:solidFill>
+                  <a:srgbClr val="F17F42"/>
+                </a:solidFill>
+                <a:latin typeface="Arial" panose="020B0604020202020204" pitchFamily="34" charset="0"/>
+                <a:cs typeface="Arial" panose="020B0604020202020204" pitchFamily="34" charset="0"/>
+              </a:rPr>
+              <a:t>th</a:t>
+            </a:r>
+            <a:endParaRPr lang="zh-CN" altLang="en-US" sz="4800" dirty="0">
+              <a:solidFill>
+                <a:srgbClr val="F17F42"/>
+              </a:solidFill>
+              <a:latin typeface="Arial" panose="020B0604020202020204" pitchFamily="34" charset="0"/>
+              <a:cs typeface="Arial" panose="020B0604020202020204" pitchFamily="34" charset="0"/>
+            </a:endParaRPr>
+          </a:p>
+        </p:txBody>
+      </p:sp>
+      <p:sp>
+        <p:nvSpPr>
+          <p:cNvPr id="17" name="椭圆 16"/>
+          <p:cNvSpPr/>
+          <p:nvPr/>
+        </p:nvSpPr>
+        <p:spPr>
+          <a:xfrm>
+            <a:off x="5519697" y="3804259"/>
+            <a:ext cx="123935" cy="123935"/>
+          </a:xfrm>
+          <a:prstGeom prst="ellipse">
+            <a:avLst/>
+          </a:prstGeom>
+          <a:solidFill>
+            <a:srgbClr val="F17F42"/>
+          </a:solidFill>
+          <a:ln>
+            <a:solidFill>
+              <a:schemeClr val="bg1"/>
+            </a:solidFill>
+          </a:ln>
+        </p:spPr>
+        <p:style>
+          <a:lnRef idx="2">
+            <a:schemeClr val="accent1">
+              <a:shade val="50000"/>
+            </a:schemeClr>
+          </a:lnRef>
+          <a:fillRef idx="1">
+            <a:schemeClr val="accent1"/>
+          </a:fillRef>
+          <a:effectRef idx="0">
+            <a:schemeClr val="accent1"/>
+          </a:effectRef>
+          <a:fontRef idx="minor">
+            <a:schemeClr val="lt1"/>
+          </a:fontRef>
+        </p:style>
+        <p:txBody>
+          <a:bodyPr rtlCol="0" anchor="ctr"/>
+          <a:lstStyle/>
+          <a:p>
+            <a:pPr algn="ctr"/>
+            <a:endParaRPr lang="zh-CN" altLang="en-US"/>
+          </a:p>
+        </p:txBody>
+      </p:sp>
+      <p:sp>
+        <p:nvSpPr>
+          <p:cNvPr id="18" name="矩形 17"/>
+          <p:cNvSpPr/>
+          <p:nvPr/>
+        </p:nvSpPr>
+        <p:spPr>
+          <a:xfrm>
+            <a:off x="6529511" y="2345937"/>
+            <a:ext cx="5663952" cy="576064"/>
+          </a:xfrm>
+          <a:prstGeom prst="rect">
+            <a:avLst/>
+          </a:prstGeom>
+          <a:solidFill>
+            <a:srgbClr val="F17F42"/>
+          </a:solidFill>
+          <a:ln>
+            <a:noFill/>
+          </a:ln>
+        </p:spPr>
+        <p:style>
+          <a:lnRef idx="2">
+            <a:schemeClr val="accent1">
+              <a:shade val="50000"/>
+            </a:schemeClr>
+          </a:lnRef>
+          <a:fillRef idx="1">
+            <a:schemeClr val="accent1"/>
+          </a:fillRef>
+          <a:effectRef idx="0">
+            <a:schemeClr val="accent1"/>
+          </a:effectRef>
+          <a:fontRef idx="minor">
+            <a:schemeClr val="lt1"/>
+          </a:fontRef>
+        </p:style>
+        <p:txBody>
+          <a:bodyPr rtlCol="0" anchor="ctr"/>
+          <a:lstStyle/>
+          <a:p>
+            <a:pPr algn="ctr"/>
+            <a:endParaRPr lang="zh-CN" altLang="en-US" dirty="0"/>
+          </a:p>
+        </p:txBody>
+      </p:sp>
+      <p:sp>
+        <p:nvSpPr>
+          <p:cNvPr id="20" name="矩形 19"/>
+          <p:cNvSpPr/>
+          <p:nvPr/>
+        </p:nvSpPr>
+        <p:spPr>
+          <a:xfrm>
+            <a:off x="6540240" y="3353405"/>
+            <a:ext cx="5663952" cy="576064"/>
+          </a:xfrm>
+          <a:prstGeom prst="rect">
+            <a:avLst/>
+          </a:prstGeom>
+          <a:solidFill>
+            <a:schemeClr val="bg1">
+              <a:lumMod val="50000"/>
+              <a:alpha val="70000"/>
+            </a:schemeClr>
+          </a:solidFill>
+          <a:ln>
+            <a:noFill/>
+          </a:ln>
+        </p:spPr>
+        <p:style>
+          <a:lnRef idx="2">
+            <a:schemeClr val="accent1">
+              <a:shade val="50000"/>
+            </a:schemeClr>
+          </a:lnRef>
+          <a:fillRef idx="1">
+            <a:schemeClr val="accent1"/>
+          </a:fillRef>
+          <a:effectRef idx="0">
+            <a:schemeClr val="accent1"/>
+          </a:effectRef>
+          <a:fontRef idx="minor">
+            <a:schemeClr val="lt1"/>
+          </a:fontRef>
+        </p:style>
+        <p:txBody>
+          <a:bodyPr rtlCol="0" anchor="ctr"/>
+          <a:lstStyle/>
+          <a:p>
+            <a:pPr algn="ctr"/>
+            <a:endParaRPr lang="zh-CN" altLang="en-US" dirty="0"/>
+          </a:p>
+        </p:txBody>
+      </p:sp>
+      <p:sp>
+        <p:nvSpPr>
+          <p:cNvPr id="19" name="文本框 18"/>
+          <p:cNvSpPr txBox="1"/>
+          <p:nvPr/>
+        </p:nvSpPr>
+        <p:spPr>
+          <a:xfrm>
+            <a:off x="6816079" y="3404561"/>
+            <a:ext cx="1794081" cy="461665"/>
+          </a:xfrm>
+          <a:prstGeom prst="rect">
+            <a:avLst/>
+          </a:prstGeom>
+          <a:noFill/>
+        </p:spPr>
+        <p:txBody>
+          <a:bodyPr wrap="none" rtlCol="0">
+            <a:spAutoFit/>
+          </a:bodyPr>
+          <a:lstStyle/>
+          <a:p>
+            <a:r>
+              <a:rPr lang="en-US" altLang="zh-CN" sz="2400" dirty="0">
+                <a:solidFill>
+                  <a:schemeClr val="bg1"/>
+                </a:solidFill>
+                <a:latin typeface="Arial" panose="020B0604020202020204" pitchFamily="34" charset="0"/>
+                <a:ea typeface="微软雅黑 Light" panose="020B0502040204020203" pitchFamily="34" charset="-122"/>
+                <a:cs typeface="Arial" panose="020B0604020202020204" pitchFamily="34" charset="0"/>
+              </a:rPr>
+              <a:t>Introduction</a:t>
+            </a:r>
+          </a:p>
+        </p:txBody>
+      </p:sp>
+      <p:sp>
+        <p:nvSpPr>
+          <p:cNvPr id="21" name="文本框 20"/>
+          <p:cNvSpPr txBox="1"/>
+          <p:nvPr/>
+        </p:nvSpPr>
+        <p:spPr>
+          <a:xfrm>
+            <a:off x="6816080" y="2403137"/>
+            <a:ext cx="2719014" cy="461665"/>
+          </a:xfrm>
+          <a:prstGeom prst="rect">
+            <a:avLst/>
+          </a:prstGeom>
+          <a:noFill/>
+        </p:spPr>
+        <p:txBody>
+          <a:bodyPr wrap="none" rtlCol="0">
+            <a:spAutoFit/>
+          </a:bodyPr>
+          <a:lstStyle/>
+          <a:p>
+            <a:r>
+              <a:rPr lang="en-US" altLang="zh-TW" sz="2400" dirty="0">
+                <a:solidFill>
+                  <a:schemeClr val="bg1"/>
+                </a:solidFill>
+                <a:latin typeface="Arial" panose="020B0604020202020204" pitchFamily="34" charset="0"/>
+                <a:ea typeface="微软雅黑 Light" panose="020B0502040204020203" pitchFamily="34" charset="-122"/>
+                <a:cs typeface="Arial" panose="020B0604020202020204" pitchFamily="34" charset="0"/>
+              </a:rPr>
+              <a:t>Module 3 datatype</a:t>
+            </a:r>
+            <a:endParaRPr lang="en-US" altLang="zh-CN" sz="2400" dirty="0">
+              <a:solidFill>
+                <a:schemeClr val="bg1"/>
+              </a:solidFill>
+              <a:latin typeface="Arial" panose="020B0604020202020204" pitchFamily="34" charset="0"/>
+              <a:ea typeface="微软雅黑 Light" panose="020B0502040204020203" pitchFamily="34" charset="-122"/>
+              <a:cs typeface="Arial" panose="020B0604020202020204" pitchFamily="34" charset="0"/>
+            </a:endParaRPr>
+          </a:p>
+        </p:txBody>
+      </p:sp>
+      <p:sp>
+        <p:nvSpPr>
+          <p:cNvPr id="22" name="矩形 21"/>
+          <p:cNvSpPr/>
+          <p:nvPr/>
+        </p:nvSpPr>
+        <p:spPr>
+          <a:xfrm>
+            <a:off x="6528048" y="4327003"/>
+            <a:ext cx="5663952" cy="576064"/>
+          </a:xfrm>
+          <a:prstGeom prst="rect">
+            <a:avLst/>
+          </a:prstGeom>
+          <a:solidFill>
+            <a:schemeClr val="bg1">
+              <a:lumMod val="50000"/>
+              <a:alpha val="70000"/>
+            </a:schemeClr>
+          </a:solidFill>
+          <a:ln>
+            <a:noFill/>
+          </a:ln>
+        </p:spPr>
+        <p:style>
+          <a:lnRef idx="2">
+            <a:schemeClr val="accent1">
+              <a:shade val="50000"/>
+            </a:schemeClr>
+          </a:lnRef>
+          <a:fillRef idx="1">
+            <a:schemeClr val="accent1"/>
+          </a:fillRef>
+          <a:effectRef idx="0">
+            <a:schemeClr val="accent1"/>
+          </a:effectRef>
+          <a:fontRef idx="minor">
+            <a:schemeClr val="lt1"/>
+          </a:fontRef>
+        </p:style>
+        <p:txBody>
+          <a:bodyPr rtlCol="0" anchor="ctr"/>
+          <a:lstStyle/>
+          <a:p>
+            <a:pPr algn="ctr"/>
+            <a:endParaRPr lang="zh-CN" altLang="en-US"/>
+          </a:p>
+        </p:txBody>
+      </p:sp>
+      <p:sp>
+        <p:nvSpPr>
+          <p:cNvPr id="23" name="文本框 22"/>
+          <p:cNvSpPr txBox="1"/>
+          <p:nvPr/>
+        </p:nvSpPr>
+        <p:spPr>
+          <a:xfrm>
+            <a:off x="6816080" y="4376880"/>
+            <a:ext cx="1338636" cy="461665"/>
+          </a:xfrm>
+          <a:prstGeom prst="rect">
+            <a:avLst/>
+          </a:prstGeom>
+          <a:noFill/>
+        </p:spPr>
+        <p:txBody>
+          <a:bodyPr wrap="none" rtlCol="0">
+            <a:spAutoFit/>
+          </a:bodyPr>
+          <a:lstStyle/>
+          <a:p>
+            <a:r>
+              <a:rPr lang="en-US" altLang="zh-CN" sz="2400" dirty="0">
+                <a:solidFill>
+                  <a:schemeClr val="bg1"/>
+                </a:solidFill>
+                <a:latin typeface="Arial" panose="020B0604020202020204" pitchFamily="34" charset="0"/>
+                <a:ea typeface="微软雅黑 Light" panose="020B0502040204020203" pitchFamily="34" charset="-122"/>
+                <a:cs typeface="Arial" panose="020B0604020202020204" pitchFamily="34" charset="0"/>
+              </a:rPr>
+              <a:t>Timeline</a:t>
+            </a:r>
+          </a:p>
+        </p:txBody>
+      </p:sp>
+      <p:sp>
+        <p:nvSpPr>
+          <p:cNvPr id="24" name="矩形 23"/>
+          <p:cNvSpPr/>
+          <p:nvPr/>
+        </p:nvSpPr>
+        <p:spPr>
+          <a:xfrm>
+            <a:off x="6528048" y="5316064"/>
+            <a:ext cx="5663952" cy="576064"/>
+          </a:xfrm>
+          <a:prstGeom prst="rect">
+            <a:avLst/>
+          </a:prstGeom>
+          <a:solidFill>
+            <a:schemeClr val="bg1">
+              <a:lumMod val="50000"/>
+              <a:alpha val="70000"/>
+            </a:schemeClr>
+          </a:solidFill>
+          <a:ln>
+            <a:noFill/>
+          </a:ln>
+        </p:spPr>
+        <p:style>
+          <a:lnRef idx="2">
+            <a:schemeClr val="accent1">
+              <a:shade val="50000"/>
+            </a:schemeClr>
+          </a:lnRef>
+          <a:fillRef idx="1">
+            <a:schemeClr val="accent1"/>
+          </a:fillRef>
+          <a:effectRef idx="0">
+            <a:schemeClr val="accent1"/>
+          </a:effectRef>
+          <a:fontRef idx="minor">
+            <a:schemeClr val="lt1"/>
+          </a:fontRef>
+        </p:style>
+        <p:txBody>
+          <a:bodyPr rtlCol="0" anchor="ctr"/>
+          <a:lstStyle/>
+          <a:p>
+            <a:pPr algn="ctr"/>
+            <a:endParaRPr lang="zh-CN" altLang="en-US"/>
+          </a:p>
+        </p:txBody>
+      </p:sp>
+      <p:sp>
+        <p:nvSpPr>
+          <p:cNvPr id="25" name="文本框 24"/>
+          <p:cNvSpPr txBox="1"/>
+          <p:nvPr/>
+        </p:nvSpPr>
+        <p:spPr>
+          <a:xfrm>
+            <a:off x="6816080" y="5365941"/>
+            <a:ext cx="2460930" cy="461665"/>
+          </a:xfrm>
+          <a:prstGeom prst="rect">
+            <a:avLst/>
+          </a:prstGeom>
+          <a:noFill/>
+        </p:spPr>
+        <p:txBody>
+          <a:bodyPr wrap="none" rtlCol="0">
+            <a:spAutoFit/>
+          </a:bodyPr>
+          <a:lstStyle/>
+          <a:p>
+            <a:r>
+              <a:rPr lang="en-US" altLang="zh-CN" sz="2400" dirty="0">
+                <a:solidFill>
+                  <a:schemeClr val="bg1"/>
+                </a:solidFill>
+                <a:latin typeface="Arial" panose="020B0604020202020204" pitchFamily="34" charset="0"/>
+                <a:ea typeface="微软雅黑 Light" panose="020B0502040204020203" pitchFamily="34" charset="-122"/>
+                <a:cs typeface="Arial" panose="020B0604020202020204" pitchFamily="34" charset="0"/>
+              </a:rPr>
+              <a:t>Profile Summary</a:t>
+            </a:r>
+          </a:p>
+        </p:txBody>
+      </p:sp>
+    </p:spTree>
+    <p:extLst>
+      <p:ext uri="{BB962C8B-B14F-4D97-AF65-F5344CB8AC3E}">
+        <p14:creationId xmlns:p14="http://schemas.microsoft.com/office/powerpoint/2010/main" val="2412591749"/>
+      </p:ext>
+    </p:extLst>
+  </p:cSld>
+  <p:clrMapOvr>
+    <a:masterClrMapping/>
+  </p:clrMapOvr>
+  <mc:AlternateContent xmlns:mc="http://schemas.openxmlformats.org/markup-compatibility/2006" xmlns:p14="http://schemas.microsoft.com/office/powerpoint/2010/main">
+    <mc:Choice Requires="p14">
+      <p:transition spd="slow" p14:dur="1250">
+        <p14:switch dir="r"/>
+      </p:transition>
+    </mc:Choice>
+    <mc:Fallback xmlns="">
+      <p:transition spd="slow">
+        <p:fade/>
+      </p:transition>
+    </mc:Fallback>
+  </mc:AlternateContent>
+  <p:timing>
+    <p:tnLst>
+      <p:par>
+        <p:cTn id="1" dur="indefinite" restart="never" nodeType="tmRoot">
+          <p:childTnLst>
+            <p:seq concurrent="1" nextAc="seek">
+              <p:cTn id="2" dur="indefinite" nodeType="mainSeq">
+                <p:childTnLst>
+                  <p:par>
+                    <p:cTn id="3" fill="hold">
+                      <p:stCondLst>
+                        <p:cond delay="indefinite"/>
+                        <p:cond evt="onBegin" delay="0">
+                          <p:tn val="2"/>
+                        </p:cond>
+                      </p:stCondLst>
+                      <p:childTnLst>
+                        <p:par>
+                          <p:cTn id="4" fill="hold">
+                            <p:stCondLst>
+                              <p:cond delay="0"/>
+                            </p:stCondLst>
+                            <p:childTnLst>
+                              <p:par>
+                                <p:cTn id="5" presetID="10" presetClass="entr" presetSubtype="0" fill="hold" nodeType="withEffect">
+                                  <p:stCondLst>
+                                    <p:cond delay="0"/>
+                                  </p:stCondLst>
+                                  <p:childTnLst>
+                                    <p:set>
+                                      <p:cBhvr>
+                                        <p:cTn id="6" dur="1" fill="hold">
+                                          <p:stCondLst>
+                                            <p:cond delay="0"/>
+                                          </p:stCondLst>
+                                        </p:cTn>
+                                        <p:tgtEl>
+                                          <p:spTgt spid="5"/>
+                                        </p:tgtEl>
+                                        <p:attrNameLst>
+                                          <p:attrName>style.visibility</p:attrName>
+                                        </p:attrNameLst>
+                                      </p:cBhvr>
+                                      <p:to>
+                                        <p:strVal val="visible"/>
+                                      </p:to>
+                                    </p:set>
+                                    <p:animEffect transition="in" filter="fade">
+                                      <p:cBhvr>
+                                        <p:cTn id="7" dur="1000"/>
+                                        <p:tgtEl>
+                                          <p:spTgt spid="5"/>
+                                        </p:tgtEl>
+                                      </p:cBhvr>
+                                    </p:animEffect>
+                                  </p:childTnLst>
+                                </p:cTn>
+                              </p:par>
+                            </p:childTnLst>
+                          </p:cTn>
+                        </p:par>
+                        <p:par>
+                          <p:cTn id="8" fill="hold">
+                            <p:stCondLst>
+                              <p:cond delay="1000"/>
+                            </p:stCondLst>
+                            <p:childTnLst>
+                              <p:par>
+                                <p:cTn id="9" presetID="6" presetClass="emph" presetSubtype="0" decel="100000" fill="hold" nodeType="afterEffect">
+                                  <p:stCondLst>
+                                    <p:cond delay="0"/>
+                                  </p:stCondLst>
+                                  <p:childTnLst>
+                                    <p:animScale>
+                                      <p:cBhvr>
+                                        <p:cTn id="10" dur="5000" fill="hold"/>
+                                        <p:tgtEl>
+                                          <p:spTgt spid="5"/>
+                                        </p:tgtEl>
+                                      </p:cBhvr>
+                                      <p:by x="115000" y="115000"/>
+                                    </p:animScale>
+                                  </p:childTnLst>
+                                </p:cTn>
+                              </p:par>
+                              <p:par>
+                                <p:cTn id="11" presetID="10" presetClass="entr" presetSubtype="0" fill="hold" grpId="0" nodeType="withEffect">
+                                  <p:stCondLst>
+                                    <p:cond delay="500"/>
+                                  </p:stCondLst>
+                                  <p:childTnLst>
+                                    <p:set>
+                                      <p:cBhvr>
+                                        <p:cTn id="12" dur="1" fill="hold">
+                                          <p:stCondLst>
+                                            <p:cond delay="0"/>
+                                          </p:stCondLst>
+                                        </p:cTn>
+                                        <p:tgtEl>
+                                          <p:spTgt spid="7"/>
+                                        </p:tgtEl>
+                                        <p:attrNameLst>
+                                          <p:attrName>style.visibility</p:attrName>
+                                        </p:attrNameLst>
+                                      </p:cBhvr>
+                                      <p:to>
+                                        <p:strVal val="visible"/>
+                                      </p:to>
+                                    </p:set>
+                                    <p:animEffect transition="in" filter="fade">
+                                      <p:cBhvr>
+                                        <p:cTn id="13" dur="5000"/>
+                                        <p:tgtEl>
+                                          <p:spTgt spid="7"/>
+                                        </p:tgtEl>
+                                      </p:cBhvr>
+                                    </p:animEffect>
+                                  </p:childTnLst>
+                                </p:cTn>
+                              </p:par>
+                              <p:par>
+                                <p:cTn id="14" presetID="10" presetClass="entr" presetSubtype="0" fill="hold" grpId="0" nodeType="withEffect">
+                                  <p:stCondLst>
+                                    <p:cond delay="1500"/>
+                                  </p:stCondLst>
+                                  <p:childTnLst>
+                                    <p:set>
+                                      <p:cBhvr>
+                                        <p:cTn id="15" dur="1" fill="hold">
+                                          <p:stCondLst>
+                                            <p:cond delay="0"/>
+                                          </p:stCondLst>
+                                        </p:cTn>
+                                        <p:tgtEl>
+                                          <p:spTgt spid="17"/>
+                                        </p:tgtEl>
+                                        <p:attrNameLst>
+                                          <p:attrName>style.visibility</p:attrName>
+                                        </p:attrNameLst>
+                                      </p:cBhvr>
+                                      <p:to>
+                                        <p:strVal val="visible"/>
+                                      </p:to>
+                                    </p:set>
+                                    <p:animEffect transition="in" filter="fade">
+                                      <p:cBhvr>
+                                        <p:cTn id="16" dur="5000"/>
+                                        <p:tgtEl>
+                                          <p:spTgt spid="17"/>
+                                        </p:tgtEl>
+                                      </p:cBhvr>
+                                    </p:animEffect>
+                                  </p:childTnLst>
+                                </p:cTn>
+                              </p:par>
+                              <p:par>
+                                <p:cTn id="17" presetID="10" presetClass="entr" presetSubtype="0" fill="hold" grpId="0" nodeType="withEffect">
+                                  <p:stCondLst>
+                                    <p:cond delay="2000"/>
+                                  </p:stCondLst>
+                                  <p:childTnLst>
+                                    <p:set>
+                                      <p:cBhvr>
+                                        <p:cTn id="18" dur="1" fill="hold">
+                                          <p:stCondLst>
+                                            <p:cond delay="0"/>
+                                          </p:stCondLst>
+                                        </p:cTn>
+                                        <p:tgtEl>
+                                          <p:spTgt spid="16"/>
+                                        </p:tgtEl>
+                                        <p:attrNameLst>
+                                          <p:attrName>style.visibility</p:attrName>
+                                        </p:attrNameLst>
+                                      </p:cBhvr>
+                                      <p:to>
+                                        <p:strVal val="visible"/>
+                                      </p:to>
+                                    </p:set>
+                                    <p:animEffect transition="in" filter="fade">
+                                      <p:cBhvr>
+                                        <p:cTn id="19" dur="5000"/>
+                                        <p:tgtEl>
+                                          <p:spTgt spid="16"/>
+                                        </p:tgtEl>
+                                      </p:cBhvr>
+                                    </p:animEffect>
+                                  </p:childTnLst>
+                                </p:cTn>
+                              </p:par>
+                              <p:par>
+                                <p:cTn id="20" presetID="17" presetClass="entr" presetSubtype="2" fill="hold" grpId="0" nodeType="withEffect">
+                                  <p:stCondLst>
+                                    <p:cond delay="2000"/>
+                                  </p:stCondLst>
+                                  <p:childTnLst>
+                                    <p:set>
+                                      <p:cBhvr>
+                                        <p:cTn id="21" dur="1" fill="hold">
+                                          <p:stCondLst>
+                                            <p:cond delay="0"/>
+                                          </p:stCondLst>
+                                        </p:cTn>
+                                        <p:tgtEl>
+                                          <p:spTgt spid="18"/>
+                                        </p:tgtEl>
+                                        <p:attrNameLst>
+                                          <p:attrName>style.visibility</p:attrName>
+                                        </p:attrNameLst>
+                                      </p:cBhvr>
+                                      <p:to>
+                                        <p:strVal val="visible"/>
+                                      </p:to>
+                                    </p:set>
+                                    <p:anim calcmode="lin" valueType="num">
+                                      <p:cBhvr>
+                                        <p:cTn id="22" dur="500" fill="hold"/>
+                                        <p:tgtEl>
+                                          <p:spTgt spid="18"/>
+                                        </p:tgtEl>
+                                        <p:attrNameLst>
+                                          <p:attrName>ppt_x</p:attrName>
+                                        </p:attrNameLst>
+                                      </p:cBhvr>
+                                      <p:tavLst>
+                                        <p:tav tm="0">
+                                          <p:val>
+                                            <p:strVal val="#ppt_x+#ppt_w/2"/>
+                                          </p:val>
+                                        </p:tav>
+                                        <p:tav tm="100000">
+                                          <p:val>
+                                            <p:strVal val="#ppt_x"/>
+                                          </p:val>
+                                        </p:tav>
+                                      </p:tavLst>
+                                    </p:anim>
+                                    <p:anim calcmode="lin" valueType="num">
+                                      <p:cBhvr>
+                                        <p:cTn id="23" dur="500" fill="hold"/>
+                                        <p:tgtEl>
+                                          <p:spTgt spid="18"/>
+                                        </p:tgtEl>
+                                        <p:attrNameLst>
+                                          <p:attrName>ppt_y</p:attrName>
+                                        </p:attrNameLst>
+                                      </p:cBhvr>
+                                      <p:tavLst>
+                                        <p:tav tm="0">
+                                          <p:val>
+                                            <p:strVal val="#ppt_y"/>
+                                          </p:val>
+                                        </p:tav>
+                                        <p:tav tm="100000">
+                                          <p:val>
+                                            <p:strVal val="#ppt_y"/>
+                                          </p:val>
+                                        </p:tav>
+                                      </p:tavLst>
+                                    </p:anim>
+                                    <p:anim calcmode="lin" valueType="num">
+                                      <p:cBhvr>
+                                        <p:cTn id="24" dur="500" fill="hold"/>
+                                        <p:tgtEl>
+                                          <p:spTgt spid="18"/>
+                                        </p:tgtEl>
+                                        <p:attrNameLst>
+                                          <p:attrName>ppt_w</p:attrName>
+                                        </p:attrNameLst>
+                                      </p:cBhvr>
+                                      <p:tavLst>
+                                        <p:tav tm="0">
+                                          <p:val>
+                                            <p:fltVal val="0"/>
+                                          </p:val>
+                                        </p:tav>
+                                        <p:tav tm="100000">
+                                          <p:val>
+                                            <p:strVal val="#ppt_w"/>
+                                          </p:val>
+                                        </p:tav>
+                                      </p:tavLst>
+                                    </p:anim>
+                                    <p:anim calcmode="lin" valueType="num">
+                                      <p:cBhvr>
+                                        <p:cTn id="25" dur="500" fill="hold"/>
+                                        <p:tgtEl>
+                                          <p:spTgt spid="18"/>
+                                        </p:tgtEl>
+                                        <p:attrNameLst>
+                                          <p:attrName>ppt_h</p:attrName>
+                                        </p:attrNameLst>
+                                      </p:cBhvr>
+                                      <p:tavLst>
+                                        <p:tav tm="0">
+                                          <p:val>
+                                            <p:strVal val="#ppt_h"/>
+                                          </p:val>
+                                        </p:tav>
+                                        <p:tav tm="100000">
+                                          <p:val>
+                                            <p:strVal val="#ppt_h"/>
+                                          </p:val>
+                                        </p:tav>
+                                      </p:tavLst>
+                                    </p:anim>
+                                  </p:childTnLst>
+                                </p:cTn>
+                              </p:par>
+                              <p:par>
+                                <p:cTn id="26" presetID="10" presetClass="entr" presetSubtype="0" fill="hold" grpId="0" nodeType="withEffect">
+                                  <p:stCondLst>
+                                    <p:cond delay="2500"/>
+                                  </p:stCondLst>
+                                  <p:childTnLst>
+                                    <p:set>
+                                      <p:cBhvr>
+                                        <p:cTn id="27" dur="1" fill="hold">
+                                          <p:stCondLst>
+                                            <p:cond delay="0"/>
+                                          </p:stCondLst>
+                                        </p:cTn>
+                                        <p:tgtEl>
+                                          <p:spTgt spid="19"/>
+                                        </p:tgtEl>
+                                        <p:attrNameLst>
+                                          <p:attrName>style.visibility</p:attrName>
+                                        </p:attrNameLst>
+                                      </p:cBhvr>
+                                      <p:to>
+                                        <p:strVal val="visible"/>
+                                      </p:to>
+                                    </p:set>
+                                    <p:animEffect transition="in" filter="fade">
+                                      <p:cBhvr>
+                                        <p:cTn id="28" dur="3000"/>
+                                        <p:tgtEl>
+                                          <p:spTgt spid="19"/>
+                                        </p:tgtEl>
+                                      </p:cBhvr>
+                                    </p:animEffect>
+                                  </p:childTnLst>
+                                </p:cTn>
+                              </p:par>
+                              <p:par>
+                                <p:cTn id="29" presetID="17" presetClass="entr" presetSubtype="2" fill="hold" grpId="0" nodeType="withEffect">
+                                  <p:stCondLst>
+                                    <p:cond delay="2500"/>
+                                  </p:stCondLst>
+                                  <p:childTnLst>
+                                    <p:set>
+                                      <p:cBhvr>
+                                        <p:cTn id="30" dur="1" fill="hold">
+                                          <p:stCondLst>
+                                            <p:cond delay="0"/>
+                                          </p:stCondLst>
+                                        </p:cTn>
+                                        <p:tgtEl>
+                                          <p:spTgt spid="20"/>
+                                        </p:tgtEl>
+                                        <p:attrNameLst>
+                                          <p:attrName>style.visibility</p:attrName>
+                                        </p:attrNameLst>
+                                      </p:cBhvr>
+                                      <p:to>
+                                        <p:strVal val="visible"/>
+                                      </p:to>
+                                    </p:set>
+                                    <p:anim calcmode="lin" valueType="num">
+                                      <p:cBhvr>
+                                        <p:cTn id="31" dur="500" fill="hold"/>
+                                        <p:tgtEl>
+                                          <p:spTgt spid="20"/>
+                                        </p:tgtEl>
+                                        <p:attrNameLst>
+                                          <p:attrName>ppt_x</p:attrName>
+                                        </p:attrNameLst>
+                                      </p:cBhvr>
+                                      <p:tavLst>
+                                        <p:tav tm="0">
+                                          <p:val>
+                                            <p:strVal val="#ppt_x+#ppt_w/2"/>
+                                          </p:val>
+                                        </p:tav>
+                                        <p:tav tm="100000">
+                                          <p:val>
+                                            <p:strVal val="#ppt_x"/>
+                                          </p:val>
+                                        </p:tav>
+                                      </p:tavLst>
+                                    </p:anim>
+                                    <p:anim calcmode="lin" valueType="num">
+                                      <p:cBhvr>
+                                        <p:cTn id="32" dur="500" fill="hold"/>
+                                        <p:tgtEl>
+                                          <p:spTgt spid="20"/>
+                                        </p:tgtEl>
+                                        <p:attrNameLst>
+                                          <p:attrName>ppt_y</p:attrName>
+                                        </p:attrNameLst>
+                                      </p:cBhvr>
+                                      <p:tavLst>
+                                        <p:tav tm="0">
+                                          <p:val>
+                                            <p:strVal val="#ppt_y"/>
+                                          </p:val>
+                                        </p:tav>
+                                        <p:tav tm="100000">
+                                          <p:val>
+                                            <p:strVal val="#ppt_y"/>
+                                          </p:val>
+                                        </p:tav>
+                                      </p:tavLst>
+                                    </p:anim>
+                                    <p:anim calcmode="lin" valueType="num">
+                                      <p:cBhvr>
+                                        <p:cTn id="33" dur="500" fill="hold"/>
+                                        <p:tgtEl>
+                                          <p:spTgt spid="20"/>
+                                        </p:tgtEl>
+                                        <p:attrNameLst>
+                                          <p:attrName>ppt_w</p:attrName>
+                                        </p:attrNameLst>
+                                      </p:cBhvr>
+                                      <p:tavLst>
+                                        <p:tav tm="0">
+                                          <p:val>
+                                            <p:fltVal val="0"/>
+                                          </p:val>
+                                        </p:tav>
+                                        <p:tav tm="100000">
+                                          <p:val>
+                                            <p:strVal val="#ppt_w"/>
+                                          </p:val>
+                                        </p:tav>
+                                      </p:tavLst>
+                                    </p:anim>
+                                    <p:anim calcmode="lin" valueType="num">
+                                      <p:cBhvr>
+                                        <p:cTn id="34" dur="500" fill="hold"/>
+                                        <p:tgtEl>
+                                          <p:spTgt spid="20"/>
+                                        </p:tgtEl>
+                                        <p:attrNameLst>
+                                          <p:attrName>ppt_h</p:attrName>
+                                        </p:attrNameLst>
+                                      </p:cBhvr>
+                                      <p:tavLst>
+                                        <p:tav tm="0">
+                                          <p:val>
+                                            <p:strVal val="#ppt_h"/>
+                                          </p:val>
+                                        </p:tav>
+                                        <p:tav tm="100000">
+                                          <p:val>
+                                            <p:strVal val="#ppt_h"/>
+                                          </p:val>
+                                        </p:tav>
+                                      </p:tavLst>
+                                    </p:anim>
+                                  </p:childTnLst>
+                                </p:cTn>
+                              </p:par>
+                              <p:par>
+                                <p:cTn id="35" presetID="10" presetClass="entr" presetSubtype="0" fill="hold" grpId="0" nodeType="withEffect">
+                                  <p:stCondLst>
+                                    <p:cond delay="3000"/>
+                                  </p:stCondLst>
+                                  <p:childTnLst>
+                                    <p:set>
+                                      <p:cBhvr>
+                                        <p:cTn id="36" dur="1" fill="hold">
+                                          <p:stCondLst>
+                                            <p:cond delay="0"/>
+                                          </p:stCondLst>
+                                        </p:cTn>
+                                        <p:tgtEl>
+                                          <p:spTgt spid="21"/>
+                                        </p:tgtEl>
+                                        <p:attrNameLst>
+                                          <p:attrName>style.visibility</p:attrName>
+                                        </p:attrNameLst>
+                                      </p:cBhvr>
+                                      <p:to>
+                                        <p:strVal val="visible"/>
+                                      </p:to>
+                                    </p:set>
+                                    <p:animEffect transition="in" filter="fade">
+                                      <p:cBhvr>
+                                        <p:cTn id="37" dur="3000"/>
+                                        <p:tgtEl>
+                                          <p:spTgt spid="21"/>
+                                        </p:tgtEl>
+                                      </p:cBhvr>
+                                    </p:animEffect>
+                                  </p:childTnLst>
+                                </p:cTn>
+                              </p:par>
+                              <p:par>
+                                <p:cTn id="38" presetID="17" presetClass="entr" presetSubtype="2" fill="hold" grpId="0" nodeType="withEffect">
+                                  <p:stCondLst>
+                                    <p:cond delay="3000"/>
+                                  </p:stCondLst>
+                                  <p:childTnLst>
+                                    <p:set>
+                                      <p:cBhvr>
+                                        <p:cTn id="39" dur="1" fill="hold">
+                                          <p:stCondLst>
+                                            <p:cond delay="0"/>
+                                          </p:stCondLst>
+                                        </p:cTn>
+                                        <p:tgtEl>
+                                          <p:spTgt spid="22"/>
+                                        </p:tgtEl>
+                                        <p:attrNameLst>
+                                          <p:attrName>style.visibility</p:attrName>
+                                        </p:attrNameLst>
+                                      </p:cBhvr>
+                                      <p:to>
+                                        <p:strVal val="visible"/>
+                                      </p:to>
+                                    </p:set>
+                                    <p:anim calcmode="lin" valueType="num">
+                                      <p:cBhvr>
+                                        <p:cTn id="40" dur="500" fill="hold"/>
+                                        <p:tgtEl>
+                                          <p:spTgt spid="22"/>
+                                        </p:tgtEl>
+                                        <p:attrNameLst>
+                                          <p:attrName>ppt_x</p:attrName>
+                                        </p:attrNameLst>
+                                      </p:cBhvr>
+                                      <p:tavLst>
+                                        <p:tav tm="0">
+                                          <p:val>
+                                            <p:strVal val="#ppt_x+#ppt_w/2"/>
+                                          </p:val>
+                                        </p:tav>
+                                        <p:tav tm="100000">
+                                          <p:val>
+                                            <p:strVal val="#ppt_x"/>
+                                          </p:val>
+                                        </p:tav>
+                                      </p:tavLst>
+                                    </p:anim>
+                                    <p:anim calcmode="lin" valueType="num">
+                                      <p:cBhvr>
+                                        <p:cTn id="41" dur="500" fill="hold"/>
+                                        <p:tgtEl>
+                                          <p:spTgt spid="22"/>
+                                        </p:tgtEl>
+                                        <p:attrNameLst>
+                                          <p:attrName>ppt_y</p:attrName>
+                                        </p:attrNameLst>
+                                      </p:cBhvr>
+                                      <p:tavLst>
+                                        <p:tav tm="0">
+                                          <p:val>
+                                            <p:strVal val="#ppt_y"/>
+                                          </p:val>
+                                        </p:tav>
+                                        <p:tav tm="100000">
+                                          <p:val>
+                                            <p:strVal val="#ppt_y"/>
+                                          </p:val>
+                                        </p:tav>
+                                      </p:tavLst>
+                                    </p:anim>
+                                    <p:anim calcmode="lin" valueType="num">
+                                      <p:cBhvr>
+                                        <p:cTn id="42" dur="500" fill="hold"/>
+                                        <p:tgtEl>
+                                          <p:spTgt spid="22"/>
+                                        </p:tgtEl>
+                                        <p:attrNameLst>
+                                          <p:attrName>ppt_w</p:attrName>
+                                        </p:attrNameLst>
+                                      </p:cBhvr>
+                                      <p:tavLst>
+                                        <p:tav tm="0">
+                                          <p:val>
+                                            <p:fltVal val="0"/>
+                                          </p:val>
+                                        </p:tav>
+                                        <p:tav tm="100000">
+                                          <p:val>
+                                            <p:strVal val="#ppt_w"/>
+                                          </p:val>
+                                        </p:tav>
+                                      </p:tavLst>
+                                    </p:anim>
+                                    <p:anim calcmode="lin" valueType="num">
+                                      <p:cBhvr>
+                                        <p:cTn id="43" dur="500" fill="hold"/>
+                                        <p:tgtEl>
+                                          <p:spTgt spid="22"/>
+                                        </p:tgtEl>
+                                        <p:attrNameLst>
+                                          <p:attrName>ppt_h</p:attrName>
+                                        </p:attrNameLst>
+                                      </p:cBhvr>
+                                      <p:tavLst>
+                                        <p:tav tm="0">
+                                          <p:val>
+                                            <p:strVal val="#ppt_h"/>
+                                          </p:val>
+                                        </p:tav>
+                                        <p:tav tm="100000">
+                                          <p:val>
+                                            <p:strVal val="#ppt_h"/>
+                                          </p:val>
+                                        </p:tav>
+                                      </p:tavLst>
+                                    </p:anim>
+                                  </p:childTnLst>
+                                </p:cTn>
+                              </p:par>
+                              <p:par>
+                                <p:cTn id="44" presetID="10" presetClass="entr" presetSubtype="0" fill="hold" grpId="0" nodeType="withEffect">
+                                  <p:stCondLst>
+                                    <p:cond delay="3500"/>
+                                  </p:stCondLst>
+                                  <p:childTnLst>
+                                    <p:set>
+                                      <p:cBhvr>
+                                        <p:cTn id="45" dur="1" fill="hold">
+                                          <p:stCondLst>
+                                            <p:cond delay="0"/>
+                                          </p:stCondLst>
+                                        </p:cTn>
+                                        <p:tgtEl>
+                                          <p:spTgt spid="23"/>
+                                        </p:tgtEl>
+                                        <p:attrNameLst>
+                                          <p:attrName>style.visibility</p:attrName>
+                                        </p:attrNameLst>
+                                      </p:cBhvr>
+                                      <p:to>
+                                        <p:strVal val="visible"/>
+                                      </p:to>
+                                    </p:set>
+                                    <p:animEffect transition="in" filter="fade">
+                                      <p:cBhvr>
+                                        <p:cTn id="46" dur="3000"/>
+                                        <p:tgtEl>
+                                          <p:spTgt spid="23"/>
+                                        </p:tgtEl>
+                                      </p:cBhvr>
+                                    </p:animEffect>
+                                  </p:childTnLst>
+                                </p:cTn>
+                              </p:par>
+                              <p:par>
+                                <p:cTn id="47" presetID="17" presetClass="entr" presetSubtype="2" fill="hold" grpId="0" nodeType="withEffect">
+                                  <p:stCondLst>
+                                    <p:cond delay="3500"/>
+                                  </p:stCondLst>
+                                  <p:childTnLst>
+                                    <p:set>
+                                      <p:cBhvr>
+                                        <p:cTn id="48" dur="1" fill="hold">
+                                          <p:stCondLst>
+                                            <p:cond delay="0"/>
+                                          </p:stCondLst>
+                                        </p:cTn>
+                                        <p:tgtEl>
+                                          <p:spTgt spid="24"/>
+                                        </p:tgtEl>
+                                        <p:attrNameLst>
+                                          <p:attrName>style.visibility</p:attrName>
+                                        </p:attrNameLst>
+                                      </p:cBhvr>
+                                      <p:to>
+                                        <p:strVal val="visible"/>
+                                      </p:to>
+                                    </p:set>
+                                    <p:anim calcmode="lin" valueType="num">
+                                      <p:cBhvr>
+                                        <p:cTn id="49" dur="500" fill="hold"/>
+                                        <p:tgtEl>
+                                          <p:spTgt spid="24"/>
+                                        </p:tgtEl>
+                                        <p:attrNameLst>
+                                          <p:attrName>ppt_x</p:attrName>
+                                        </p:attrNameLst>
+                                      </p:cBhvr>
+                                      <p:tavLst>
+                                        <p:tav tm="0">
+                                          <p:val>
+                                            <p:strVal val="#ppt_x+#ppt_w/2"/>
+                                          </p:val>
+                                        </p:tav>
+                                        <p:tav tm="100000">
+                                          <p:val>
+                                            <p:strVal val="#ppt_x"/>
+                                          </p:val>
+                                        </p:tav>
+                                      </p:tavLst>
+                                    </p:anim>
+                                    <p:anim calcmode="lin" valueType="num">
+                                      <p:cBhvr>
+                                        <p:cTn id="50" dur="500" fill="hold"/>
+                                        <p:tgtEl>
+                                          <p:spTgt spid="24"/>
+                                        </p:tgtEl>
+                                        <p:attrNameLst>
+                                          <p:attrName>ppt_y</p:attrName>
+                                        </p:attrNameLst>
+                                      </p:cBhvr>
+                                      <p:tavLst>
+                                        <p:tav tm="0">
+                                          <p:val>
+                                            <p:strVal val="#ppt_y"/>
+                                          </p:val>
+                                        </p:tav>
+                                        <p:tav tm="100000">
+                                          <p:val>
+                                            <p:strVal val="#ppt_y"/>
+                                          </p:val>
+                                        </p:tav>
+                                      </p:tavLst>
+                                    </p:anim>
+                                    <p:anim calcmode="lin" valueType="num">
+                                      <p:cBhvr>
+                                        <p:cTn id="51" dur="500" fill="hold"/>
+                                        <p:tgtEl>
+                                          <p:spTgt spid="24"/>
+                                        </p:tgtEl>
+                                        <p:attrNameLst>
+                                          <p:attrName>ppt_w</p:attrName>
+                                        </p:attrNameLst>
+                                      </p:cBhvr>
+                                      <p:tavLst>
+                                        <p:tav tm="0">
+                                          <p:val>
+                                            <p:fltVal val="0"/>
+                                          </p:val>
+                                        </p:tav>
+                                        <p:tav tm="100000">
+                                          <p:val>
+                                            <p:strVal val="#ppt_w"/>
+                                          </p:val>
+                                        </p:tav>
+                                      </p:tavLst>
+                                    </p:anim>
+                                    <p:anim calcmode="lin" valueType="num">
+                                      <p:cBhvr>
+                                        <p:cTn id="52" dur="500" fill="hold"/>
+                                        <p:tgtEl>
+                                          <p:spTgt spid="24"/>
+                                        </p:tgtEl>
+                                        <p:attrNameLst>
+                                          <p:attrName>ppt_h</p:attrName>
+                                        </p:attrNameLst>
+                                      </p:cBhvr>
+                                      <p:tavLst>
+                                        <p:tav tm="0">
+                                          <p:val>
+                                            <p:strVal val="#ppt_h"/>
+                                          </p:val>
+                                        </p:tav>
+                                        <p:tav tm="100000">
+                                          <p:val>
+                                            <p:strVal val="#ppt_h"/>
+                                          </p:val>
+                                        </p:tav>
+                                      </p:tavLst>
+                                    </p:anim>
+                                  </p:childTnLst>
+                                </p:cTn>
+                              </p:par>
+                              <p:par>
+                                <p:cTn id="53" presetID="10" presetClass="entr" presetSubtype="0" fill="hold" grpId="0" nodeType="withEffect">
+                                  <p:stCondLst>
+                                    <p:cond delay="4000"/>
+                                  </p:stCondLst>
+                                  <p:childTnLst>
+                                    <p:set>
+                                      <p:cBhvr>
+                                        <p:cTn id="54" dur="1" fill="hold">
+                                          <p:stCondLst>
+                                            <p:cond delay="0"/>
+                                          </p:stCondLst>
+                                        </p:cTn>
+                                        <p:tgtEl>
+                                          <p:spTgt spid="25"/>
+                                        </p:tgtEl>
+                                        <p:attrNameLst>
+                                          <p:attrName>style.visibility</p:attrName>
+                                        </p:attrNameLst>
+                                      </p:cBhvr>
+                                      <p:to>
+                                        <p:strVal val="visible"/>
+                                      </p:to>
+                                    </p:set>
+                                    <p:animEffect transition="in" filter="fade">
+                                      <p:cBhvr>
+                                        <p:cTn id="55" dur="3000"/>
+                                        <p:tgtEl>
+                                          <p:spTgt spid="25"/>
+                                        </p:tgtEl>
+                                      </p:cBhvr>
+                                    </p:animEffect>
+                                  </p:childTnLst>
+                                </p:cTn>
+                              </p:par>
+                            </p:childTnLst>
+                          </p:cTn>
+                        </p:par>
+                      </p:childTnLst>
+                    </p:cTn>
+                  </p:par>
+                </p:childTnLst>
+              </p:cTn>
+              <p:prevCondLst>
+                <p:cond evt="onPrev" delay="0">
+                  <p:tgtEl>
+                    <p:sldTgt/>
+                  </p:tgtEl>
+                </p:cond>
+              </p:prevCondLst>
+              <p:nextCondLst>
+                <p:cond evt="onNext" delay="0">
+                  <p:tgtEl>
+                    <p:sldTgt/>
+                  </p:tgtEl>
+                </p:cond>
+              </p:nextCondLst>
+            </p:seq>
+          </p:childTnLst>
+        </p:cTn>
+      </p:par>
+    </p:tnLst>
+    <p:bldLst>
+      <p:bldP spid="7" grpId="0"/>
+      <p:bldP spid="16" grpId="0"/>
+      <p:bldP spid="17" grpId="0" animBg="1"/>
+      <p:bldP spid="18" grpId="0" animBg="1"/>
+      <p:bldP spid="20" grpId="0" animBg="1"/>
+      <p:bldP spid="19" grpId="0"/>
+      <p:bldP spid="21" grpId="0"/>
+      <p:bldP spid="22" grpId="0" animBg="1"/>
+      <p:bldP spid="23" grpId="0"/>
+      <p:bldP spid="24" grpId="0" animBg="1"/>
+      <p:bldP spid="25" grpId="0"/>
+    </p:bldLst>
+  </p:timing>
+</p:sld>
+</file>
+
+<file path=ppt/slides/slide21.xml><?xml version="1.0" encoding="utf-8"?>
 <p:sld xmlns:a="http://schemas.openxmlformats.org/drawingml/2006/main" xmlns:r="http://schemas.openxmlformats.org/officeDocument/2006/relationships" xmlns:p="http://schemas.openxmlformats.org/presentationml/2006/main">
   <p:cSld>
     <p:spTree>
@@ -17268,7 +17572,7 @@
         <p:spPr>
           <a:xfrm>
             <a:off x="407366" y="1677365"/>
-            <a:ext cx="11377264" cy="1754326"/>
+            <a:ext cx="11377264" cy="2862322"/>
           </a:xfrm>
           <a:prstGeom prst="rect">
             <a:avLst/>
@@ -17287,6 +17591,30 @@
               </a:rPr>
               <a:t>In this module both the kernel and host code are modified to use 32-bit floating point data types(float) instead of the 64-bit floating point(double) to show the performance and Xilinx utilization beneficial impact of downsizing data types.</a:t>
             </a:r>
+          </a:p>
+          <a:p>
+            <a:endParaRPr lang="en-US" altLang="zh-TW" dirty="0">
+              <a:latin typeface="Times New Roman" panose="02020603050405020304" pitchFamily="18" charset="0"/>
+              <a:cs typeface="Times New Roman" panose="02020603050405020304" pitchFamily="18" charset="0"/>
+            </a:endParaRPr>
+          </a:p>
+          <a:p>
+            <a:endParaRPr lang="en-US" altLang="zh-TW" dirty="0">
+              <a:latin typeface="Times New Roman" panose="02020603050405020304" pitchFamily="18" charset="0"/>
+              <a:cs typeface="Times New Roman" panose="02020603050405020304" pitchFamily="18" charset="0"/>
+            </a:endParaRPr>
+          </a:p>
+          <a:p>
+            <a:endParaRPr lang="en-US" altLang="zh-TW" dirty="0">
+              <a:latin typeface="Times New Roman" panose="02020603050405020304" pitchFamily="18" charset="0"/>
+              <a:cs typeface="Times New Roman" panose="02020603050405020304" pitchFamily="18" charset="0"/>
+            </a:endParaRPr>
+          </a:p>
+          <a:p>
+            <a:endParaRPr lang="en-US" altLang="zh-TW" dirty="0">
+              <a:latin typeface="Times New Roman" panose="02020603050405020304" pitchFamily="18" charset="0"/>
+              <a:cs typeface="Times New Roman" panose="02020603050405020304" pitchFamily="18" charset="0"/>
+            </a:endParaRPr>
           </a:p>
           <a:p>
             <a:endParaRPr lang="en-US" altLang="zh-TW" dirty="0">
@@ -17428,13 +17756,13 @@
           <p:nvPr>
             <p:extLst>
               <p:ext uri="{D42A27DB-BD31-4B8C-83A1-F6EECF244321}">
-                <p14:modId xmlns:p14="http://schemas.microsoft.com/office/powerpoint/2010/main" val="937081448"/>
+                <p14:modId xmlns:p14="http://schemas.microsoft.com/office/powerpoint/2010/main" val="234759855"/>
               </p:ext>
             </p:extLst>
           </p:nvPr>
         </p:nvGraphicFramePr>
         <p:xfrm>
-          <a:off x="609598" y="3212976"/>
+          <a:off x="609598" y="4461891"/>
           <a:ext cx="10972800" cy="1158240"/>
         </p:xfrm>
         <a:graphic>
@@ -17958,7 +18286,7 @@
         </p:nvSpPr>
         <p:spPr>
           <a:xfrm>
-            <a:off x="465464" y="4665353"/>
+            <a:off x="407366" y="5722161"/>
             <a:ext cx="9906872" cy="369332"/>
           </a:xfrm>
           <a:prstGeom prst="rect">
@@ -17987,6 +18315,88 @@
               <a:ea typeface="新細明體" panose="02020500000000000000" pitchFamily="18" charset="-120"/>
               <a:cs typeface="Times New Roman" panose="02020603050405020304" pitchFamily="18" charset="0"/>
             </a:endParaRPr>
+          </a:p>
+        </p:txBody>
+      </p:sp>
+      <p:pic>
+        <p:nvPicPr>
+          <p:cNvPr id="3" name="圖片 2">
+            <a:extLst>
+              <a:ext uri="{FF2B5EF4-FFF2-40B4-BE49-F238E27FC236}">
+                <a16:creationId xmlns:a16="http://schemas.microsoft.com/office/drawing/2014/main" id="{4B30F330-6A84-44AA-901C-E6D0CCD8BCC1}"/>
+              </a:ext>
+            </a:extLst>
+          </p:cNvPr>
+          <p:cNvPicPr>
+            <a:picLocks noChangeAspect="1"/>
+          </p:cNvPicPr>
+          <p:nvPr/>
+        </p:nvPicPr>
+        <p:blipFill>
+          <a:blip r:embed="rId2"/>
+          <a:stretch>
+            <a:fillRect/>
+          </a:stretch>
+        </p:blipFill>
+        <p:spPr>
+          <a:xfrm>
+            <a:off x="1678875" y="2489462"/>
+            <a:ext cx="8834249" cy="888551"/>
+          </a:xfrm>
+          <a:prstGeom prst="rect">
+            <a:avLst/>
+          </a:prstGeom>
+        </p:spPr>
+      </p:pic>
+      <p:sp>
+        <p:nvSpPr>
+          <p:cNvPr id="5" name="橢圓 4">
+            <a:extLst>
+              <a:ext uri="{FF2B5EF4-FFF2-40B4-BE49-F238E27FC236}">
+                <a16:creationId xmlns:a16="http://schemas.microsoft.com/office/drawing/2014/main" id="{56AC6FE7-50AB-4AEC-9E52-623CEB09D691}"/>
+              </a:ext>
+            </a:extLst>
+          </p:cNvPr>
+          <p:cNvSpPr/>
+          <p:nvPr/>
+        </p:nvSpPr>
+        <p:spPr>
+          <a:xfrm>
+            <a:off x="7555527" y="2489461"/>
+            <a:ext cx="2304256" cy="888551"/>
+          </a:xfrm>
+          <a:prstGeom prst="ellipse">
+            <a:avLst/>
+          </a:prstGeom>
+          <a:noFill/>
+          <a:ln w="57150">
+            <a:solidFill>
+              <a:srgbClr val="FF0000"/>
+            </a:solidFill>
+          </a:ln>
+        </p:spPr>
+        <p:style>
+          <a:lnRef idx="2">
+            <a:schemeClr val="accent1">
+              <a:shade val="50000"/>
+            </a:schemeClr>
+          </a:lnRef>
+          <a:fillRef idx="1">
+            <a:schemeClr val="accent1"/>
+          </a:fillRef>
+          <a:effectRef idx="0">
+            <a:schemeClr val="accent1"/>
+          </a:effectRef>
+          <a:fontRef idx="minor">
+            <a:schemeClr val="lt1"/>
+          </a:fontRef>
+        </p:style>
+        <p:txBody>
+          <a:bodyPr rtlCol="0" anchor="ctr"/>
+          <a:lstStyle/>
+          <a:p>
+            <a:pPr algn="ctr"/>
+            <a:endParaRPr lang="zh-TW" altLang="en-US"/>
           </a:p>
         </p:txBody>
       </p:sp>
@@ -18425,7 +18835,7 @@
 </p:sld>
 </file>
 
-<file path=ppt/slides/slide21.xml><?xml version="1.0" encoding="utf-8"?>
+<file path=ppt/slides/slide22.xml><?xml version="1.0" encoding="utf-8"?>
 <p:sld xmlns:a="http://schemas.openxmlformats.org/drawingml/2006/main" xmlns:r="http://schemas.openxmlformats.org/officeDocument/2006/relationships" xmlns:p="http://schemas.openxmlformats.org/presentationml/2006/main">
   <p:cSld>
     <p:spTree>
@@ -19362,7 +19772,7 @@
 </p:sld>
 </file>
 
-<file path=ppt/slides/slide22.xml><?xml version="1.0" encoding="utf-8"?>
+<file path=ppt/slides/slide23.xml><?xml version="1.0" encoding="utf-8"?>
 <p:sld xmlns:a="http://schemas.openxmlformats.org/drawingml/2006/main" xmlns:r="http://schemas.openxmlformats.org/officeDocument/2006/relationships" xmlns:p="http://schemas.openxmlformats.org/presentationml/2006/main">
   <p:cSld>
     <p:spTree>
@@ -19913,7 +20323,7 @@
 </p:sld>
 </file>
 
-<file path=ppt/slides/slide23.xml><?xml version="1.0" encoding="utf-8"?>
+<file path=ppt/slides/slide24.xml><?xml version="1.0" encoding="utf-8"?>
 <p:sld xmlns:a="http://schemas.openxmlformats.org/drawingml/2006/main" xmlns:r="http://schemas.openxmlformats.org/officeDocument/2006/relationships" xmlns:p="http://schemas.openxmlformats.org/presentationml/2006/main">
   <p:cSld>
     <p:spTree>
@@ -21358,7 +21768,7 @@
 </p:sld>
 </file>
 
-<file path=ppt/slides/slide24.xml><?xml version="1.0" encoding="utf-8"?>
+<file path=ppt/slides/slide25.xml><?xml version="1.0" encoding="utf-8"?>
 <p:sld xmlns:a="http://schemas.openxmlformats.org/drawingml/2006/main" xmlns:r="http://schemas.openxmlformats.org/officeDocument/2006/relationships" xmlns:p="http://schemas.openxmlformats.org/presentationml/2006/main">
   <p:cSld>
     <p:spTree>
@@ -22151,7 +22561,7 @@
 </p:sld>
 </file>
 
-<file path=ppt/slides/slide25.xml><?xml version="1.0" encoding="utf-8"?>
+<file path=ppt/slides/slide26.xml><?xml version="1.0" encoding="utf-8"?>
 <p:sld xmlns:a="http://schemas.openxmlformats.org/drawingml/2006/main" xmlns:r="http://schemas.openxmlformats.org/officeDocument/2006/relationships" xmlns:p="http://schemas.openxmlformats.org/presentationml/2006/main">
   <p:cSld>
     <p:spTree>
@@ -23088,7 +23498,7 @@
 </p:sld>
 </file>
 
-<file path=ppt/slides/slide26.xml><?xml version="1.0" encoding="utf-8"?>
+<file path=ppt/slides/slide27.xml><?xml version="1.0" encoding="utf-8"?>
 <p:sld xmlns:a="http://schemas.openxmlformats.org/drawingml/2006/main" xmlns:r="http://schemas.openxmlformats.org/officeDocument/2006/relationships" xmlns:p="http://schemas.openxmlformats.org/presentationml/2006/main">
   <p:cSld>
     <p:spTree>
@@ -23639,7 +24049,7 @@
 </p:sld>
 </file>
 
-<file path=ppt/slides/slide27.xml><?xml version="1.0" encoding="utf-8"?>
+<file path=ppt/slides/slide28.xml><?xml version="1.0" encoding="utf-8"?>
 <p:sld xmlns:a="http://schemas.openxmlformats.org/drawingml/2006/main" xmlns:r="http://schemas.openxmlformats.org/officeDocument/2006/relationships" xmlns:p="http://schemas.openxmlformats.org/presentationml/2006/main">
   <p:cSld>
     <p:spTree>
@@ -24361,7 +24771,7 @@
 </p:sld>
 </file>
 
-<file path=ppt/slides/slide28.xml><?xml version="1.0" encoding="utf-8"?>
+<file path=ppt/slides/slide29.xml><?xml version="1.0" encoding="utf-8"?>
 <p:sld xmlns:a="http://schemas.openxmlformats.org/drawingml/2006/main" xmlns:r="http://schemas.openxmlformats.org/officeDocument/2006/relationships" xmlns:p="http://schemas.openxmlformats.org/presentationml/2006/main">
   <p:cSld>
     <p:spTree>
@@ -25264,964 +25674,6 @@
       </p:transition>
     </mc:Fallback>
   </mc:AlternateContent>
-  <p:timing>
-    <p:tnLst>
-      <p:par>
-        <p:cTn id="1" dur="indefinite" restart="never" nodeType="tmRoot">
-          <p:childTnLst>
-            <p:seq concurrent="1" nextAc="seek">
-              <p:cTn id="2" dur="indefinite" nodeType="mainSeq">
-                <p:childTnLst>
-                  <p:par>
-                    <p:cTn id="3" fill="hold">
-                      <p:stCondLst>
-                        <p:cond delay="indefinite"/>
-                        <p:cond evt="onBegin" delay="0">
-                          <p:tn val="2"/>
-                        </p:cond>
-                      </p:stCondLst>
-                      <p:childTnLst>
-                        <p:par>
-                          <p:cTn id="4" fill="hold">
-                            <p:stCondLst>
-                              <p:cond delay="0"/>
-                            </p:stCondLst>
-                            <p:childTnLst>
-                              <p:par>
-                                <p:cTn id="5" presetID="37" presetClass="entr" presetSubtype="0" fill="hold" grpId="0" nodeType="withEffect">
-                                  <p:stCondLst>
-                                    <p:cond delay="1500"/>
-                                  </p:stCondLst>
-                                  <p:iterate type="lt">
-                                    <p:tmPct val="5000"/>
-                                  </p:iterate>
-                                  <p:childTnLst>
-                                    <p:set>
-                                      <p:cBhvr>
-                                        <p:cTn id="6" dur="1" fill="hold">
-                                          <p:stCondLst>
-                                            <p:cond delay="0"/>
-                                          </p:stCondLst>
-                                        </p:cTn>
-                                        <p:tgtEl>
-                                          <p:spTgt spid="17"/>
-                                        </p:tgtEl>
-                                        <p:attrNameLst>
-                                          <p:attrName>style.visibility</p:attrName>
-                                        </p:attrNameLst>
-                                      </p:cBhvr>
-                                      <p:to>
-                                        <p:strVal val="visible"/>
-                                      </p:to>
-                                    </p:set>
-                                    <p:animEffect transition="in" filter="fade">
-                                      <p:cBhvr>
-                                        <p:cTn id="7" dur="500"/>
-                                        <p:tgtEl>
-                                          <p:spTgt spid="17"/>
-                                        </p:tgtEl>
-                                      </p:cBhvr>
-                                    </p:animEffect>
-                                    <p:anim calcmode="lin" valueType="num">
-                                      <p:cBhvr>
-                                        <p:cTn id="8" dur="500" fill="hold"/>
-                                        <p:tgtEl>
-                                          <p:spTgt spid="17"/>
-                                        </p:tgtEl>
-                                        <p:attrNameLst>
-                                          <p:attrName>ppt_x</p:attrName>
-                                        </p:attrNameLst>
-                                      </p:cBhvr>
-                                      <p:tavLst>
-                                        <p:tav tm="0">
-                                          <p:val>
-                                            <p:strVal val="#ppt_x"/>
-                                          </p:val>
-                                        </p:tav>
-                                        <p:tav tm="100000">
-                                          <p:val>
-                                            <p:strVal val="#ppt_x"/>
-                                          </p:val>
-                                        </p:tav>
-                                      </p:tavLst>
-                                    </p:anim>
-                                    <p:anim calcmode="lin" valueType="num">
-                                      <p:cBhvr>
-                                        <p:cTn id="9" dur="450" decel="100000" fill="hold"/>
-                                        <p:tgtEl>
-                                          <p:spTgt spid="17"/>
-                                        </p:tgtEl>
-                                        <p:attrNameLst>
-                                          <p:attrName>ppt_y</p:attrName>
-                                        </p:attrNameLst>
-                                      </p:cBhvr>
-                                      <p:tavLst>
-                                        <p:tav tm="0">
-                                          <p:val>
-                                            <p:strVal val="#ppt_y+1"/>
-                                          </p:val>
-                                        </p:tav>
-                                        <p:tav tm="100000">
-                                          <p:val>
-                                            <p:strVal val="#ppt_y-.03"/>
-                                          </p:val>
-                                        </p:tav>
-                                      </p:tavLst>
-                                    </p:anim>
-                                    <p:anim calcmode="lin" valueType="num">
-                                      <p:cBhvr>
-                                        <p:cTn id="10" dur="50" accel="100000" fill="hold">
-                                          <p:stCondLst>
-                                            <p:cond delay="450"/>
-                                          </p:stCondLst>
-                                        </p:cTn>
-                                        <p:tgtEl>
-                                          <p:spTgt spid="17"/>
-                                        </p:tgtEl>
-                                        <p:attrNameLst>
-                                          <p:attrName>ppt_y</p:attrName>
-                                        </p:attrNameLst>
-                                      </p:cBhvr>
-                                      <p:tavLst>
-                                        <p:tav tm="0">
-                                          <p:val>
-                                            <p:strVal val="#ppt_y-.03"/>
-                                          </p:val>
-                                        </p:tav>
-                                        <p:tav tm="100000">
-                                          <p:val>
-                                            <p:strVal val="#ppt_y"/>
-                                          </p:val>
-                                        </p:tav>
-                                      </p:tavLst>
-                                    </p:anim>
-                                  </p:childTnLst>
-                                </p:cTn>
-                              </p:par>
-                            </p:childTnLst>
-                          </p:cTn>
-                        </p:par>
-                      </p:childTnLst>
-                    </p:cTn>
-                  </p:par>
-                </p:childTnLst>
-              </p:cTn>
-              <p:prevCondLst>
-                <p:cond evt="onPrev" delay="0">
-                  <p:tgtEl>
-                    <p:sldTgt/>
-                  </p:tgtEl>
-                </p:cond>
-              </p:prevCondLst>
-              <p:nextCondLst>
-                <p:cond evt="onNext" delay="0">
-                  <p:tgtEl>
-                    <p:sldTgt/>
-                  </p:tgtEl>
-                </p:cond>
-              </p:nextCondLst>
-            </p:seq>
-          </p:childTnLst>
-        </p:cTn>
-      </p:par>
-    </p:tnLst>
-    <p:bldLst>
-      <p:bldP spid="17" grpId="0"/>
-    </p:bldLst>
-  </p:timing>
-</p:sld>
-</file>
-
-<file path=ppt/slides/slide29.xml><?xml version="1.0" encoding="utf-8"?>
-<p:sld xmlns:a="http://schemas.openxmlformats.org/drawingml/2006/main" xmlns:r="http://schemas.openxmlformats.org/officeDocument/2006/relationships" xmlns:p="http://schemas.openxmlformats.org/presentationml/2006/main">
-  <p:cSld>
-    <p:spTree>
-      <p:nvGrpSpPr>
-        <p:cNvPr id="1" name=""/>
-        <p:cNvGrpSpPr/>
-        <p:nvPr/>
-      </p:nvGrpSpPr>
-      <p:grpSpPr>
-        <a:xfrm>
-          <a:off x="0" y="0"/>
-          <a:ext cx="0" cy="0"/>
-          <a:chOff x="0" y="0"/>
-          <a:chExt cx="0" cy="0"/>
-        </a:xfrm>
-      </p:grpSpPr>
-      <p:pic>
-        <p:nvPicPr>
-          <p:cNvPr id="4" name="图片 3"/>
-          <p:cNvPicPr>
-            <a:picLocks noChangeAspect="1"/>
-          </p:cNvPicPr>
-          <p:nvPr/>
-        </p:nvPicPr>
-        <p:blipFill rotWithShape="1">
-          <a:blip r:embed="rId2" cstate="print">
-            <a:extLst>
-              <a:ext uri="{28A0092B-C50C-407E-A947-70E740481C1C}">
-                <a14:useLocalDpi xmlns:a14="http://schemas.microsoft.com/office/drawing/2010/main" val="0"/>
-              </a:ext>
-            </a:extLst>
-          </a:blip>
-          <a:srcRect t="7537" b="7537"/>
-          <a:stretch/>
-        </p:blipFill>
-        <p:spPr>
-          <a:xfrm>
-            <a:off x="0" y="0"/>
-            <a:ext cx="12192000" cy="6858000"/>
-          </a:xfrm>
-          <a:prstGeom prst="rect">
-            <a:avLst/>
-          </a:prstGeom>
-        </p:spPr>
-      </p:pic>
-      <p:sp>
-        <p:nvSpPr>
-          <p:cNvPr id="5" name="平行四边形 4"/>
-          <p:cNvSpPr/>
-          <p:nvPr/>
-        </p:nvSpPr>
-        <p:spPr>
-          <a:xfrm>
-            <a:off x="1864008" y="0"/>
-            <a:ext cx="8712968" cy="6858000"/>
-          </a:xfrm>
-          <a:prstGeom prst="parallelogram">
-            <a:avLst>
-              <a:gd name="adj" fmla="val 26721"/>
-            </a:avLst>
-          </a:prstGeom>
-          <a:solidFill>
-            <a:schemeClr val="bg1">
-              <a:lumMod val="95000"/>
-              <a:alpha val="60000"/>
-            </a:schemeClr>
-          </a:solidFill>
-          <a:ln>
-            <a:noFill/>
-          </a:ln>
-        </p:spPr>
-        <p:style>
-          <a:lnRef idx="2">
-            <a:schemeClr val="accent1">
-              <a:shade val="50000"/>
-            </a:schemeClr>
-          </a:lnRef>
-          <a:fillRef idx="1">
-            <a:schemeClr val="accent1"/>
-          </a:fillRef>
-          <a:effectRef idx="0">
-            <a:schemeClr val="accent1"/>
-          </a:effectRef>
-          <a:fontRef idx="minor">
-            <a:schemeClr val="lt1"/>
-          </a:fontRef>
-        </p:style>
-        <p:txBody>
-          <a:bodyPr rtlCol="0" anchor="ctr"/>
-          <a:lstStyle/>
-          <a:p>
-            <a:pPr algn="ctr"/>
-            <a:endParaRPr lang="zh-CN" altLang="en-US"/>
-          </a:p>
-        </p:txBody>
-      </p:sp>
-      <p:sp>
-        <p:nvSpPr>
-          <p:cNvPr id="6" name="文本框 5"/>
-          <p:cNvSpPr txBox="1"/>
-          <p:nvPr/>
-        </p:nvSpPr>
-        <p:spPr>
-          <a:xfrm>
-            <a:off x="4131360" y="2309971"/>
-            <a:ext cx="3929281" cy="1200329"/>
-          </a:xfrm>
-          <a:prstGeom prst="rect">
-            <a:avLst/>
-          </a:prstGeom>
-          <a:noFill/>
-        </p:spPr>
-        <p:txBody>
-          <a:bodyPr wrap="none" rtlCol="0">
-            <a:spAutoFit/>
-          </a:bodyPr>
-          <a:lstStyle/>
-          <a:p>
-            <a:pPr algn="ctr"/>
-            <a:r>
-              <a:rPr lang="en-US" altLang="zh-CN" sz="7200" dirty="0">
-                <a:solidFill>
-                  <a:srgbClr val="53575A"/>
-                </a:solidFill>
-                <a:latin typeface="Arial" panose="020B0604020202020204" pitchFamily="34" charset="0"/>
-                <a:ea typeface="微软雅黑" panose="020B0503020204020204" pitchFamily="34" charset="-122"/>
-                <a:cs typeface="Arial" panose="020B0604020202020204" pitchFamily="34" charset="0"/>
-              </a:rPr>
-              <a:t>THANKS</a:t>
-            </a:r>
-            <a:endParaRPr lang="zh-CN" altLang="en-US" sz="7200" dirty="0">
-              <a:solidFill>
-                <a:srgbClr val="53575A"/>
-              </a:solidFill>
-              <a:latin typeface="Arial" panose="020B0604020202020204" pitchFamily="34" charset="0"/>
-              <a:ea typeface="微软雅黑" panose="020B0503020204020204" pitchFamily="34" charset="-122"/>
-              <a:cs typeface="Arial" panose="020B0604020202020204" pitchFamily="34" charset="0"/>
-            </a:endParaRPr>
-          </a:p>
-        </p:txBody>
-      </p:sp>
-      <p:sp>
-        <p:nvSpPr>
-          <p:cNvPr id="7" name="矩形 6"/>
-          <p:cNvSpPr/>
-          <p:nvPr/>
-        </p:nvSpPr>
-        <p:spPr>
-          <a:xfrm>
-            <a:off x="5172063" y="3582308"/>
-            <a:ext cx="1847875" cy="144016"/>
-          </a:xfrm>
-          <a:prstGeom prst="rect">
-            <a:avLst/>
-          </a:prstGeom>
-          <a:solidFill>
-            <a:srgbClr val="53575A"/>
-          </a:solidFill>
-          <a:ln>
-            <a:noFill/>
-          </a:ln>
-        </p:spPr>
-        <p:style>
-          <a:lnRef idx="2">
-            <a:schemeClr val="accent1">
-              <a:shade val="50000"/>
-            </a:schemeClr>
-          </a:lnRef>
-          <a:fillRef idx="1">
-            <a:schemeClr val="accent1"/>
-          </a:fillRef>
-          <a:effectRef idx="0">
-            <a:schemeClr val="accent1"/>
-          </a:effectRef>
-          <a:fontRef idx="minor">
-            <a:schemeClr val="lt1"/>
-          </a:fontRef>
-        </p:style>
-        <p:txBody>
-          <a:bodyPr rtlCol="0" anchor="ctr"/>
-          <a:lstStyle/>
-          <a:p>
-            <a:pPr algn="ctr"/>
-            <a:endParaRPr lang="zh-CN" altLang="en-US" dirty="0"/>
-          </a:p>
-        </p:txBody>
-      </p:sp>
-      <p:sp>
-        <p:nvSpPr>
-          <p:cNvPr id="8" name="矩形 7"/>
-          <p:cNvSpPr/>
-          <p:nvPr/>
-        </p:nvSpPr>
-        <p:spPr>
-          <a:xfrm>
-            <a:off x="4811042" y="4067780"/>
-            <a:ext cx="2569934" cy="369332"/>
-          </a:xfrm>
-          <a:prstGeom prst="rect">
-            <a:avLst/>
-          </a:prstGeom>
-        </p:spPr>
-        <p:txBody>
-          <a:bodyPr wrap="none">
-            <a:spAutoFit/>
-          </a:bodyPr>
-          <a:lstStyle/>
-          <a:p>
-            <a:pPr algn="ctr"/>
-            <a:r>
-              <a:rPr lang="en-US" altLang="zh-CN" dirty="0">
-                <a:solidFill>
-                  <a:schemeClr val="tx1">
-                    <a:lumMod val="50000"/>
-                    <a:lumOff val="50000"/>
-                  </a:schemeClr>
-                </a:solidFill>
-                <a:latin typeface="Arial" panose="020B0604020202020204" pitchFamily="34" charset="0"/>
-                <a:cs typeface="Arial" panose="020B0604020202020204" pitchFamily="34" charset="0"/>
-              </a:rPr>
-              <a:t>Thank you for watching</a:t>
-            </a:r>
-            <a:endParaRPr lang="zh-CN" altLang="en-US" dirty="0">
-              <a:solidFill>
-                <a:schemeClr val="tx1">
-                  <a:lumMod val="50000"/>
-                  <a:lumOff val="50000"/>
-                </a:schemeClr>
-              </a:solidFill>
-              <a:latin typeface="Arial" panose="020B0604020202020204" pitchFamily="34" charset="0"/>
-              <a:cs typeface="Arial" panose="020B0604020202020204" pitchFamily="34" charset="0"/>
-            </a:endParaRPr>
-          </a:p>
-        </p:txBody>
-      </p:sp>
-      <p:pic>
-        <p:nvPicPr>
-          <p:cNvPr id="10" name="图片 9"/>
-          <p:cNvPicPr>
-            <a:picLocks noChangeAspect="1"/>
-          </p:cNvPicPr>
-          <p:nvPr/>
-        </p:nvPicPr>
-        <p:blipFill>
-          <a:blip r:embed="rId3" cstate="print">
-            <a:extLst>
-              <a:ext uri="{28A0092B-C50C-407E-A947-70E740481C1C}">
-                <a14:useLocalDpi xmlns:a14="http://schemas.microsoft.com/office/drawing/2010/main" val="0"/>
-              </a:ext>
-            </a:extLst>
-          </a:blip>
-          <a:stretch>
-            <a:fillRect/>
-          </a:stretch>
-        </p:blipFill>
-        <p:spPr>
-          <a:xfrm>
-            <a:off x="5609353" y="1336678"/>
-            <a:ext cx="973293" cy="973293"/>
-          </a:xfrm>
-          <a:prstGeom prst="rect">
-            <a:avLst/>
-          </a:prstGeom>
-        </p:spPr>
-      </p:pic>
-    </p:spTree>
-    <p:extLst>
-      <p:ext uri="{BB962C8B-B14F-4D97-AF65-F5344CB8AC3E}">
-        <p14:creationId xmlns:p14="http://schemas.microsoft.com/office/powerpoint/2010/main" val="133335949"/>
-      </p:ext>
-    </p:extLst>
-  </p:cSld>
-  <p:clrMapOvr>
-    <a:masterClrMapping/>
-  </p:clrMapOvr>
-  <mc:AlternateContent xmlns:mc="http://schemas.openxmlformats.org/markup-compatibility/2006" xmlns:p14="http://schemas.microsoft.com/office/powerpoint/2010/main">
-    <mc:Choice Requires="p14">
-      <p:transition spd="med" p14:dur="700">
-        <p:fade/>
-      </p:transition>
-    </mc:Choice>
-    <mc:Fallback xmlns="">
-      <p:transition spd="med">
-        <p:fade/>
-      </p:transition>
-    </mc:Fallback>
-  </mc:AlternateContent>
-  <p:timing>
-    <p:tnLst>
-      <p:par>
-        <p:cTn id="1" dur="indefinite" restart="never" nodeType="tmRoot">
-          <p:childTnLst>
-            <p:seq concurrent="1" nextAc="seek">
-              <p:cTn id="2" dur="indefinite" nodeType="mainSeq">
-                <p:childTnLst>
-                  <p:par>
-                    <p:cTn id="3" fill="hold">
-                      <p:stCondLst>
-                        <p:cond delay="indefinite"/>
-                        <p:cond evt="onBegin" delay="0">
-                          <p:tn val="2"/>
-                        </p:cond>
-                      </p:stCondLst>
-                      <p:childTnLst>
-                        <p:par>
-                          <p:cTn id="4" fill="hold">
-                            <p:stCondLst>
-                              <p:cond delay="0"/>
-                            </p:stCondLst>
-                            <p:childTnLst>
-                              <p:par>
-                                <p:cTn id="5" presetID="10" presetClass="entr" presetSubtype="0" fill="hold" nodeType="withEffect">
-                                  <p:stCondLst>
-                                    <p:cond delay="0"/>
-                                  </p:stCondLst>
-                                  <p:childTnLst>
-                                    <p:set>
-                                      <p:cBhvr>
-                                        <p:cTn id="6" dur="1" fill="hold">
-                                          <p:stCondLst>
-                                            <p:cond delay="0"/>
-                                          </p:stCondLst>
-                                        </p:cTn>
-                                        <p:tgtEl>
-                                          <p:spTgt spid="4"/>
-                                        </p:tgtEl>
-                                        <p:attrNameLst>
-                                          <p:attrName>style.visibility</p:attrName>
-                                        </p:attrNameLst>
-                                      </p:cBhvr>
-                                      <p:to>
-                                        <p:strVal val="visible"/>
-                                      </p:to>
-                                    </p:set>
-                                    <p:animEffect transition="in" filter="fade">
-                                      <p:cBhvr>
-                                        <p:cTn id="7" dur="1000"/>
-                                        <p:tgtEl>
-                                          <p:spTgt spid="4"/>
-                                        </p:tgtEl>
-                                      </p:cBhvr>
-                                    </p:animEffect>
-                                  </p:childTnLst>
-                                </p:cTn>
-                              </p:par>
-                            </p:childTnLst>
-                          </p:cTn>
-                        </p:par>
-                        <p:par>
-                          <p:cTn id="8" fill="hold">
-                            <p:stCondLst>
-                              <p:cond delay="1000"/>
-                            </p:stCondLst>
-                            <p:childTnLst>
-                              <p:par>
-                                <p:cTn id="9" presetID="6" presetClass="emph" presetSubtype="0" decel="100000" fill="hold" nodeType="afterEffect">
-                                  <p:stCondLst>
-                                    <p:cond delay="0"/>
-                                  </p:stCondLst>
-                                  <p:childTnLst>
-                                    <p:animScale>
-                                      <p:cBhvr>
-                                        <p:cTn id="10" dur="5000" fill="hold"/>
-                                        <p:tgtEl>
-                                          <p:spTgt spid="4"/>
-                                        </p:tgtEl>
-                                      </p:cBhvr>
-                                      <p:by x="115000" y="115000"/>
-                                    </p:animScale>
-                                  </p:childTnLst>
-                                </p:cTn>
-                              </p:par>
-                              <p:par>
-                                <p:cTn id="11" presetID="17" presetClass="entr" presetSubtype="10" fill="hold" grpId="0" nodeType="withEffect">
-                                  <p:stCondLst>
-                                    <p:cond delay="500"/>
-                                  </p:stCondLst>
-                                  <p:childTnLst>
-                                    <p:set>
-                                      <p:cBhvr>
-                                        <p:cTn id="12" dur="1" fill="hold">
-                                          <p:stCondLst>
-                                            <p:cond delay="0"/>
-                                          </p:stCondLst>
-                                        </p:cTn>
-                                        <p:tgtEl>
-                                          <p:spTgt spid="5"/>
-                                        </p:tgtEl>
-                                        <p:attrNameLst>
-                                          <p:attrName>style.visibility</p:attrName>
-                                        </p:attrNameLst>
-                                      </p:cBhvr>
-                                      <p:to>
-                                        <p:strVal val="visible"/>
-                                      </p:to>
-                                    </p:set>
-                                    <p:anim calcmode="lin" valueType="num">
-                                      <p:cBhvr>
-                                        <p:cTn id="13" dur="500" fill="hold"/>
-                                        <p:tgtEl>
-                                          <p:spTgt spid="5"/>
-                                        </p:tgtEl>
-                                        <p:attrNameLst>
-                                          <p:attrName>ppt_w</p:attrName>
-                                        </p:attrNameLst>
-                                      </p:cBhvr>
-                                      <p:tavLst>
-                                        <p:tav tm="0">
-                                          <p:val>
-                                            <p:fltVal val="0"/>
-                                          </p:val>
-                                        </p:tav>
-                                        <p:tav tm="100000">
-                                          <p:val>
-                                            <p:strVal val="#ppt_w"/>
-                                          </p:val>
-                                        </p:tav>
-                                      </p:tavLst>
-                                    </p:anim>
-                                    <p:anim calcmode="lin" valueType="num">
-                                      <p:cBhvr>
-                                        <p:cTn id="14" dur="500" fill="hold"/>
-                                        <p:tgtEl>
-                                          <p:spTgt spid="5"/>
-                                        </p:tgtEl>
-                                        <p:attrNameLst>
-                                          <p:attrName>ppt_h</p:attrName>
-                                        </p:attrNameLst>
-                                      </p:cBhvr>
-                                      <p:tavLst>
-                                        <p:tav tm="0">
-                                          <p:val>
-                                            <p:strVal val="#ppt_h"/>
-                                          </p:val>
-                                        </p:tav>
-                                        <p:tav tm="100000">
-                                          <p:val>
-                                            <p:strVal val="#ppt_h"/>
-                                          </p:val>
-                                        </p:tav>
-                                      </p:tavLst>
-                                    </p:anim>
-                                  </p:childTnLst>
-                                </p:cTn>
-                              </p:par>
-                              <p:par>
-                                <p:cTn id="15" presetID="2" presetClass="entr" presetSubtype="6" fill="hold" nodeType="withEffect">
-                                  <p:stCondLst>
-                                    <p:cond delay="1500"/>
-                                  </p:stCondLst>
-                                  <p:childTnLst>
-                                    <p:set>
-                                      <p:cBhvr>
-                                        <p:cTn id="16" dur="1" fill="hold">
-                                          <p:stCondLst>
-                                            <p:cond delay="0"/>
-                                          </p:stCondLst>
-                                        </p:cTn>
-                                        <p:tgtEl>
-                                          <p:spTgt spid="10"/>
-                                        </p:tgtEl>
-                                        <p:attrNameLst>
-                                          <p:attrName>style.visibility</p:attrName>
-                                        </p:attrNameLst>
-                                      </p:cBhvr>
-                                      <p:to>
-                                        <p:strVal val="visible"/>
-                                      </p:to>
-                                    </p:set>
-                                    <p:anim calcmode="lin" valueType="num">
-                                      <p:cBhvr additive="base">
-                                        <p:cTn id="17" dur="1000" fill="hold"/>
-                                        <p:tgtEl>
-                                          <p:spTgt spid="10"/>
-                                        </p:tgtEl>
-                                        <p:attrNameLst>
-                                          <p:attrName>ppt_x</p:attrName>
-                                        </p:attrNameLst>
-                                      </p:cBhvr>
-                                      <p:tavLst>
-                                        <p:tav tm="0">
-                                          <p:val>
-                                            <p:strVal val="1+#ppt_w/2"/>
-                                          </p:val>
-                                        </p:tav>
-                                        <p:tav tm="100000">
-                                          <p:val>
-                                            <p:strVal val="#ppt_x"/>
-                                          </p:val>
-                                        </p:tav>
-                                      </p:tavLst>
-                                    </p:anim>
-                                    <p:anim calcmode="lin" valueType="num">
-                                      <p:cBhvr additive="base">
-                                        <p:cTn id="18" dur="1000" fill="hold"/>
-                                        <p:tgtEl>
-                                          <p:spTgt spid="10"/>
-                                        </p:tgtEl>
-                                        <p:attrNameLst>
-                                          <p:attrName>ppt_y</p:attrName>
-                                        </p:attrNameLst>
-                                      </p:cBhvr>
-                                      <p:tavLst>
-                                        <p:tav tm="0">
-                                          <p:val>
-                                            <p:strVal val="1+#ppt_h/2"/>
-                                          </p:val>
-                                        </p:tav>
-                                        <p:tav tm="100000">
-                                          <p:val>
-                                            <p:strVal val="#ppt_y"/>
-                                          </p:val>
-                                        </p:tav>
-                                      </p:tavLst>
-                                    </p:anim>
-                                  </p:childTnLst>
-                                </p:cTn>
-                              </p:par>
-                              <p:par>
-                                <p:cTn id="19" presetID="2" presetClass="entr" presetSubtype="2" decel="100000" fill="hold" grpId="0" nodeType="withEffect">
-                                  <p:stCondLst>
-                                    <p:cond delay="1500"/>
-                                  </p:stCondLst>
-                                  <p:iterate type="lt">
-                                    <p:tmPct val="10000"/>
-                                  </p:iterate>
-                                  <p:childTnLst>
-                                    <p:set>
-                                      <p:cBhvr>
-                                        <p:cTn id="20" dur="1" fill="hold">
-                                          <p:stCondLst>
-                                            <p:cond delay="0"/>
-                                          </p:stCondLst>
-                                        </p:cTn>
-                                        <p:tgtEl>
-                                          <p:spTgt spid="6">
-                                            <p:txEl>
-                                              <p:pRg st="0" end="0"/>
-                                            </p:txEl>
-                                          </p:spTgt>
-                                        </p:tgtEl>
-                                        <p:attrNameLst>
-                                          <p:attrName>style.visibility</p:attrName>
-                                        </p:attrNameLst>
-                                      </p:cBhvr>
-                                      <p:to>
-                                        <p:strVal val="visible"/>
-                                      </p:to>
-                                    </p:set>
-                                    <p:anim calcmode="lin" valueType="num">
-                                      <p:cBhvr additive="base">
-                                        <p:cTn id="21" dur="1000" fill="hold"/>
-                                        <p:tgtEl>
-                                          <p:spTgt spid="6">
-                                            <p:txEl>
-                                              <p:pRg st="0" end="0"/>
-                                            </p:txEl>
-                                          </p:spTgt>
-                                        </p:tgtEl>
-                                        <p:attrNameLst>
-                                          <p:attrName>ppt_x</p:attrName>
-                                        </p:attrNameLst>
-                                      </p:cBhvr>
-                                      <p:tavLst>
-                                        <p:tav tm="0">
-                                          <p:val>
-                                            <p:strVal val="1+#ppt_w/2"/>
-                                          </p:val>
-                                        </p:tav>
-                                        <p:tav tm="100000">
-                                          <p:val>
-                                            <p:strVal val="#ppt_x"/>
-                                          </p:val>
-                                        </p:tav>
-                                      </p:tavLst>
-                                    </p:anim>
-                                    <p:anim calcmode="lin" valueType="num">
-                                      <p:cBhvr additive="base">
-                                        <p:cTn id="22" dur="1000" fill="hold"/>
-                                        <p:tgtEl>
-                                          <p:spTgt spid="6">
-                                            <p:txEl>
-                                              <p:pRg st="0" end="0"/>
-                                            </p:txEl>
-                                          </p:spTgt>
-                                        </p:tgtEl>
-                                        <p:attrNameLst>
-                                          <p:attrName>ppt_y</p:attrName>
-                                        </p:attrNameLst>
-                                      </p:cBhvr>
-                                      <p:tavLst>
-                                        <p:tav tm="0">
-                                          <p:val>
-                                            <p:strVal val="#ppt_y"/>
-                                          </p:val>
-                                        </p:tav>
-                                        <p:tav tm="100000">
-                                          <p:val>
-                                            <p:strVal val="#ppt_y"/>
-                                          </p:val>
-                                        </p:tav>
-                                      </p:tavLst>
-                                    </p:anim>
-                                  </p:childTnLst>
-                                </p:cTn>
-                              </p:par>
-                              <p:par>
-                                <p:cTn id="23" presetID="2" presetClass="entr" presetSubtype="2" fill="hold" grpId="0" nodeType="withEffect">
-                                  <p:stCondLst>
-                                    <p:cond delay="1500"/>
-                                  </p:stCondLst>
-                                  <p:childTnLst>
-                                    <p:set>
-                                      <p:cBhvr>
-                                        <p:cTn id="24" dur="1" fill="hold">
-                                          <p:stCondLst>
-                                            <p:cond delay="0"/>
-                                          </p:stCondLst>
-                                        </p:cTn>
-                                        <p:tgtEl>
-                                          <p:spTgt spid="7"/>
-                                        </p:tgtEl>
-                                        <p:attrNameLst>
-                                          <p:attrName>style.visibility</p:attrName>
-                                        </p:attrNameLst>
-                                      </p:cBhvr>
-                                      <p:to>
-                                        <p:strVal val="visible"/>
-                                      </p:to>
-                                    </p:set>
-                                    <p:anim calcmode="lin" valueType="num">
-                                      <p:cBhvr additive="base">
-                                        <p:cTn id="25" dur="1000" fill="hold"/>
-                                        <p:tgtEl>
-                                          <p:spTgt spid="7"/>
-                                        </p:tgtEl>
-                                        <p:attrNameLst>
-                                          <p:attrName>ppt_x</p:attrName>
-                                        </p:attrNameLst>
-                                      </p:cBhvr>
-                                      <p:tavLst>
-                                        <p:tav tm="0">
-                                          <p:val>
-                                            <p:strVal val="1+#ppt_w/2"/>
-                                          </p:val>
-                                        </p:tav>
-                                        <p:tav tm="100000">
-                                          <p:val>
-                                            <p:strVal val="#ppt_x"/>
-                                          </p:val>
-                                        </p:tav>
-                                      </p:tavLst>
-                                    </p:anim>
-                                    <p:anim calcmode="lin" valueType="num">
-                                      <p:cBhvr additive="base">
-                                        <p:cTn id="26" dur="1000" fill="hold"/>
-                                        <p:tgtEl>
-                                          <p:spTgt spid="7"/>
-                                        </p:tgtEl>
-                                        <p:attrNameLst>
-                                          <p:attrName>ppt_y</p:attrName>
-                                        </p:attrNameLst>
-                                      </p:cBhvr>
-                                      <p:tavLst>
-                                        <p:tav tm="0">
-                                          <p:val>
-                                            <p:strVal val="#ppt_y"/>
-                                          </p:val>
-                                        </p:tav>
-                                        <p:tav tm="100000">
-                                          <p:val>
-                                            <p:strVal val="#ppt_y"/>
-                                          </p:val>
-                                        </p:tav>
-                                      </p:tavLst>
-                                    </p:anim>
-                                  </p:childTnLst>
-                                </p:cTn>
-                              </p:par>
-                              <p:par>
-                                <p:cTn id="27" presetID="2" presetClass="entr" presetSubtype="2" decel="100000" fill="hold" grpId="0" nodeType="withEffect">
-                                  <p:stCondLst>
-                                    <p:cond delay="2000"/>
-                                  </p:stCondLst>
-                                  <p:iterate type="lt">
-                                    <p:tmPct val="10000"/>
-                                  </p:iterate>
-                                  <p:childTnLst>
-                                    <p:set>
-                                      <p:cBhvr>
-                                        <p:cTn id="28" dur="1" fill="hold">
-                                          <p:stCondLst>
-                                            <p:cond delay="0"/>
-                                          </p:stCondLst>
-                                        </p:cTn>
-                                        <p:tgtEl>
-                                          <p:spTgt spid="8"/>
-                                        </p:tgtEl>
-                                        <p:attrNameLst>
-                                          <p:attrName>style.visibility</p:attrName>
-                                        </p:attrNameLst>
-                                      </p:cBhvr>
-                                      <p:to>
-                                        <p:strVal val="visible"/>
-                                      </p:to>
-                                    </p:set>
-                                    <p:anim calcmode="lin" valueType="num">
-                                      <p:cBhvr additive="base">
-                                        <p:cTn id="29" dur="500" fill="hold"/>
-                                        <p:tgtEl>
-                                          <p:spTgt spid="8"/>
-                                        </p:tgtEl>
-                                        <p:attrNameLst>
-                                          <p:attrName>ppt_x</p:attrName>
-                                        </p:attrNameLst>
-                                      </p:cBhvr>
-                                      <p:tavLst>
-                                        <p:tav tm="0">
-                                          <p:val>
-                                            <p:strVal val="1+#ppt_w/2"/>
-                                          </p:val>
-                                        </p:tav>
-                                        <p:tav tm="100000">
-                                          <p:val>
-                                            <p:strVal val="#ppt_x"/>
-                                          </p:val>
-                                        </p:tav>
-                                      </p:tavLst>
-                                    </p:anim>
-                                    <p:anim calcmode="lin" valueType="num">
-                                      <p:cBhvr additive="base">
-                                        <p:cTn id="30" dur="500" fill="hold"/>
-                                        <p:tgtEl>
-                                          <p:spTgt spid="8"/>
-                                        </p:tgtEl>
-                                        <p:attrNameLst>
-                                          <p:attrName>ppt_y</p:attrName>
-                                        </p:attrNameLst>
-                                      </p:cBhvr>
-                                      <p:tavLst>
-                                        <p:tav tm="0">
-                                          <p:val>
-                                            <p:strVal val="#ppt_y"/>
-                                          </p:val>
-                                        </p:tav>
-                                        <p:tav tm="100000">
-                                          <p:val>
-                                            <p:strVal val="#ppt_y"/>
-                                          </p:val>
-                                        </p:tav>
-                                      </p:tavLst>
-                                    </p:anim>
-                                  </p:childTnLst>
-                                </p:cTn>
-                              </p:par>
-                            </p:childTnLst>
-                          </p:cTn>
-                        </p:par>
-                      </p:childTnLst>
-                    </p:cTn>
-                  </p:par>
-                </p:childTnLst>
-              </p:cTn>
-              <p:prevCondLst>
-                <p:cond evt="onPrev" delay="0">
-                  <p:tgtEl>
-                    <p:sldTgt/>
-                  </p:tgtEl>
-                </p:cond>
-              </p:prevCondLst>
-              <p:nextCondLst>
-                <p:cond evt="onNext" delay="0">
-                  <p:tgtEl>
-                    <p:sldTgt/>
-                  </p:tgtEl>
-                </p:cond>
-              </p:nextCondLst>
-            </p:seq>
-          </p:childTnLst>
-        </p:cTn>
-      </p:par>
-    </p:tnLst>
-    <p:bldLst>
-      <p:bldP spid="5" grpId="0" animBg="1"/>
-      <p:bldP spid="6" grpId="0" build="p"/>
-      <p:bldP spid="7" grpId="0" animBg="1"/>
-      <p:bldP spid="8" grpId="0"/>
-    </p:bldLst>
-  </p:timing>
 </p:sld>
 </file>
 
@@ -27639,6 +27091,799 @@
       <p:bldP spid="25" grpId="0"/>
       <p:bldP spid="26" grpId="0"/>
       <p:bldP spid="27" grpId="0" animBg="1"/>
+    </p:bldLst>
+  </p:timing>
+</p:sld>
+</file>
+
+<file path=ppt/slides/slide30.xml><?xml version="1.0" encoding="utf-8"?>
+<p:sld xmlns:a="http://schemas.openxmlformats.org/drawingml/2006/main" xmlns:r="http://schemas.openxmlformats.org/officeDocument/2006/relationships" xmlns:p="http://schemas.openxmlformats.org/presentationml/2006/main">
+  <p:cSld>
+    <p:spTree>
+      <p:nvGrpSpPr>
+        <p:cNvPr id="1" name=""/>
+        <p:cNvGrpSpPr/>
+        <p:nvPr/>
+      </p:nvGrpSpPr>
+      <p:grpSpPr>
+        <a:xfrm>
+          <a:off x="0" y="0"/>
+          <a:ext cx="0" cy="0"/>
+          <a:chOff x="0" y="0"/>
+          <a:chExt cx="0" cy="0"/>
+        </a:xfrm>
+      </p:grpSpPr>
+      <p:pic>
+        <p:nvPicPr>
+          <p:cNvPr id="4" name="图片 3"/>
+          <p:cNvPicPr>
+            <a:picLocks noChangeAspect="1"/>
+          </p:cNvPicPr>
+          <p:nvPr/>
+        </p:nvPicPr>
+        <p:blipFill rotWithShape="1">
+          <a:blip r:embed="rId2" cstate="print">
+            <a:extLst>
+              <a:ext uri="{28A0092B-C50C-407E-A947-70E740481C1C}">
+                <a14:useLocalDpi xmlns:a14="http://schemas.microsoft.com/office/drawing/2010/main" val="0"/>
+              </a:ext>
+            </a:extLst>
+          </a:blip>
+          <a:srcRect t="7537" b="7537"/>
+          <a:stretch/>
+        </p:blipFill>
+        <p:spPr>
+          <a:xfrm>
+            <a:off x="0" y="0"/>
+            <a:ext cx="12192000" cy="6858000"/>
+          </a:xfrm>
+          <a:prstGeom prst="rect">
+            <a:avLst/>
+          </a:prstGeom>
+        </p:spPr>
+      </p:pic>
+      <p:sp>
+        <p:nvSpPr>
+          <p:cNvPr id="5" name="平行四边形 4"/>
+          <p:cNvSpPr/>
+          <p:nvPr/>
+        </p:nvSpPr>
+        <p:spPr>
+          <a:xfrm>
+            <a:off x="1864008" y="0"/>
+            <a:ext cx="8712968" cy="6858000"/>
+          </a:xfrm>
+          <a:prstGeom prst="parallelogram">
+            <a:avLst>
+              <a:gd name="adj" fmla="val 26721"/>
+            </a:avLst>
+          </a:prstGeom>
+          <a:solidFill>
+            <a:schemeClr val="bg1">
+              <a:lumMod val="95000"/>
+              <a:alpha val="60000"/>
+            </a:schemeClr>
+          </a:solidFill>
+          <a:ln>
+            <a:noFill/>
+          </a:ln>
+        </p:spPr>
+        <p:style>
+          <a:lnRef idx="2">
+            <a:schemeClr val="accent1">
+              <a:shade val="50000"/>
+            </a:schemeClr>
+          </a:lnRef>
+          <a:fillRef idx="1">
+            <a:schemeClr val="accent1"/>
+          </a:fillRef>
+          <a:effectRef idx="0">
+            <a:schemeClr val="accent1"/>
+          </a:effectRef>
+          <a:fontRef idx="minor">
+            <a:schemeClr val="lt1"/>
+          </a:fontRef>
+        </p:style>
+        <p:txBody>
+          <a:bodyPr rtlCol="0" anchor="ctr"/>
+          <a:lstStyle/>
+          <a:p>
+            <a:pPr algn="ctr"/>
+            <a:endParaRPr lang="zh-CN" altLang="en-US"/>
+          </a:p>
+        </p:txBody>
+      </p:sp>
+      <p:sp>
+        <p:nvSpPr>
+          <p:cNvPr id="6" name="文本框 5"/>
+          <p:cNvSpPr txBox="1"/>
+          <p:nvPr/>
+        </p:nvSpPr>
+        <p:spPr>
+          <a:xfrm>
+            <a:off x="4131360" y="2309971"/>
+            <a:ext cx="3929281" cy="1200329"/>
+          </a:xfrm>
+          <a:prstGeom prst="rect">
+            <a:avLst/>
+          </a:prstGeom>
+          <a:noFill/>
+        </p:spPr>
+        <p:txBody>
+          <a:bodyPr wrap="none" rtlCol="0">
+            <a:spAutoFit/>
+          </a:bodyPr>
+          <a:lstStyle/>
+          <a:p>
+            <a:pPr algn="ctr"/>
+            <a:r>
+              <a:rPr lang="en-US" altLang="zh-CN" sz="7200" dirty="0">
+                <a:solidFill>
+                  <a:srgbClr val="53575A"/>
+                </a:solidFill>
+                <a:latin typeface="Arial" panose="020B0604020202020204" pitchFamily="34" charset="0"/>
+                <a:ea typeface="微软雅黑" panose="020B0503020204020204" pitchFamily="34" charset="-122"/>
+                <a:cs typeface="Arial" panose="020B0604020202020204" pitchFamily="34" charset="0"/>
+              </a:rPr>
+              <a:t>THANKS</a:t>
+            </a:r>
+            <a:endParaRPr lang="zh-CN" altLang="en-US" sz="7200" dirty="0">
+              <a:solidFill>
+                <a:srgbClr val="53575A"/>
+              </a:solidFill>
+              <a:latin typeface="Arial" panose="020B0604020202020204" pitchFamily="34" charset="0"/>
+              <a:ea typeface="微软雅黑" panose="020B0503020204020204" pitchFamily="34" charset="-122"/>
+              <a:cs typeface="Arial" panose="020B0604020202020204" pitchFamily="34" charset="0"/>
+            </a:endParaRPr>
+          </a:p>
+        </p:txBody>
+      </p:sp>
+      <p:sp>
+        <p:nvSpPr>
+          <p:cNvPr id="7" name="矩形 6"/>
+          <p:cNvSpPr/>
+          <p:nvPr/>
+        </p:nvSpPr>
+        <p:spPr>
+          <a:xfrm>
+            <a:off x="5172063" y="3582308"/>
+            <a:ext cx="1847875" cy="144016"/>
+          </a:xfrm>
+          <a:prstGeom prst="rect">
+            <a:avLst/>
+          </a:prstGeom>
+          <a:solidFill>
+            <a:srgbClr val="53575A"/>
+          </a:solidFill>
+          <a:ln>
+            <a:noFill/>
+          </a:ln>
+        </p:spPr>
+        <p:style>
+          <a:lnRef idx="2">
+            <a:schemeClr val="accent1">
+              <a:shade val="50000"/>
+            </a:schemeClr>
+          </a:lnRef>
+          <a:fillRef idx="1">
+            <a:schemeClr val="accent1"/>
+          </a:fillRef>
+          <a:effectRef idx="0">
+            <a:schemeClr val="accent1"/>
+          </a:effectRef>
+          <a:fontRef idx="minor">
+            <a:schemeClr val="lt1"/>
+          </a:fontRef>
+        </p:style>
+        <p:txBody>
+          <a:bodyPr rtlCol="0" anchor="ctr"/>
+          <a:lstStyle/>
+          <a:p>
+            <a:pPr algn="ctr"/>
+            <a:endParaRPr lang="zh-CN" altLang="en-US" dirty="0"/>
+          </a:p>
+        </p:txBody>
+      </p:sp>
+      <p:sp>
+        <p:nvSpPr>
+          <p:cNvPr id="8" name="矩形 7"/>
+          <p:cNvSpPr/>
+          <p:nvPr/>
+        </p:nvSpPr>
+        <p:spPr>
+          <a:xfrm>
+            <a:off x="4811042" y="4067780"/>
+            <a:ext cx="2569934" cy="369332"/>
+          </a:xfrm>
+          <a:prstGeom prst="rect">
+            <a:avLst/>
+          </a:prstGeom>
+        </p:spPr>
+        <p:txBody>
+          <a:bodyPr wrap="none">
+            <a:spAutoFit/>
+          </a:bodyPr>
+          <a:lstStyle/>
+          <a:p>
+            <a:pPr algn="ctr"/>
+            <a:r>
+              <a:rPr lang="en-US" altLang="zh-CN" dirty="0">
+                <a:solidFill>
+                  <a:schemeClr val="tx1">
+                    <a:lumMod val="50000"/>
+                    <a:lumOff val="50000"/>
+                  </a:schemeClr>
+                </a:solidFill>
+                <a:latin typeface="Arial" panose="020B0604020202020204" pitchFamily="34" charset="0"/>
+                <a:cs typeface="Arial" panose="020B0604020202020204" pitchFamily="34" charset="0"/>
+              </a:rPr>
+              <a:t>Thank you for watching</a:t>
+            </a:r>
+            <a:endParaRPr lang="zh-CN" altLang="en-US" dirty="0">
+              <a:solidFill>
+                <a:schemeClr val="tx1">
+                  <a:lumMod val="50000"/>
+                  <a:lumOff val="50000"/>
+                </a:schemeClr>
+              </a:solidFill>
+              <a:latin typeface="Arial" panose="020B0604020202020204" pitchFamily="34" charset="0"/>
+              <a:cs typeface="Arial" panose="020B0604020202020204" pitchFamily="34" charset="0"/>
+            </a:endParaRPr>
+          </a:p>
+        </p:txBody>
+      </p:sp>
+      <p:pic>
+        <p:nvPicPr>
+          <p:cNvPr id="10" name="图片 9"/>
+          <p:cNvPicPr>
+            <a:picLocks noChangeAspect="1"/>
+          </p:cNvPicPr>
+          <p:nvPr/>
+        </p:nvPicPr>
+        <p:blipFill>
+          <a:blip r:embed="rId3" cstate="print">
+            <a:extLst>
+              <a:ext uri="{28A0092B-C50C-407E-A947-70E740481C1C}">
+                <a14:useLocalDpi xmlns:a14="http://schemas.microsoft.com/office/drawing/2010/main" val="0"/>
+              </a:ext>
+            </a:extLst>
+          </a:blip>
+          <a:stretch>
+            <a:fillRect/>
+          </a:stretch>
+        </p:blipFill>
+        <p:spPr>
+          <a:xfrm>
+            <a:off x="5609353" y="1336678"/>
+            <a:ext cx="973293" cy="973293"/>
+          </a:xfrm>
+          <a:prstGeom prst="rect">
+            <a:avLst/>
+          </a:prstGeom>
+        </p:spPr>
+      </p:pic>
+    </p:spTree>
+    <p:extLst>
+      <p:ext uri="{BB962C8B-B14F-4D97-AF65-F5344CB8AC3E}">
+        <p14:creationId xmlns:p14="http://schemas.microsoft.com/office/powerpoint/2010/main" val="133335949"/>
+      </p:ext>
+    </p:extLst>
+  </p:cSld>
+  <p:clrMapOvr>
+    <a:masterClrMapping/>
+  </p:clrMapOvr>
+  <mc:AlternateContent xmlns:mc="http://schemas.openxmlformats.org/markup-compatibility/2006" xmlns:p14="http://schemas.microsoft.com/office/powerpoint/2010/main">
+    <mc:Choice Requires="p14">
+      <p:transition spd="med" p14:dur="700">
+        <p:fade/>
+      </p:transition>
+    </mc:Choice>
+    <mc:Fallback xmlns="">
+      <p:transition spd="med">
+        <p:fade/>
+      </p:transition>
+    </mc:Fallback>
+  </mc:AlternateContent>
+  <p:timing>
+    <p:tnLst>
+      <p:par>
+        <p:cTn id="1" dur="indefinite" restart="never" nodeType="tmRoot">
+          <p:childTnLst>
+            <p:seq concurrent="1" nextAc="seek">
+              <p:cTn id="2" dur="indefinite" nodeType="mainSeq">
+                <p:childTnLst>
+                  <p:par>
+                    <p:cTn id="3" fill="hold">
+                      <p:stCondLst>
+                        <p:cond delay="indefinite"/>
+                        <p:cond evt="onBegin" delay="0">
+                          <p:tn val="2"/>
+                        </p:cond>
+                      </p:stCondLst>
+                      <p:childTnLst>
+                        <p:par>
+                          <p:cTn id="4" fill="hold">
+                            <p:stCondLst>
+                              <p:cond delay="0"/>
+                            </p:stCondLst>
+                            <p:childTnLst>
+                              <p:par>
+                                <p:cTn id="5" presetID="10" presetClass="entr" presetSubtype="0" fill="hold" nodeType="withEffect">
+                                  <p:stCondLst>
+                                    <p:cond delay="0"/>
+                                  </p:stCondLst>
+                                  <p:childTnLst>
+                                    <p:set>
+                                      <p:cBhvr>
+                                        <p:cTn id="6" dur="1" fill="hold">
+                                          <p:stCondLst>
+                                            <p:cond delay="0"/>
+                                          </p:stCondLst>
+                                        </p:cTn>
+                                        <p:tgtEl>
+                                          <p:spTgt spid="4"/>
+                                        </p:tgtEl>
+                                        <p:attrNameLst>
+                                          <p:attrName>style.visibility</p:attrName>
+                                        </p:attrNameLst>
+                                      </p:cBhvr>
+                                      <p:to>
+                                        <p:strVal val="visible"/>
+                                      </p:to>
+                                    </p:set>
+                                    <p:animEffect transition="in" filter="fade">
+                                      <p:cBhvr>
+                                        <p:cTn id="7" dur="1000"/>
+                                        <p:tgtEl>
+                                          <p:spTgt spid="4"/>
+                                        </p:tgtEl>
+                                      </p:cBhvr>
+                                    </p:animEffect>
+                                  </p:childTnLst>
+                                </p:cTn>
+                              </p:par>
+                            </p:childTnLst>
+                          </p:cTn>
+                        </p:par>
+                        <p:par>
+                          <p:cTn id="8" fill="hold">
+                            <p:stCondLst>
+                              <p:cond delay="1000"/>
+                            </p:stCondLst>
+                            <p:childTnLst>
+                              <p:par>
+                                <p:cTn id="9" presetID="6" presetClass="emph" presetSubtype="0" decel="100000" fill="hold" nodeType="afterEffect">
+                                  <p:stCondLst>
+                                    <p:cond delay="0"/>
+                                  </p:stCondLst>
+                                  <p:childTnLst>
+                                    <p:animScale>
+                                      <p:cBhvr>
+                                        <p:cTn id="10" dur="5000" fill="hold"/>
+                                        <p:tgtEl>
+                                          <p:spTgt spid="4"/>
+                                        </p:tgtEl>
+                                      </p:cBhvr>
+                                      <p:by x="115000" y="115000"/>
+                                    </p:animScale>
+                                  </p:childTnLst>
+                                </p:cTn>
+                              </p:par>
+                              <p:par>
+                                <p:cTn id="11" presetID="17" presetClass="entr" presetSubtype="10" fill="hold" grpId="0" nodeType="withEffect">
+                                  <p:stCondLst>
+                                    <p:cond delay="500"/>
+                                  </p:stCondLst>
+                                  <p:childTnLst>
+                                    <p:set>
+                                      <p:cBhvr>
+                                        <p:cTn id="12" dur="1" fill="hold">
+                                          <p:stCondLst>
+                                            <p:cond delay="0"/>
+                                          </p:stCondLst>
+                                        </p:cTn>
+                                        <p:tgtEl>
+                                          <p:spTgt spid="5"/>
+                                        </p:tgtEl>
+                                        <p:attrNameLst>
+                                          <p:attrName>style.visibility</p:attrName>
+                                        </p:attrNameLst>
+                                      </p:cBhvr>
+                                      <p:to>
+                                        <p:strVal val="visible"/>
+                                      </p:to>
+                                    </p:set>
+                                    <p:anim calcmode="lin" valueType="num">
+                                      <p:cBhvr>
+                                        <p:cTn id="13" dur="500" fill="hold"/>
+                                        <p:tgtEl>
+                                          <p:spTgt spid="5"/>
+                                        </p:tgtEl>
+                                        <p:attrNameLst>
+                                          <p:attrName>ppt_w</p:attrName>
+                                        </p:attrNameLst>
+                                      </p:cBhvr>
+                                      <p:tavLst>
+                                        <p:tav tm="0">
+                                          <p:val>
+                                            <p:fltVal val="0"/>
+                                          </p:val>
+                                        </p:tav>
+                                        <p:tav tm="100000">
+                                          <p:val>
+                                            <p:strVal val="#ppt_w"/>
+                                          </p:val>
+                                        </p:tav>
+                                      </p:tavLst>
+                                    </p:anim>
+                                    <p:anim calcmode="lin" valueType="num">
+                                      <p:cBhvr>
+                                        <p:cTn id="14" dur="500" fill="hold"/>
+                                        <p:tgtEl>
+                                          <p:spTgt spid="5"/>
+                                        </p:tgtEl>
+                                        <p:attrNameLst>
+                                          <p:attrName>ppt_h</p:attrName>
+                                        </p:attrNameLst>
+                                      </p:cBhvr>
+                                      <p:tavLst>
+                                        <p:tav tm="0">
+                                          <p:val>
+                                            <p:strVal val="#ppt_h"/>
+                                          </p:val>
+                                        </p:tav>
+                                        <p:tav tm="100000">
+                                          <p:val>
+                                            <p:strVal val="#ppt_h"/>
+                                          </p:val>
+                                        </p:tav>
+                                      </p:tavLst>
+                                    </p:anim>
+                                  </p:childTnLst>
+                                </p:cTn>
+                              </p:par>
+                              <p:par>
+                                <p:cTn id="15" presetID="2" presetClass="entr" presetSubtype="6" fill="hold" nodeType="withEffect">
+                                  <p:stCondLst>
+                                    <p:cond delay="1500"/>
+                                  </p:stCondLst>
+                                  <p:childTnLst>
+                                    <p:set>
+                                      <p:cBhvr>
+                                        <p:cTn id="16" dur="1" fill="hold">
+                                          <p:stCondLst>
+                                            <p:cond delay="0"/>
+                                          </p:stCondLst>
+                                        </p:cTn>
+                                        <p:tgtEl>
+                                          <p:spTgt spid="10"/>
+                                        </p:tgtEl>
+                                        <p:attrNameLst>
+                                          <p:attrName>style.visibility</p:attrName>
+                                        </p:attrNameLst>
+                                      </p:cBhvr>
+                                      <p:to>
+                                        <p:strVal val="visible"/>
+                                      </p:to>
+                                    </p:set>
+                                    <p:anim calcmode="lin" valueType="num">
+                                      <p:cBhvr additive="base">
+                                        <p:cTn id="17" dur="1000" fill="hold"/>
+                                        <p:tgtEl>
+                                          <p:spTgt spid="10"/>
+                                        </p:tgtEl>
+                                        <p:attrNameLst>
+                                          <p:attrName>ppt_x</p:attrName>
+                                        </p:attrNameLst>
+                                      </p:cBhvr>
+                                      <p:tavLst>
+                                        <p:tav tm="0">
+                                          <p:val>
+                                            <p:strVal val="1+#ppt_w/2"/>
+                                          </p:val>
+                                        </p:tav>
+                                        <p:tav tm="100000">
+                                          <p:val>
+                                            <p:strVal val="#ppt_x"/>
+                                          </p:val>
+                                        </p:tav>
+                                      </p:tavLst>
+                                    </p:anim>
+                                    <p:anim calcmode="lin" valueType="num">
+                                      <p:cBhvr additive="base">
+                                        <p:cTn id="18" dur="1000" fill="hold"/>
+                                        <p:tgtEl>
+                                          <p:spTgt spid="10"/>
+                                        </p:tgtEl>
+                                        <p:attrNameLst>
+                                          <p:attrName>ppt_y</p:attrName>
+                                        </p:attrNameLst>
+                                      </p:cBhvr>
+                                      <p:tavLst>
+                                        <p:tav tm="0">
+                                          <p:val>
+                                            <p:strVal val="1+#ppt_h/2"/>
+                                          </p:val>
+                                        </p:tav>
+                                        <p:tav tm="100000">
+                                          <p:val>
+                                            <p:strVal val="#ppt_y"/>
+                                          </p:val>
+                                        </p:tav>
+                                      </p:tavLst>
+                                    </p:anim>
+                                  </p:childTnLst>
+                                </p:cTn>
+                              </p:par>
+                              <p:par>
+                                <p:cTn id="19" presetID="2" presetClass="entr" presetSubtype="2" decel="100000" fill="hold" grpId="0" nodeType="withEffect">
+                                  <p:stCondLst>
+                                    <p:cond delay="1500"/>
+                                  </p:stCondLst>
+                                  <p:iterate type="lt">
+                                    <p:tmPct val="10000"/>
+                                  </p:iterate>
+                                  <p:childTnLst>
+                                    <p:set>
+                                      <p:cBhvr>
+                                        <p:cTn id="20" dur="1" fill="hold">
+                                          <p:stCondLst>
+                                            <p:cond delay="0"/>
+                                          </p:stCondLst>
+                                        </p:cTn>
+                                        <p:tgtEl>
+                                          <p:spTgt spid="6">
+                                            <p:txEl>
+                                              <p:pRg st="0" end="0"/>
+                                            </p:txEl>
+                                          </p:spTgt>
+                                        </p:tgtEl>
+                                        <p:attrNameLst>
+                                          <p:attrName>style.visibility</p:attrName>
+                                        </p:attrNameLst>
+                                      </p:cBhvr>
+                                      <p:to>
+                                        <p:strVal val="visible"/>
+                                      </p:to>
+                                    </p:set>
+                                    <p:anim calcmode="lin" valueType="num">
+                                      <p:cBhvr additive="base">
+                                        <p:cTn id="21" dur="1000" fill="hold"/>
+                                        <p:tgtEl>
+                                          <p:spTgt spid="6">
+                                            <p:txEl>
+                                              <p:pRg st="0" end="0"/>
+                                            </p:txEl>
+                                          </p:spTgt>
+                                        </p:tgtEl>
+                                        <p:attrNameLst>
+                                          <p:attrName>ppt_x</p:attrName>
+                                        </p:attrNameLst>
+                                      </p:cBhvr>
+                                      <p:tavLst>
+                                        <p:tav tm="0">
+                                          <p:val>
+                                            <p:strVal val="1+#ppt_w/2"/>
+                                          </p:val>
+                                        </p:tav>
+                                        <p:tav tm="100000">
+                                          <p:val>
+                                            <p:strVal val="#ppt_x"/>
+                                          </p:val>
+                                        </p:tav>
+                                      </p:tavLst>
+                                    </p:anim>
+                                    <p:anim calcmode="lin" valueType="num">
+                                      <p:cBhvr additive="base">
+                                        <p:cTn id="22" dur="1000" fill="hold"/>
+                                        <p:tgtEl>
+                                          <p:spTgt spid="6">
+                                            <p:txEl>
+                                              <p:pRg st="0" end="0"/>
+                                            </p:txEl>
+                                          </p:spTgt>
+                                        </p:tgtEl>
+                                        <p:attrNameLst>
+                                          <p:attrName>ppt_y</p:attrName>
+                                        </p:attrNameLst>
+                                      </p:cBhvr>
+                                      <p:tavLst>
+                                        <p:tav tm="0">
+                                          <p:val>
+                                            <p:strVal val="#ppt_y"/>
+                                          </p:val>
+                                        </p:tav>
+                                        <p:tav tm="100000">
+                                          <p:val>
+                                            <p:strVal val="#ppt_y"/>
+                                          </p:val>
+                                        </p:tav>
+                                      </p:tavLst>
+                                    </p:anim>
+                                  </p:childTnLst>
+                                </p:cTn>
+                              </p:par>
+                              <p:par>
+                                <p:cTn id="23" presetID="2" presetClass="entr" presetSubtype="2" fill="hold" grpId="0" nodeType="withEffect">
+                                  <p:stCondLst>
+                                    <p:cond delay="1500"/>
+                                  </p:stCondLst>
+                                  <p:childTnLst>
+                                    <p:set>
+                                      <p:cBhvr>
+                                        <p:cTn id="24" dur="1" fill="hold">
+                                          <p:stCondLst>
+                                            <p:cond delay="0"/>
+                                          </p:stCondLst>
+                                        </p:cTn>
+                                        <p:tgtEl>
+                                          <p:spTgt spid="7"/>
+                                        </p:tgtEl>
+                                        <p:attrNameLst>
+                                          <p:attrName>style.visibility</p:attrName>
+                                        </p:attrNameLst>
+                                      </p:cBhvr>
+                                      <p:to>
+                                        <p:strVal val="visible"/>
+                                      </p:to>
+                                    </p:set>
+                                    <p:anim calcmode="lin" valueType="num">
+                                      <p:cBhvr additive="base">
+                                        <p:cTn id="25" dur="1000" fill="hold"/>
+                                        <p:tgtEl>
+                                          <p:spTgt spid="7"/>
+                                        </p:tgtEl>
+                                        <p:attrNameLst>
+                                          <p:attrName>ppt_x</p:attrName>
+                                        </p:attrNameLst>
+                                      </p:cBhvr>
+                                      <p:tavLst>
+                                        <p:tav tm="0">
+                                          <p:val>
+                                            <p:strVal val="1+#ppt_w/2"/>
+                                          </p:val>
+                                        </p:tav>
+                                        <p:tav tm="100000">
+                                          <p:val>
+                                            <p:strVal val="#ppt_x"/>
+                                          </p:val>
+                                        </p:tav>
+                                      </p:tavLst>
+                                    </p:anim>
+                                    <p:anim calcmode="lin" valueType="num">
+                                      <p:cBhvr additive="base">
+                                        <p:cTn id="26" dur="1000" fill="hold"/>
+                                        <p:tgtEl>
+                                          <p:spTgt spid="7"/>
+                                        </p:tgtEl>
+                                        <p:attrNameLst>
+                                          <p:attrName>ppt_y</p:attrName>
+                                        </p:attrNameLst>
+                                      </p:cBhvr>
+                                      <p:tavLst>
+                                        <p:tav tm="0">
+                                          <p:val>
+                                            <p:strVal val="#ppt_y"/>
+                                          </p:val>
+                                        </p:tav>
+                                        <p:tav tm="100000">
+                                          <p:val>
+                                            <p:strVal val="#ppt_y"/>
+                                          </p:val>
+                                        </p:tav>
+                                      </p:tavLst>
+                                    </p:anim>
+                                  </p:childTnLst>
+                                </p:cTn>
+                              </p:par>
+                              <p:par>
+                                <p:cTn id="27" presetID="2" presetClass="entr" presetSubtype="2" decel="100000" fill="hold" grpId="0" nodeType="withEffect">
+                                  <p:stCondLst>
+                                    <p:cond delay="2000"/>
+                                  </p:stCondLst>
+                                  <p:iterate type="lt">
+                                    <p:tmPct val="10000"/>
+                                  </p:iterate>
+                                  <p:childTnLst>
+                                    <p:set>
+                                      <p:cBhvr>
+                                        <p:cTn id="28" dur="1" fill="hold">
+                                          <p:stCondLst>
+                                            <p:cond delay="0"/>
+                                          </p:stCondLst>
+                                        </p:cTn>
+                                        <p:tgtEl>
+                                          <p:spTgt spid="8"/>
+                                        </p:tgtEl>
+                                        <p:attrNameLst>
+                                          <p:attrName>style.visibility</p:attrName>
+                                        </p:attrNameLst>
+                                      </p:cBhvr>
+                                      <p:to>
+                                        <p:strVal val="visible"/>
+                                      </p:to>
+                                    </p:set>
+                                    <p:anim calcmode="lin" valueType="num">
+                                      <p:cBhvr additive="base">
+                                        <p:cTn id="29" dur="500" fill="hold"/>
+                                        <p:tgtEl>
+                                          <p:spTgt spid="8"/>
+                                        </p:tgtEl>
+                                        <p:attrNameLst>
+                                          <p:attrName>ppt_x</p:attrName>
+                                        </p:attrNameLst>
+                                      </p:cBhvr>
+                                      <p:tavLst>
+                                        <p:tav tm="0">
+                                          <p:val>
+                                            <p:strVal val="1+#ppt_w/2"/>
+                                          </p:val>
+                                        </p:tav>
+                                        <p:tav tm="100000">
+                                          <p:val>
+                                            <p:strVal val="#ppt_x"/>
+                                          </p:val>
+                                        </p:tav>
+                                      </p:tavLst>
+                                    </p:anim>
+                                    <p:anim calcmode="lin" valueType="num">
+                                      <p:cBhvr additive="base">
+                                        <p:cTn id="30" dur="500" fill="hold"/>
+                                        <p:tgtEl>
+                                          <p:spTgt spid="8"/>
+                                        </p:tgtEl>
+                                        <p:attrNameLst>
+                                          <p:attrName>ppt_y</p:attrName>
+                                        </p:attrNameLst>
+                                      </p:cBhvr>
+                                      <p:tavLst>
+                                        <p:tav tm="0">
+                                          <p:val>
+                                            <p:strVal val="#ppt_y"/>
+                                          </p:val>
+                                        </p:tav>
+                                        <p:tav tm="100000">
+                                          <p:val>
+                                            <p:strVal val="#ppt_y"/>
+                                          </p:val>
+                                        </p:tav>
+                                      </p:tavLst>
+                                    </p:anim>
+                                  </p:childTnLst>
+                                </p:cTn>
+                              </p:par>
+                            </p:childTnLst>
+                          </p:cTn>
+                        </p:par>
+                      </p:childTnLst>
+                    </p:cTn>
+                  </p:par>
+                </p:childTnLst>
+              </p:cTn>
+              <p:prevCondLst>
+                <p:cond evt="onPrev" delay="0">
+                  <p:tgtEl>
+                    <p:sldTgt/>
+                  </p:tgtEl>
+                </p:cond>
+              </p:prevCondLst>
+              <p:nextCondLst>
+                <p:cond evt="onNext" delay="0">
+                  <p:tgtEl>
+                    <p:sldTgt/>
+                  </p:tgtEl>
+                </p:cond>
+              </p:nextCondLst>
+            </p:seq>
+          </p:childTnLst>
+        </p:cTn>
+      </p:par>
+    </p:tnLst>
+    <p:bldLst>
+      <p:bldP spid="5" grpId="0" animBg="1"/>
+      <p:bldP spid="6" grpId="0" build="p"/>
+      <p:bldP spid="7" grpId="0" animBg="1"/>
+      <p:bldP spid="8" grpId="0"/>
     </p:bldLst>
   </p:timing>
 </p:sld>
